--- a/reports/Predicting Genetic Variants that are Conflicting Classified.pptx
+++ b/reports/Predicting Genetic Variants that are Conflicting Classified.pptx
@@ -20,23 +20,25 @@
     <p:sldId id="265" r:id="rId16"/>
     <p:sldId id="266" r:id="rId17"/>
     <p:sldId id="267" r:id="rId18"/>
+    <p:sldId id="268" r:id="rId19"/>
+    <p:sldId id="269" r:id="rId20"/>
   </p:sldIdLst>
   <p:sldSz cy="5143500" cx="9144000"/>
   <p:notesSz cx="6858000" cy="9144000"/>
   <p:embeddedFontLst>
     <p:embeddedFont>
       <p:font typeface="Roboto"/>
-      <p:regular r:id="rId19"/>
-      <p:bold r:id="rId20"/>
-      <p:italic r:id="rId21"/>
-      <p:boldItalic r:id="rId22"/>
+      <p:regular r:id="rId21"/>
+      <p:bold r:id="rId22"/>
+      <p:italic r:id="rId23"/>
+      <p:boldItalic r:id="rId24"/>
     </p:embeddedFont>
     <p:embeddedFont>
       <p:font typeface="Roboto Light"/>
-      <p:regular r:id="rId23"/>
-      <p:bold r:id="rId24"/>
-      <p:italic r:id="rId25"/>
-      <p:boldItalic r:id="rId26"/>
+      <p:regular r:id="rId25"/>
+      <p:bold r:id="rId26"/>
+      <p:italic r:id="rId27"/>
+      <p:boldItalic r:id="rId28"/>
     </p:embeddedFont>
   </p:embeddedFontLst>
   <p:defaultTextStyle>
@@ -817,7 +819,7 @@
   <p:cSld>
     <p:spTree>
       <p:nvGrpSpPr>
-        <p:cNvPr id="112" name="Shape 112"/>
+        <p:cNvPr id="113" name="Shape 113"/>
         <p:cNvGrpSpPr/>
         <p:nvPr/>
       </p:nvGrpSpPr>
@@ -831,7 +833,7 @@
       </p:grpSpPr>
       <p:sp>
         <p:nvSpPr>
-          <p:cNvPr id="113" name="Google Shape;113;g815a3d5e43_0_70:notes"/>
+          <p:cNvPr id="114" name="Google Shape;114;g815a3d5e43_0_65:notes"/>
           <p:cNvSpPr/>
           <p:nvPr>
             <p:ph idx="2" type="sldImg"/>
@@ -866,7 +868,7 @@
       </p:sp>
       <p:sp>
         <p:nvSpPr>
-          <p:cNvPr id="114" name="Google Shape;114;g815a3d5e43_0_70:notes"/>
+          <p:cNvPr id="115" name="Google Shape;115;g815a3d5e43_0_65:notes"/>
           <p:cNvSpPr txBox="1"/>
           <p:nvPr>
             <p:ph idx="1" type="body"/>
@@ -897,7 +899,8 @@
               <a:buNone/>
             </a:pPr>
             <a:r>
-              <a:t/>
+              <a:rPr lang="en"/>
+              <a:t>Because this model was predicting the results of a medical test (which has implications on treatment) I wanted to optimize both precision (how many of the positives are TP) and recall (out of all the actual positives, how many were labeled as such). You dont want to needlessly send a patient to get a second genetic test (precision) but you also dont want to miss identifying cases where the patient should get a second test (recall)</a:t>
             </a:r>
             <a:endParaRPr/>
           </a:p>
@@ -916,7 +919,7 @@
   <p:cSld>
     <p:spTree>
       <p:nvGrpSpPr>
-        <p:cNvPr id="118" name="Shape 118"/>
+        <p:cNvPr id="122" name="Shape 122"/>
         <p:cNvGrpSpPr/>
         <p:nvPr/>
       </p:nvGrpSpPr>
@@ -930,7 +933,7 @@
       </p:grpSpPr>
       <p:sp>
         <p:nvSpPr>
-          <p:cNvPr id="119" name="Google Shape;119;g815a3d5e43_0_75:notes"/>
+          <p:cNvPr id="123" name="Google Shape;123;g7197066468_1_149:notes"/>
           <p:cNvSpPr/>
           <p:nvPr>
             <p:ph idx="2" type="sldImg"/>
@@ -965,7 +968,7 @@
       </p:sp>
       <p:sp>
         <p:nvSpPr>
-          <p:cNvPr id="120" name="Google Shape;120;g815a3d5e43_0_75:notes"/>
+          <p:cNvPr id="124" name="Google Shape;124;g7197066468_1_149:notes"/>
           <p:cNvSpPr txBox="1"/>
           <p:nvPr>
             <p:ph idx="1" type="body"/>
@@ -996,9 +999,120 @@
               <a:buNone/>
             </a:pPr>
             <a:r>
-              <a:t/>
+              <a:rPr lang="en"/>
+              <a:t>Note: not a 1:1 comparison</a:t>
             </a:r>
             <a:endParaRPr/>
+          </a:p>
+          <a:p>
+            <a:pPr indent="0" lvl="0" marL="0" rtl="0" algn="l">
+              <a:spcBef>
+                <a:spcPts val="0"/>
+              </a:spcBef>
+              <a:spcAft>
+                <a:spcPts val="0"/>
+              </a:spcAft>
+              <a:buNone/>
+            </a:pPr>
+            <a:r>
+              <a:rPr lang="en"/>
+              <a:t>“</a:t>
+            </a:r>
+            <a:r>
+              <a:rPr lang="en" sz="1050">
+                <a:solidFill>
+                  <a:srgbClr val="4D5156"/>
+                </a:solidFill>
+                <a:highlight>
+                  <a:srgbClr val="FFFFFF"/>
+                </a:highlight>
+                <a:latin typeface="Roboto"/>
+                <a:ea typeface="Roboto"/>
+                <a:cs typeface="Roboto"/>
+                <a:sym typeface="Roboto"/>
+              </a:rPr>
+              <a:t>The </a:t>
+            </a:r>
+            <a:r>
+              <a:rPr b="1" lang="en" sz="1050">
+                <a:solidFill>
+                  <a:srgbClr val="5F6368"/>
+                </a:solidFill>
+                <a:highlight>
+                  <a:srgbClr val="FFFFFF"/>
+                </a:highlight>
+                <a:latin typeface="Roboto"/>
+                <a:ea typeface="Roboto"/>
+                <a:cs typeface="Roboto"/>
+                <a:sym typeface="Roboto"/>
+              </a:rPr>
+              <a:t>allele frequency</a:t>
+            </a:r>
+            <a:r>
+              <a:rPr lang="en" sz="1050">
+                <a:solidFill>
+                  <a:srgbClr val="4D5156"/>
+                </a:solidFill>
+                <a:highlight>
+                  <a:srgbClr val="FFFFFF"/>
+                </a:highlight>
+                <a:latin typeface="Roboto"/>
+                <a:ea typeface="Roboto"/>
+                <a:cs typeface="Roboto"/>
+                <a:sym typeface="Roboto"/>
+              </a:rPr>
+              <a:t> represents the incidence of a gene variant in a population” -nature</a:t>
+            </a:r>
+            <a:endParaRPr sz="1050">
+              <a:solidFill>
+                <a:srgbClr val="4D5156"/>
+              </a:solidFill>
+              <a:highlight>
+                <a:srgbClr val="FFFFFF"/>
+              </a:highlight>
+              <a:latin typeface="Roboto"/>
+              <a:ea typeface="Roboto"/>
+              <a:cs typeface="Roboto"/>
+              <a:sym typeface="Roboto"/>
+            </a:endParaRPr>
+          </a:p>
+          <a:p>
+            <a:pPr indent="0" lvl="0" marL="0" rtl="0" algn="l">
+              <a:spcBef>
+                <a:spcPts val="0"/>
+              </a:spcBef>
+              <a:spcAft>
+                <a:spcPts val="0"/>
+              </a:spcAft>
+              <a:buNone/>
+            </a:pPr>
+            <a:r>
+              <a:rPr lang="en" sz="1050">
+                <a:solidFill>
+                  <a:srgbClr val="4D5156"/>
+                </a:solidFill>
+                <a:highlight>
+                  <a:srgbClr val="FFFFFF"/>
+                </a:highlight>
+                <a:latin typeface="Roboto"/>
+                <a:ea typeface="Roboto"/>
+                <a:cs typeface="Roboto"/>
+                <a:sym typeface="Roboto"/>
+              </a:rPr>
+              <a:t>Makes sense: the negative relationship indicates that the lower an AF is in the population, the more rare, the higher the chance that the classification with be class=1 (conflictingly classified)</a:t>
+            </a:r>
+            <a:endParaRPr sz="1050">
+              <a:solidFill>
+                <a:srgbClr val="4D5156"/>
+              </a:solidFill>
+              <a:highlight>
+                <a:srgbClr val="FFFFFF"/>
+              </a:highlight>
+              <a:latin typeface="Roboto"/>
+              <a:ea typeface="Roboto"/>
+              <a:cs typeface="Roboto"/>
+              <a:sym typeface="Roboto"/>
+            </a:endParaRPr>
           </a:p>
         </p:txBody>
       </p:sp>
@@ -1015,7 +1129,7 @@
   <p:cSld>
     <p:spTree>
       <p:nvGrpSpPr>
-        <p:cNvPr id="124" name="Shape 124"/>
+        <p:cNvPr id="129" name="Shape 129"/>
         <p:cNvGrpSpPr/>
         <p:nvPr/>
       </p:nvGrpSpPr>
@@ -1029,7 +1143,7 @@
       </p:grpSpPr>
       <p:sp>
         <p:nvSpPr>
-          <p:cNvPr id="125" name="Google Shape;125;g815a3d5e43_0_80:notes"/>
+          <p:cNvPr id="130" name="Google Shape;130;g815a3d5e43_0_70:notes"/>
           <p:cNvSpPr/>
           <p:nvPr>
             <p:ph idx="2" type="sldImg"/>
@@ -1064,7 +1178,205 @@
       </p:sp>
       <p:sp>
         <p:nvSpPr>
-          <p:cNvPr id="126" name="Google Shape;126;g815a3d5e43_0_80:notes"/>
+          <p:cNvPr id="131" name="Google Shape;131;g815a3d5e43_0_70:notes"/>
+          <p:cNvSpPr txBox="1"/>
+          <p:nvPr>
+            <p:ph idx="1" type="body"/>
+          </p:nvPr>
+        </p:nvSpPr>
+        <p:spPr>
+          <a:xfrm>
+            <a:off x="685800" y="4343400"/>
+            <a:ext cx="5486400" cy="4114800"/>
+          </a:xfrm>
+          <a:prstGeom prst="rect">
+            <a:avLst/>
+          </a:prstGeom>
+        </p:spPr>
+        <p:txBody>
+          <a:bodyPr anchorCtr="0" anchor="t" bIns="91425" lIns="91425" spcFirstLastPara="1" rIns="91425" wrap="square" tIns="91425">
+            <a:noAutofit/>
+          </a:bodyPr>
+          <a:lstStyle/>
+          <a:p>
+            <a:pPr indent="0" lvl="0" marL="0" rtl="0" algn="l">
+              <a:spcBef>
+                <a:spcPts val="0"/>
+              </a:spcBef>
+              <a:spcAft>
+                <a:spcPts val="0"/>
+              </a:spcAft>
+              <a:buNone/>
+            </a:pPr>
+            <a:r>
+              <a:t/>
+            </a:r>
+            <a:endParaRPr/>
+          </a:p>
+        </p:txBody>
+      </p:sp>
+    </p:spTree>
+  </p:cSld>
+  <p:clrMapOvr>
+    <a:masterClrMapping/>
+  </p:clrMapOvr>
+</p:notes>
+</file>
+
+<file path=ppt/notesSlides/notesSlide13.xml><?xml version="1.0" encoding="utf-8"?>
+<p:notes xmlns:a="http://schemas.openxmlformats.org/drawingml/2006/main" xmlns:r="http://schemas.openxmlformats.org/officeDocument/2006/relationships" xmlns:mc="http://schemas.openxmlformats.org/markup-compatibility/2006" xmlns:mv="urn:schemas-microsoft-com:mac:vml" xmlns:p="http://schemas.openxmlformats.org/presentationml/2006/main" xmlns:c="http://schemas.openxmlformats.org/drawingml/2006/chart" xmlns:dgm="http://schemas.openxmlformats.org/drawingml/2006/diagram" xmlns:o="urn:schemas-microsoft-com:office:office" xmlns:v="urn:schemas-microsoft-com:vml" xmlns:pvml="urn:schemas-microsoft-com:office:powerpoint" xmlns:com="http://schemas.openxmlformats.org/drawingml/2006/compatibility" xmlns:p14="http://schemas.microsoft.com/office/powerpoint/2010/main" xmlns:p15="http://schemas.microsoft.com/office/powerpoint/2012/main" showMasterPhAnim="0" showMasterSp="0">
+  <p:cSld>
+    <p:spTree>
+      <p:nvGrpSpPr>
+        <p:cNvPr id="135" name="Shape 135"/>
+        <p:cNvGrpSpPr/>
+        <p:nvPr/>
+      </p:nvGrpSpPr>
+      <p:grpSpPr>
+        <a:xfrm>
+          <a:off x="0" y="0"/>
+          <a:ext cx="0" cy="0"/>
+          <a:chOff x="0" y="0"/>
+          <a:chExt cx="0" cy="0"/>
+        </a:xfrm>
+      </p:grpSpPr>
+      <p:sp>
+        <p:nvSpPr>
+          <p:cNvPr id="136" name="Google Shape;136;g815a3d5e43_0_75:notes"/>
+          <p:cNvSpPr/>
+          <p:nvPr>
+            <p:ph idx="2" type="sldImg"/>
+          </p:nvPr>
+        </p:nvSpPr>
+        <p:spPr>
+          <a:xfrm>
+            <a:off x="381300" y="685800"/>
+            <a:ext cx="6096000" cy="3429000"/>
+          </a:xfrm>
+          <a:custGeom>
+            <a:rect b="b" l="l" r="r" t="t"/>
+            <a:pathLst>
+              <a:path extrusionOk="0" h="120000" w="120000">
+                <a:moveTo>
+                  <a:pt x="0" y="0"/>
+                </a:moveTo>
+                <a:lnTo>
+                  <a:pt x="120000" y="0"/>
+                </a:lnTo>
+                <a:lnTo>
+                  <a:pt x="120000" y="120000"/>
+                </a:lnTo>
+                <a:lnTo>
+                  <a:pt x="0" y="120000"/>
+                </a:lnTo>
+                <a:close/>
+              </a:path>
+            </a:pathLst>
+          </a:custGeom>
+        </p:spPr>
+      </p:sp>
+      <p:sp>
+        <p:nvSpPr>
+          <p:cNvPr id="137" name="Google Shape;137;g815a3d5e43_0_75:notes"/>
+          <p:cNvSpPr txBox="1"/>
+          <p:nvPr>
+            <p:ph idx="1" type="body"/>
+          </p:nvPr>
+        </p:nvSpPr>
+        <p:spPr>
+          <a:xfrm>
+            <a:off x="685800" y="4343400"/>
+            <a:ext cx="5486400" cy="4114800"/>
+          </a:xfrm>
+          <a:prstGeom prst="rect">
+            <a:avLst/>
+          </a:prstGeom>
+        </p:spPr>
+        <p:txBody>
+          <a:bodyPr anchorCtr="0" anchor="t" bIns="91425" lIns="91425" spcFirstLastPara="1" rIns="91425" wrap="square" tIns="91425">
+            <a:noAutofit/>
+          </a:bodyPr>
+          <a:lstStyle/>
+          <a:p>
+            <a:pPr indent="0" lvl="0" marL="0" rtl="0" algn="l">
+              <a:spcBef>
+                <a:spcPts val="0"/>
+              </a:spcBef>
+              <a:spcAft>
+                <a:spcPts val="0"/>
+              </a:spcAft>
+              <a:buNone/>
+            </a:pPr>
+            <a:r>
+              <a:t/>
+            </a:r>
+            <a:endParaRPr/>
+          </a:p>
+        </p:txBody>
+      </p:sp>
+    </p:spTree>
+  </p:cSld>
+  <p:clrMapOvr>
+    <a:masterClrMapping/>
+  </p:clrMapOvr>
+</p:notes>
+</file>
+
+<file path=ppt/notesSlides/notesSlide14.xml><?xml version="1.0" encoding="utf-8"?>
+<p:notes xmlns:a="http://schemas.openxmlformats.org/drawingml/2006/main" xmlns:r="http://schemas.openxmlformats.org/officeDocument/2006/relationships" xmlns:mc="http://schemas.openxmlformats.org/markup-compatibility/2006" xmlns:mv="urn:schemas-microsoft-com:mac:vml" xmlns:p="http://schemas.openxmlformats.org/presentationml/2006/main" xmlns:c="http://schemas.openxmlformats.org/drawingml/2006/chart" xmlns:dgm="http://schemas.openxmlformats.org/drawingml/2006/diagram" xmlns:o="urn:schemas-microsoft-com:office:office" xmlns:v="urn:schemas-microsoft-com:vml" xmlns:pvml="urn:schemas-microsoft-com:office:powerpoint" xmlns:com="http://schemas.openxmlformats.org/drawingml/2006/compatibility" xmlns:p14="http://schemas.microsoft.com/office/powerpoint/2010/main" xmlns:p15="http://schemas.microsoft.com/office/powerpoint/2012/main" showMasterPhAnim="0" showMasterSp="0">
+  <p:cSld>
+    <p:spTree>
+      <p:nvGrpSpPr>
+        <p:cNvPr id="141" name="Shape 141"/>
+        <p:cNvGrpSpPr/>
+        <p:nvPr/>
+      </p:nvGrpSpPr>
+      <p:grpSpPr>
+        <a:xfrm>
+          <a:off x="0" y="0"/>
+          <a:ext cx="0" cy="0"/>
+          <a:chOff x="0" y="0"/>
+          <a:chExt cx="0" cy="0"/>
+        </a:xfrm>
+      </p:grpSpPr>
+      <p:sp>
+        <p:nvSpPr>
+          <p:cNvPr id="142" name="Google Shape;142;g815a3d5e43_0_80:notes"/>
+          <p:cNvSpPr/>
+          <p:nvPr>
+            <p:ph idx="2" type="sldImg"/>
+          </p:nvPr>
+        </p:nvSpPr>
+        <p:spPr>
+          <a:xfrm>
+            <a:off x="381300" y="685800"/>
+            <a:ext cx="6096000" cy="3429000"/>
+          </a:xfrm>
+          <a:custGeom>
+            <a:rect b="b" l="l" r="r" t="t"/>
+            <a:pathLst>
+              <a:path extrusionOk="0" h="120000" w="120000">
+                <a:moveTo>
+                  <a:pt x="0" y="0"/>
+                </a:moveTo>
+                <a:lnTo>
+                  <a:pt x="120000" y="0"/>
+                </a:lnTo>
+                <a:lnTo>
+                  <a:pt x="120000" y="120000"/>
+                </a:lnTo>
+                <a:lnTo>
+                  <a:pt x="0" y="120000"/>
+                </a:lnTo>
+                <a:close/>
+              </a:path>
+            </a:pathLst>
+          </a:custGeom>
+        </p:spPr>
+      </p:sp>
+      <p:sp>
+        <p:nvSpPr>
+          <p:cNvPr id="143" name="Google Shape;143;g815a3d5e43_0_80:notes"/>
           <p:cNvSpPr txBox="1"/>
           <p:nvPr>
             <p:ph idx="1" type="body"/>
@@ -1194,7 +1506,24 @@
               <a:buNone/>
             </a:pPr>
             <a:r>
-              <a:t/>
+              <a:rPr lang="en"/>
+              <a:t>Why do we do genetic testing?</a:t>
+            </a:r>
+            <a:endParaRPr/>
+          </a:p>
+          <a:p>
+            <a:pPr indent="0" lvl="0" marL="0" rtl="0" algn="l">
+              <a:spcBef>
+                <a:spcPts val="0"/>
+              </a:spcBef>
+              <a:spcAft>
+                <a:spcPts val="0"/>
+              </a:spcAft>
+              <a:buNone/>
+            </a:pPr>
+            <a:r>
+              <a:rPr lang="en"/>
+              <a:t>How does genetic testing work?</a:t>
             </a:r>
             <a:endParaRPr/>
           </a:p>
@@ -1312,7 +1641,7 @@
   <p:cSld>
     <p:spTree>
       <p:nvGrpSpPr>
-        <p:cNvPr id="69" name="Shape 69"/>
+        <p:cNvPr id="70" name="Shape 70"/>
         <p:cNvGrpSpPr/>
         <p:nvPr/>
       </p:nvGrpSpPr>
@@ -1326,7 +1655,7 @@
       </p:grpSpPr>
       <p:sp>
         <p:nvSpPr>
-          <p:cNvPr id="70" name="Google Shape;70;g7197066468_0_20:notes"/>
+          <p:cNvPr id="71" name="Google Shape;71;g7197066468_0_20:notes"/>
           <p:cNvSpPr/>
           <p:nvPr>
             <p:ph idx="2" type="sldImg"/>
@@ -1361,7 +1690,7 @@
       </p:sp>
       <p:sp>
         <p:nvSpPr>
-          <p:cNvPr id="71" name="Google Shape;71;g7197066468_0_20:notes"/>
+          <p:cNvPr id="72" name="Google Shape;72;g7197066468_0_20:notes"/>
           <p:cNvSpPr txBox="1"/>
           <p:nvPr>
             <p:ph idx="1" type="body"/>
@@ -1411,7 +1740,7 @@
   <p:cSld>
     <p:spTree>
       <p:nvGrpSpPr>
-        <p:cNvPr id="75" name="Shape 75"/>
+        <p:cNvPr id="76" name="Shape 76"/>
         <p:cNvGrpSpPr/>
         <p:nvPr/>
       </p:nvGrpSpPr>
@@ -1425,7 +1754,7 @@
       </p:grpSpPr>
       <p:sp>
         <p:nvSpPr>
-          <p:cNvPr id="76" name="Google Shape;76;g815a3d5e43_0_50:notes"/>
+          <p:cNvPr id="77" name="Google Shape;77;g815a3d5e43_0_50:notes"/>
           <p:cNvSpPr/>
           <p:nvPr>
             <p:ph idx="2" type="sldImg"/>
@@ -1460,7 +1789,7 @@
       </p:sp>
       <p:sp>
         <p:nvSpPr>
-          <p:cNvPr id="77" name="Google Shape;77;g815a3d5e43_0_50:notes"/>
+          <p:cNvPr id="78" name="Google Shape;78;g815a3d5e43_0_50:notes"/>
           <p:cNvSpPr txBox="1"/>
           <p:nvPr>
             <p:ph idx="1" type="body"/>
@@ -1524,7 +1853,7 @@
       </p:grpSpPr>
       <p:sp>
         <p:nvSpPr>
-          <p:cNvPr id="84" name="Google Shape;84;g815a3d5e43_0_55:notes"/>
+          <p:cNvPr id="84" name="Google Shape;84;g7813de8106_0_7:notes"/>
           <p:cNvSpPr/>
           <p:nvPr>
             <p:ph idx="2" type="sldImg"/>
@@ -1559,7 +1888,7 @@
       </p:sp>
       <p:sp>
         <p:nvSpPr>
-          <p:cNvPr id="85" name="Google Shape;85;g815a3d5e43_0_55:notes"/>
+          <p:cNvPr id="85" name="Google Shape;85;g7813de8106_0_7:notes"/>
           <p:cNvSpPr txBox="1"/>
           <p:nvPr>
             <p:ph idx="1" type="body"/>
@@ -1590,7 +1919,8 @@
               <a:buNone/>
             </a:pPr>
             <a:r>
-              <a:t/>
+              <a:rPr lang="en"/>
+              <a:t>Are some genes more frequently classified? Is one gene or chromosome particularly contentious? This could be based upon available literature</a:t>
             </a:r>
             <a:endParaRPr/>
           </a:p>
@@ -1623,7 +1953,7 @@
       </p:grpSpPr>
       <p:sp>
         <p:nvSpPr>
-          <p:cNvPr id="92" name="Google Shape;92;g815a3d5e43_0_60:notes"/>
+          <p:cNvPr id="92" name="Google Shape;92;g815a3d5e43_0_55:notes"/>
           <p:cNvSpPr/>
           <p:nvPr>
             <p:ph idx="2" type="sldImg"/>
@@ -1658,7 +1988,7 @@
       </p:sp>
       <p:sp>
         <p:nvSpPr>
-          <p:cNvPr id="93" name="Google Shape;93;g815a3d5e43_0_60:notes"/>
+          <p:cNvPr id="93" name="Google Shape;93;g815a3d5e43_0_55:notes"/>
           <p:cNvSpPr txBox="1"/>
           <p:nvPr>
             <p:ph idx="1" type="body"/>
@@ -1689,7 +2019,8 @@
               <a:buNone/>
             </a:pPr>
             <a:r>
-              <a:t/>
+              <a:rPr lang="en"/>
+              <a:t>After this EDA and more, I came to the conclusion that this was a multidimensional problem that would require the training of a ML model to predict important features. </a:t>
             </a:r>
             <a:endParaRPr/>
           </a:p>
@@ -1708,7 +2039,7 @@
   <p:cSld>
     <p:spTree>
       <p:nvGrpSpPr>
-        <p:cNvPr id="97" name="Shape 97"/>
+        <p:cNvPr id="100" name="Shape 100"/>
         <p:cNvGrpSpPr/>
         <p:nvPr/>
       </p:nvGrpSpPr>
@@ -1722,7 +2053,7 @@
       </p:grpSpPr>
       <p:sp>
         <p:nvSpPr>
-          <p:cNvPr id="98" name="Google Shape;98;g815a3d5e43_0_65:notes"/>
+          <p:cNvPr id="101" name="Google Shape;101;g815a3d5e43_0_60:notes"/>
           <p:cNvSpPr/>
           <p:nvPr>
             <p:ph idx="2" type="sldImg"/>
@@ -1757,7 +2088,7 @@
       </p:sp>
       <p:sp>
         <p:nvSpPr>
-          <p:cNvPr id="99" name="Google Shape;99;g815a3d5e43_0_65:notes"/>
+          <p:cNvPr id="102" name="Google Shape;102;g815a3d5e43_0_60:notes"/>
           <p:cNvSpPr txBox="1"/>
           <p:nvPr>
             <p:ph idx="1" type="body"/>
@@ -1807,7 +2138,7 @@
   <p:cSld>
     <p:spTree>
       <p:nvGrpSpPr>
-        <p:cNvPr id="105" name="Shape 105"/>
+        <p:cNvPr id="107" name="Shape 107"/>
         <p:cNvGrpSpPr/>
         <p:nvPr/>
       </p:nvGrpSpPr>
@@ -1821,7 +2152,7 @@
       </p:grpSpPr>
       <p:sp>
         <p:nvSpPr>
-          <p:cNvPr id="106" name="Google Shape;106;g7197066468_1_149:notes"/>
+          <p:cNvPr id="108" name="Google Shape;108;g7813de8106_0_1:notes"/>
           <p:cNvSpPr/>
           <p:nvPr>
             <p:ph idx="2" type="sldImg"/>
@@ -1856,7 +2187,7 @@
       </p:sp>
       <p:sp>
         <p:nvSpPr>
-          <p:cNvPr id="107" name="Google Shape;107;g7197066468_1_149:notes"/>
+          <p:cNvPr id="109" name="Google Shape;109;g7813de8106_0_1:notes"/>
           <p:cNvSpPr txBox="1"/>
           <p:nvPr>
             <p:ph idx="1" type="body"/>
@@ -1887,8 +2218,7 @@
               <a:buNone/>
             </a:pPr>
             <a:r>
-              <a:rPr lang="en"/>
-              <a:t>Note: not a 1:1 comparison</a:t>
+              <a:t/>
             </a:r>
             <a:endParaRPr/>
           </a:p>
@@ -6578,8 +6908,8 @@
         </p:nvSpPr>
         <p:spPr>
           <a:xfrm>
-            <a:off x="311708" y="744575"/>
-            <a:ext cx="8520600" cy="2052600"/>
+            <a:off x="311700" y="744575"/>
+            <a:ext cx="8520600" cy="1598100"/>
           </a:xfrm>
           <a:prstGeom prst="rect">
             <a:avLst/>
@@ -6709,7 +7039,7 @@
   <p:cSld>
     <p:spTree>
       <p:nvGrpSpPr>
-        <p:cNvPr id="115" name="Shape 115"/>
+        <p:cNvPr id="116" name="Shape 116"/>
         <p:cNvGrpSpPr/>
         <p:nvPr/>
       </p:nvGrpSpPr>
@@ -6723,7 +7053,7 @@
       </p:grpSpPr>
       <p:sp>
         <p:nvSpPr>
-          <p:cNvPr id="116" name="Google Shape;116;p22"/>
+          <p:cNvPr id="117" name="Google Shape;117;p22"/>
           <p:cNvSpPr txBox="1"/>
           <p:nvPr>
             <p:ph type="title"/>
@@ -6755,1940 +7085,6 @@
             </a:pPr>
             <a:r>
               <a:rPr lang="en"/>
-              <a:t>Conclusions</a:t>
-            </a:r>
-            <a:endParaRPr/>
-          </a:p>
-        </p:txBody>
-      </p:sp>
-      <p:sp>
-        <p:nvSpPr>
-          <p:cNvPr id="117" name="Google Shape;117;p22"/>
-          <p:cNvSpPr txBox="1"/>
-          <p:nvPr>
-            <p:ph idx="1" type="body"/>
-          </p:nvPr>
-        </p:nvSpPr>
-        <p:spPr>
-          <a:xfrm>
-            <a:off x="311700" y="1152475"/>
-            <a:ext cx="8520600" cy="3416400"/>
-          </a:xfrm>
-          <a:prstGeom prst="rect">
-            <a:avLst/>
-          </a:prstGeom>
-        </p:spPr>
-        <p:txBody>
-          <a:bodyPr anchorCtr="0" anchor="t" bIns="91425" lIns="91425" spcFirstLastPara="1" rIns="91425" wrap="square" tIns="91425">
-            <a:noAutofit/>
-          </a:bodyPr>
-          <a:lstStyle/>
-          <a:p>
-            <a:pPr indent="-342900" lvl="0" marL="457200" rtl="0" algn="l">
-              <a:spcBef>
-                <a:spcPts val="0"/>
-              </a:spcBef>
-              <a:spcAft>
-                <a:spcPts val="0"/>
-              </a:spcAft>
-              <a:buSzPts val="1800"/>
-              <a:buChar char="●"/>
-            </a:pPr>
-            <a:r>
-              <a:rPr lang="en"/>
-              <a:t>Evaluate models on the f1 score, and not just the test accuracy, due to class imbalance in our dataset</a:t>
-            </a:r>
-            <a:endParaRPr/>
-          </a:p>
-          <a:p>
-            <a:pPr indent="-342900" lvl="0" marL="457200" rtl="0" algn="l">
-              <a:spcBef>
-                <a:spcPts val="0"/>
-              </a:spcBef>
-              <a:spcAft>
-                <a:spcPts val="0"/>
-              </a:spcAft>
-              <a:buSzPts val="1800"/>
-              <a:buChar char="●"/>
-            </a:pPr>
-            <a:r>
-              <a:rPr lang="en"/>
-              <a:t>The best performing model is Random Forest Classifier</a:t>
-            </a:r>
-            <a:endParaRPr/>
-          </a:p>
-          <a:p>
-            <a:pPr indent="-342900" lvl="0" marL="457200" rtl="0" algn="l">
-              <a:spcBef>
-                <a:spcPts val="0"/>
-              </a:spcBef>
-              <a:spcAft>
-                <a:spcPts val="0"/>
-              </a:spcAft>
-              <a:buSzPts val="1800"/>
-              <a:buChar char="●"/>
-            </a:pPr>
-            <a:r>
-              <a:rPr lang="en"/>
-              <a:t>Allele frequency seems to be an important feature in both Logistic Regression and Random Forest models</a:t>
-            </a:r>
-            <a:endParaRPr/>
-          </a:p>
-          <a:p>
-            <a:pPr indent="-342900" lvl="0" marL="457200" rtl="0" algn="l">
-              <a:spcBef>
-                <a:spcPts val="0"/>
-              </a:spcBef>
-              <a:spcAft>
-                <a:spcPts val="0"/>
-              </a:spcAft>
-              <a:buSzPts val="1800"/>
-              <a:buChar char="●"/>
-            </a:pPr>
-            <a:r>
-              <a:rPr lang="en"/>
-              <a:t>In silico predictors are important features in these models - transfer learning</a:t>
-            </a:r>
-            <a:endParaRPr/>
-          </a:p>
-          <a:p>
-            <a:pPr indent="0" lvl="0" marL="457200" rtl="0" algn="l">
-              <a:spcBef>
-                <a:spcPts val="1600"/>
-              </a:spcBef>
-              <a:spcAft>
-                <a:spcPts val="1600"/>
-              </a:spcAft>
-              <a:buNone/>
-            </a:pPr>
-            <a:r>
-              <a:t/>
-            </a:r>
-            <a:endParaRPr/>
-          </a:p>
-        </p:txBody>
-      </p:sp>
-    </p:spTree>
-  </p:cSld>
-  <p:clrMapOvr>
-    <a:masterClrMapping/>
-  </p:clrMapOvr>
-</p:sld>
-</file>
-
-<file path=ppt/slides/slide11.xml><?xml version="1.0" encoding="utf-8"?>
-<p:sld xmlns:a="http://schemas.openxmlformats.org/drawingml/2006/main" xmlns:r="http://schemas.openxmlformats.org/officeDocument/2006/relationships" xmlns:mc="http://schemas.openxmlformats.org/markup-compatibility/2006" xmlns:mv="urn:schemas-microsoft-com:mac:vml" xmlns:p="http://schemas.openxmlformats.org/presentationml/2006/main" xmlns:c="http://schemas.openxmlformats.org/drawingml/2006/chart" xmlns:dgm="http://schemas.openxmlformats.org/drawingml/2006/diagram" xmlns:o="urn:schemas-microsoft-com:office:office" xmlns:v="urn:schemas-microsoft-com:vml" xmlns:pvml="urn:schemas-microsoft-com:office:powerpoint" xmlns:com="http://schemas.openxmlformats.org/drawingml/2006/compatibility" xmlns:p14="http://schemas.microsoft.com/office/powerpoint/2010/main" xmlns:p15="http://schemas.microsoft.com/office/powerpoint/2012/main">
-  <p:cSld>
-    <p:spTree>
-      <p:nvGrpSpPr>
-        <p:cNvPr id="121" name="Shape 121"/>
-        <p:cNvGrpSpPr/>
-        <p:nvPr/>
-      </p:nvGrpSpPr>
-      <p:grpSpPr>
-        <a:xfrm>
-          <a:off x="0" y="0"/>
-          <a:ext cx="0" cy="0"/>
-          <a:chOff x="0" y="0"/>
-          <a:chExt cx="0" cy="0"/>
-        </a:xfrm>
-      </p:grpSpPr>
-      <p:sp>
-        <p:nvSpPr>
-          <p:cNvPr id="122" name="Google Shape;122;p23"/>
-          <p:cNvSpPr txBox="1"/>
-          <p:nvPr>
-            <p:ph type="title"/>
-          </p:nvPr>
-        </p:nvSpPr>
-        <p:spPr>
-          <a:xfrm>
-            <a:off x="311700" y="445025"/>
-            <a:ext cx="8520600" cy="572700"/>
-          </a:xfrm>
-          <a:prstGeom prst="rect">
-            <a:avLst/>
-          </a:prstGeom>
-        </p:spPr>
-        <p:txBody>
-          <a:bodyPr anchorCtr="0" anchor="t" bIns="91425" lIns="91425" spcFirstLastPara="1" rIns="91425" wrap="square" tIns="91425">
-            <a:noAutofit/>
-          </a:bodyPr>
-          <a:lstStyle/>
-          <a:p>
-            <a:pPr indent="0" lvl="0" marL="0" rtl="0" algn="l">
-              <a:spcBef>
-                <a:spcPts val="0"/>
-              </a:spcBef>
-              <a:spcAft>
-                <a:spcPts val="0"/>
-              </a:spcAft>
-              <a:buNone/>
-            </a:pPr>
-            <a:r>
-              <a:rPr lang="en"/>
-              <a:t>Future Directions and Recommendations</a:t>
-            </a:r>
-            <a:endParaRPr/>
-          </a:p>
-        </p:txBody>
-      </p:sp>
-      <p:sp>
-        <p:nvSpPr>
-          <p:cNvPr id="123" name="Google Shape;123;p23"/>
-          <p:cNvSpPr txBox="1"/>
-          <p:nvPr>
-            <p:ph idx="1" type="body"/>
-          </p:nvPr>
-        </p:nvSpPr>
-        <p:spPr>
-          <a:xfrm>
-            <a:off x="311700" y="1152475"/>
-            <a:ext cx="8520600" cy="3416400"/>
-          </a:xfrm>
-          <a:prstGeom prst="rect">
-            <a:avLst/>
-          </a:prstGeom>
-        </p:spPr>
-        <p:txBody>
-          <a:bodyPr anchorCtr="0" anchor="t" bIns="91425" lIns="91425" spcFirstLastPara="1" rIns="91425" wrap="square" tIns="91425">
-            <a:noAutofit/>
-          </a:bodyPr>
-          <a:lstStyle/>
-          <a:p>
-            <a:pPr indent="-342900" lvl="0" marL="457200" rtl="0" algn="l">
-              <a:spcBef>
-                <a:spcPts val="0"/>
-              </a:spcBef>
-              <a:spcAft>
-                <a:spcPts val="0"/>
-              </a:spcAft>
-              <a:buSzPts val="1800"/>
-              <a:buChar char="●"/>
-            </a:pPr>
-            <a:r>
-              <a:rPr lang="en"/>
-              <a:t>Additional NLP on the categorical features that couldn’t be used</a:t>
-            </a:r>
-            <a:endParaRPr/>
-          </a:p>
-          <a:p>
-            <a:pPr indent="-317500" lvl="1" marL="914400" rtl="0" algn="l">
-              <a:spcBef>
-                <a:spcPts val="0"/>
-              </a:spcBef>
-              <a:spcAft>
-                <a:spcPts val="0"/>
-              </a:spcAft>
-              <a:buSzPts val="1400"/>
-              <a:buChar char="○"/>
-            </a:pPr>
-            <a:r>
-              <a:rPr lang="en"/>
-              <a:t>Disease identifier</a:t>
-            </a:r>
-            <a:endParaRPr/>
-          </a:p>
-          <a:p>
-            <a:pPr indent="-317500" lvl="1" marL="914400" rtl="0" algn="l">
-              <a:spcBef>
-                <a:spcPts val="0"/>
-              </a:spcBef>
-              <a:spcAft>
-                <a:spcPts val="0"/>
-              </a:spcAft>
-              <a:buSzPts val="1400"/>
-              <a:buChar char="○"/>
-            </a:pPr>
-            <a:r>
-              <a:rPr lang="en"/>
-              <a:t>Variant Consequence</a:t>
-            </a:r>
-            <a:endParaRPr/>
-          </a:p>
-          <a:p>
-            <a:pPr indent="-342900" lvl="0" marL="457200" rtl="0" algn="l">
-              <a:spcBef>
-                <a:spcPts val="0"/>
-              </a:spcBef>
-              <a:spcAft>
-                <a:spcPts val="0"/>
-              </a:spcAft>
-              <a:buSzPts val="1800"/>
-              <a:buChar char="●"/>
-            </a:pPr>
-            <a:r>
-              <a:rPr lang="en"/>
-              <a:t>NLP using SentencePiece on raw genome data at genetic loci of variants for information on co-occurring variants, and effects of other variants</a:t>
-            </a:r>
-            <a:endParaRPr/>
-          </a:p>
-        </p:txBody>
-      </p:sp>
-    </p:spTree>
-  </p:cSld>
-  <p:clrMapOvr>
-    <a:masterClrMapping/>
-  </p:clrMapOvr>
-</p:sld>
-</file>
-
-<file path=ppt/slides/slide12.xml><?xml version="1.0" encoding="utf-8"?>
-<p:sld xmlns:a="http://schemas.openxmlformats.org/drawingml/2006/main" xmlns:r="http://schemas.openxmlformats.org/officeDocument/2006/relationships" xmlns:mc="http://schemas.openxmlformats.org/markup-compatibility/2006" xmlns:mv="urn:schemas-microsoft-com:mac:vml" xmlns:p="http://schemas.openxmlformats.org/presentationml/2006/main" xmlns:c="http://schemas.openxmlformats.org/drawingml/2006/chart" xmlns:dgm="http://schemas.openxmlformats.org/drawingml/2006/diagram" xmlns:o="urn:schemas-microsoft-com:office:office" xmlns:v="urn:schemas-microsoft-com:vml" xmlns:pvml="urn:schemas-microsoft-com:office:powerpoint" xmlns:com="http://schemas.openxmlformats.org/drawingml/2006/compatibility" xmlns:p14="http://schemas.microsoft.com/office/powerpoint/2010/main" xmlns:p15="http://schemas.microsoft.com/office/powerpoint/2012/main">
-  <p:cSld>
-    <p:spTree>
-      <p:nvGrpSpPr>
-        <p:cNvPr id="127" name="Shape 127"/>
-        <p:cNvGrpSpPr/>
-        <p:nvPr/>
-      </p:nvGrpSpPr>
-      <p:grpSpPr>
-        <a:xfrm>
-          <a:off x="0" y="0"/>
-          <a:ext cx="0" cy="0"/>
-          <a:chOff x="0" y="0"/>
-          <a:chExt cx="0" cy="0"/>
-        </a:xfrm>
-      </p:grpSpPr>
-      <p:sp>
-        <p:nvSpPr>
-          <p:cNvPr id="128" name="Google Shape;128;p24"/>
-          <p:cNvSpPr txBox="1"/>
-          <p:nvPr>
-            <p:ph type="title"/>
-          </p:nvPr>
-        </p:nvSpPr>
-        <p:spPr>
-          <a:xfrm>
-            <a:off x="311700" y="445025"/>
-            <a:ext cx="8520600" cy="572700"/>
-          </a:xfrm>
-          <a:prstGeom prst="rect">
-            <a:avLst/>
-          </a:prstGeom>
-        </p:spPr>
-        <p:txBody>
-          <a:bodyPr anchorCtr="0" anchor="t" bIns="91425" lIns="91425" spcFirstLastPara="1" rIns="91425" wrap="square" tIns="91425">
-            <a:noAutofit/>
-          </a:bodyPr>
-          <a:lstStyle/>
-          <a:p>
-            <a:pPr indent="0" lvl="0" marL="0" rtl="0" algn="l">
-              <a:spcBef>
-                <a:spcPts val="0"/>
-              </a:spcBef>
-              <a:spcAft>
-                <a:spcPts val="0"/>
-              </a:spcAft>
-              <a:buNone/>
-            </a:pPr>
-            <a:r>
-              <a:rPr lang="en"/>
-              <a:t>Acknowledgments </a:t>
-            </a:r>
-            <a:endParaRPr/>
-          </a:p>
-        </p:txBody>
-      </p:sp>
-      <p:sp>
-        <p:nvSpPr>
-          <p:cNvPr id="129" name="Google Shape;129;p24"/>
-          <p:cNvSpPr txBox="1"/>
-          <p:nvPr>
-            <p:ph idx="1" type="body"/>
-          </p:nvPr>
-        </p:nvSpPr>
-        <p:spPr>
-          <a:xfrm>
-            <a:off x="311700" y="1152475"/>
-            <a:ext cx="8520600" cy="3416400"/>
-          </a:xfrm>
-          <a:prstGeom prst="rect">
-            <a:avLst/>
-          </a:prstGeom>
-        </p:spPr>
-        <p:txBody>
-          <a:bodyPr anchorCtr="0" anchor="t" bIns="91425" lIns="91425" spcFirstLastPara="1" rIns="91425" wrap="square" tIns="91425">
-            <a:noAutofit/>
-          </a:bodyPr>
-          <a:lstStyle/>
-          <a:p>
-            <a:pPr indent="-342900" lvl="0" marL="457200" rtl="0" algn="l">
-              <a:spcBef>
-                <a:spcPts val="0"/>
-              </a:spcBef>
-              <a:spcAft>
-                <a:spcPts val="0"/>
-              </a:spcAft>
-              <a:buSzPts val="1800"/>
-              <a:buChar char="●"/>
-            </a:pPr>
-            <a:r>
-              <a:rPr lang="en"/>
-              <a:t>Springboard </a:t>
-            </a:r>
-            <a:endParaRPr/>
-          </a:p>
-          <a:p>
-            <a:pPr indent="-317500" lvl="1" marL="914400" rtl="0" algn="l">
-              <a:spcBef>
-                <a:spcPts val="0"/>
-              </a:spcBef>
-              <a:spcAft>
-                <a:spcPts val="0"/>
-              </a:spcAft>
-              <a:buSzPts val="1400"/>
-              <a:buChar char="○"/>
-            </a:pPr>
-            <a:r>
-              <a:rPr lang="en"/>
-              <a:t>Hobson Lane</a:t>
-            </a:r>
-            <a:endParaRPr/>
-          </a:p>
-          <a:p>
-            <a:pPr indent="-342900" lvl="0" marL="457200" rtl="0" algn="l">
-              <a:spcBef>
-                <a:spcPts val="0"/>
-              </a:spcBef>
-              <a:spcAft>
-                <a:spcPts val="0"/>
-              </a:spcAft>
-              <a:buSzPts val="1800"/>
-              <a:buChar char="●"/>
-            </a:pPr>
-            <a:r>
-              <a:rPr lang="en"/>
-              <a:t>Data</a:t>
-            </a:r>
-            <a:endParaRPr/>
-          </a:p>
-          <a:p>
-            <a:pPr indent="-317500" lvl="1" marL="914400" rtl="0" algn="l">
-              <a:spcBef>
-                <a:spcPts val="0"/>
-              </a:spcBef>
-              <a:spcAft>
-                <a:spcPts val="0"/>
-              </a:spcAft>
-              <a:buSzPts val="1400"/>
-              <a:buChar char="○"/>
-            </a:pPr>
-            <a:r>
-              <a:rPr lang="en"/>
-              <a:t>ClinVar </a:t>
-            </a:r>
-            <a:endParaRPr/>
-          </a:p>
-          <a:p>
-            <a:pPr indent="-317500" lvl="1" marL="914400" rtl="0" algn="l">
-              <a:spcBef>
-                <a:spcPts val="0"/>
-              </a:spcBef>
-              <a:spcAft>
-                <a:spcPts val="0"/>
-              </a:spcAft>
-              <a:buSzPts val="1400"/>
-              <a:buChar char="○"/>
-            </a:pPr>
-            <a:r>
-              <a:rPr lang="en"/>
-              <a:t>Kaggle </a:t>
-            </a:r>
-            <a:endParaRPr/>
-          </a:p>
-        </p:txBody>
-      </p:sp>
-    </p:spTree>
-  </p:cSld>
-  <p:clrMapOvr>
-    <a:masterClrMapping/>
-  </p:clrMapOvr>
-</p:sld>
-</file>
-
-<file path=ppt/slides/slide2.xml><?xml version="1.0" encoding="utf-8"?>
-<p:sld xmlns:a="http://schemas.openxmlformats.org/drawingml/2006/main" xmlns:r="http://schemas.openxmlformats.org/officeDocument/2006/relationships" xmlns:mc="http://schemas.openxmlformats.org/markup-compatibility/2006" xmlns:mv="urn:schemas-microsoft-com:mac:vml" xmlns:p="http://schemas.openxmlformats.org/presentationml/2006/main" xmlns:c="http://schemas.openxmlformats.org/drawingml/2006/chart" xmlns:dgm="http://schemas.openxmlformats.org/drawingml/2006/diagram" xmlns:o="urn:schemas-microsoft-com:office:office" xmlns:v="urn:schemas-microsoft-com:vml" xmlns:pvml="urn:schemas-microsoft-com:office:powerpoint" xmlns:com="http://schemas.openxmlformats.org/drawingml/2006/compatibility" xmlns:p14="http://schemas.microsoft.com/office/powerpoint/2010/main" xmlns:p15="http://schemas.microsoft.com/office/powerpoint/2012/main">
-  <p:cSld>
-    <p:spTree>
-      <p:nvGrpSpPr>
-        <p:cNvPr id="59" name="Shape 59"/>
-        <p:cNvGrpSpPr/>
-        <p:nvPr/>
-      </p:nvGrpSpPr>
-      <p:grpSpPr>
-        <a:xfrm>
-          <a:off x="0" y="0"/>
-          <a:ext cx="0" cy="0"/>
-          <a:chOff x="0" y="0"/>
-          <a:chExt cx="0" cy="0"/>
-        </a:xfrm>
-      </p:grpSpPr>
-      <p:sp>
-        <p:nvSpPr>
-          <p:cNvPr id="60" name="Google Shape;60;p14"/>
-          <p:cNvSpPr txBox="1"/>
-          <p:nvPr>
-            <p:ph type="title"/>
-          </p:nvPr>
-        </p:nvSpPr>
-        <p:spPr>
-          <a:xfrm>
-            <a:off x="311700" y="445025"/>
-            <a:ext cx="8520600" cy="572700"/>
-          </a:xfrm>
-          <a:prstGeom prst="rect">
-            <a:avLst/>
-          </a:prstGeom>
-        </p:spPr>
-        <p:txBody>
-          <a:bodyPr anchorCtr="0" anchor="t" bIns="91425" lIns="91425" spcFirstLastPara="1" rIns="91425" wrap="square" tIns="91425">
-            <a:noAutofit/>
-          </a:bodyPr>
-          <a:lstStyle/>
-          <a:p>
-            <a:pPr indent="0" lvl="0" marL="0" rtl="0" algn="l">
-              <a:spcBef>
-                <a:spcPts val="0"/>
-              </a:spcBef>
-              <a:spcAft>
-                <a:spcPts val="0"/>
-              </a:spcAft>
-              <a:buNone/>
-            </a:pPr>
-            <a:r>
-              <a:rPr lang="en"/>
-              <a:t>Genetic Testing - Background</a:t>
-            </a:r>
-            <a:endParaRPr/>
-          </a:p>
-        </p:txBody>
-      </p:sp>
-      <p:sp>
-        <p:nvSpPr>
-          <p:cNvPr id="61" name="Google Shape;61;p14"/>
-          <p:cNvSpPr txBox="1"/>
-          <p:nvPr>
-            <p:ph idx="1" type="body"/>
-          </p:nvPr>
-        </p:nvSpPr>
-        <p:spPr>
-          <a:xfrm>
-            <a:off x="311700" y="1017725"/>
-            <a:ext cx="8520600" cy="3416400"/>
-          </a:xfrm>
-          <a:prstGeom prst="rect">
-            <a:avLst/>
-          </a:prstGeom>
-        </p:spPr>
-        <p:txBody>
-          <a:bodyPr anchorCtr="0" anchor="t" bIns="91425" lIns="91425" spcFirstLastPara="1" rIns="91425" wrap="square" tIns="91425">
-            <a:noAutofit/>
-          </a:bodyPr>
-          <a:lstStyle/>
-          <a:p>
-            <a:pPr indent="-342900" lvl="0" marL="457200" rtl="0" algn="just">
-              <a:lnSpc>
-                <a:spcPct val="100000"/>
-              </a:lnSpc>
-              <a:spcBef>
-                <a:spcPts val="0"/>
-              </a:spcBef>
-              <a:spcAft>
-                <a:spcPts val="0"/>
-              </a:spcAft>
-              <a:buClr>
-                <a:srgbClr val="000000"/>
-              </a:buClr>
-              <a:buSzPts val="1800"/>
-              <a:buChar char="●"/>
-            </a:pPr>
-            <a:r>
-              <a:rPr lang="en">
-                <a:solidFill>
-                  <a:srgbClr val="000000"/>
-                </a:solidFill>
-              </a:rPr>
-              <a:t>Reasons for genetic testing:</a:t>
-            </a:r>
-            <a:endParaRPr>
-              <a:solidFill>
-                <a:srgbClr val="000000"/>
-              </a:solidFill>
-            </a:endParaRPr>
-          </a:p>
-          <a:p>
-            <a:pPr indent="-342900" lvl="1" marL="914400" rtl="0" algn="just">
-              <a:lnSpc>
-                <a:spcPct val="100000"/>
-              </a:lnSpc>
-              <a:spcBef>
-                <a:spcPts val="0"/>
-              </a:spcBef>
-              <a:spcAft>
-                <a:spcPts val="0"/>
-              </a:spcAft>
-              <a:buClr>
-                <a:srgbClr val="000000"/>
-              </a:buClr>
-              <a:buSzPts val="1800"/>
-              <a:buChar char="○"/>
-            </a:pPr>
-            <a:r>
-              <a:rPr lang="en" sz="1800">
-                <a:solidFill>
-                  <a:srgbClr val="000000"/>
-                </a:solidFill>
-              </a:rPr>
-              <a:t>Pre-emptive screening for inherited diseases </a:t>
-            </a:r>
-            <a:endParaRPr sz="1800">
-              <a:solidFill>
-                <a:srgbClr val="000000"/>
-              </a:solidFill>
-            </a:endParaRPr>
-          </a:p>
-          <a:p>
-            <a:pPr indent="-342900" lvl="1" marL="914400" rtl="0" algn="just">
-              <a:lnSpc>
-                <a:spcPct val="100000"/>
-              </a:lnSpc>
-              <a:spcBef>
-                <a:spcPts val="0"/>
-              </a:spcBef>
-              <a:spcAft>
-                <a:spcPts val="0"/>
-              </a:spcAft>
-              <a:buClr>
-                <a:srgbClr val="000000"/>
-              </a:buClr>
-              <a:buSzPts val="1800"/>
-              <a:buChar char="○"/>
-            </a:pPr>
-            <a:r>
-              <a:rPr lang="en" sz="1800">
-                <a:solidFill>
-                  <a:srgbClr val="000000"/>
-                </a:solidFill>
-              </a:rPr>
-              <a:t>Diagnosis confirmation</a:t>
-            </a:r>
-            <a:endParaRPr sz="1800">
-              <a:solidFill>
-                <a:srgbClr val="000000"/>
-              </a:solidFill>
-            </a:endParaRPr>
-          </a:p>
-          <a:p>
-            <a:pPr indent="-342900" lvl="0" marL="457200" rtl="0" algn="just">
-              <a:lnSpc>
-                <a:spcPct val="100000"/>
-              </a:lnSpc>
-              <a:spcBef>
-                <a:spcPts val="0"/>
-              </a:spcBef>
-              <a:spcAft>
-                <a:spcPts val="0"/>
-              </a:spcAft>
-              <a:buClr>
-                <a:srgbClr val="000000"/>
-              </a:buClr>
-              <a:buSzPts val="1800"/>
-              <a:buChar char="●"/>
-            </a:pPr>
-            <a:r>
-              <a:rPr lang="en">
-                <a:solidFill>
-                  <a:srgbClr val="000000"/>
-                </a:solidFill>
-              </a:rPr>
-              <a:t>Patient samples are sent to one or more labs to test for specific variants</a:t>
-            </a:r>
-            <a:endParaRPr>
-              <a:solidFill>
-                <a:srgbClr val="000000"/>
-              </a:solidFill>
-            </a:endParaRPr>
-          </a:p>
-          <a:p>
-            <a:pPr indent="-342900" lvl="1" marL="914400" rtl="0" algn="just">
-              <a:lnSpc>
-                <a:spcPct val="100000"/>
-              </a:lnSpc>
-              <a:spcBef>
-                <a:spcPts val="0"/>
-              </a:spcBef>
-              <a:spcAft>
-                <a:spcPts val="0"/>
-              </a:spcAft>
-              <a:buClr>
-                <a:srgbClr val="000000"/>
-              </a:buClr>
-              <a:buSzPts val="1800"/>
-              <a:buChar char="○"/>
-            </a:pPr>
-            <a:r>
-              <a:rPr lang="en" sz="1800">
-                <a:solidFill>
-                  <a:srgbClr val="000000"/>
-                </a:solidFill>
-              </a:rPr>
-              <a:t>The result is scored on a 5-level scale as shown below:</a:t>
-            </a:r>
-            <a:endParaRPr sz="1800">
-              <a:solidFill>
-                <a:srgbClr val="000000"/>
-              </a:solidFill>
-            </a:endParaRPr>
-          </a:p>
-          <a:p>
-            <a:pPr indent="0" lvl="0" marL="0" rtl="0" algn="just">
-              <a:lnSpc>
-                <a:spcPct val="100000"/>
-              </a:lnSpc>
-              <a:spcBef>
-                <a:spcPts val="0"/>
-              </a:spcBef>
-              <a:spcAft>
-                <a:spcPts val="0"/>
-              </a:spcAft>
-              <a:buNone/>
-            </a:pPr>
-            <a:r>
-              <a:t/>
-            </a:r>
-            <a:endParaRPr>
-              <a:solidFill>
-                <a:srgbClr val="000000"/>
-              </a:solidFill>
-            </a:endParaRPr>
-          </a:p>
-          <a:p>
-            <a:pPr indent="0" lvl="0" marL="0" rtl="0" algn="just">
-              <a:lnSpc>
-                <a:spcPct val="100000"/>
-              </a:lnSpc>
-              <a:spcBef>
-                <a:spcPts val="0"/>
-              </a:spcBef>
-              <a:spcAft>
-                <a:spcPts val="0"/>
-              </a:spcAft>
-              <a:buNone/>
-            </a:pPr>
-            <a:r>
-              <a:t/>
-            </a:r>
-            <a:endParaRPr>
-              <a:solidFill>
-                <a:srgbClr val="000000"/>
-              </a:solidFill>
-            </a:endParaRPr>
-          </a:p>
-          <a:p>
-            <a:pPr indent="-342900" lvl="0" marL="457200" rtl="0" algn="just">
-              <a:lnSpc>
-                <a:spcPct val="100000"/>
-              </a:lnSpc>
-              <a:spcBef>
-                <a:spcPts val="0"/>
-              </a:spcBef>
-              <a:spcAft>
-                <a:spcPts val="0"/>
-              </a:spcAft>
-              <a:buClr>
-                <a:srgbClr val="000000"/>
-              </a:buClr>
-              <a:buSzPts val="1800"/>
-              <a:buChar char="●"/>
-            </a:pPr>
-            <a:r>
-              <a:rPr lang="en">
-                <a:solidFill>
-                  <a:schemeClr val="dk1"/>
-                </a:solidFill>
-              </a:rPr>
-              <a:t>Results guide treatment and healthcare planning </a:t>
-            </a:r>
-            <a:endParaRPr>
-              <a:solidFill>
-                <a:srgbClr val="000000"/>
-              </a:solidFill>
-            </a:endParaRPr>
-          </a:p>
-          <a:p>
-            <a:pPr indent="0" lvl="0" marL="914400" rtl="0" algn="just">
-              <a:lnSpc>
-                <a:spcPct val="100000"/>
-              </a:lnSpc>
-              <a:spcBef>
-                <a:spcPts val="0"/>
-              </a:spcBef>
-              <a:spcAft>
-                <a:spcPts val="0"/>
-              </a:spcAft>
-              <a:buNone/>
-            </a:pPr>
-            <a:r>
-              <a:t/>
-            </a:r>
-            <a:endParaRPr>
-              <a:solidFill>
-                <a:srgbClr val="000000"/>
-              </a:solidFill>
-            </a:endParaRPr>
-          </a:p>
-          <a:p>
-            <a:pPr indent="0" lvl="0" marL="914400" rtl="0" algn="just">
-              <a:lnSpc>
-                <a:spcPct val="100000"/>
-              </a:lnSpc>
-              <a:spcBef>
-                <a:spcPts val="0"/>
-              </a:spcBef>
-              <a:spcAft>
-                <a:spcPts val="0"/>
-              </a:spcAft>
-              <a:buNone/>
-            </a:pPr>
-            <a:r>
-              <a:t/>
-            </a:r>
-            <a:endParaRPr>
-              <a:solidFill>
-                <a:srgbClr val="000000"/>
-              </a:solidFill>
-            </a:endParaRPr>
-          </a:p>
-          <a:p>
-            <a:pPr indent="0" lvl="0" marL="0" rtl="0" algn="just">
-              <a:lnSpc>
-                <a:spcPct val="100000"/>
-              </a:lnSpc>
-              <a:spcBef>
-                <a:spcPts val="0"/>
-              </a:spcBef>
-              <a:spcAft>
-                <a:spcPts val="0"/>
-              </a:spcAft>
-              <a:buNone/>
-            </a:pPr>
-            <a:r>
-              <a:t/>
-            </a:r>
-            <a:endParaRPr>
-              <a:solidFill>
-                <a:srgbClr val="000000"/>
-              </a:solidFill>
-            </a:endParaRPr>
-          </a:p>
-          <a:p>
-            <a:pPr indent="0" lvl="0" marL="457200" rtl="0" algn="just">
-              <a:lnSpc>
-                <a:spcPct val="100000"/>
-              </a:lnSpc>
-              <a:spcBef>
-                <a:spcPts val="0"/>
-              </a:spcBef>
-              <a:spcAft>
-                <a:spcPts val="0"/>
-              </a:spcAft>
-              <a:buNone/>
-            </a:pPr>
-            <a:r>
-              <a:t/>
-            </a:r>
-            <a:endParaRPr>
-              <a:solidFill>
-                <a:srgbClr val="000000"/>
-              </a:solidFill>
-            </a:endParaRPr>
-          </a:p>
-        </p:txBody>
-      </p:sp>
-      <p:pic>
-        <p:nvPicPr>
-          <p:cNvPr id="62" name="Google Shape;62;p14"/>
-          <p:cNvPicPr preferRelativeResize="0"/>
-          <p:nvPr/>
-        </p:nvPicPr>
-        <p:blipFill>
-          <a:blip r:embed="rId3">
-            <a:alphaModFix/>
-          </a:blip>
-          <a:stretch>
-            <a:fillRect/>
-          </a:stretch>
-        </p:blipFill>
-        <p:spPr>
-          <a:xfrm>
-            <a:off x="2008313" y="2571750"/>
-            <a:ext cx="4652613" cy="404575"/>
-          </a:xfrm>
-          <a:prstGeom prst="rect">
-            <a:avLst/>
-          </a:prstGeom>
-          <a:noFill/>
-          <a:ln>
-            <a:noFill/>
-          </a:ln>
-        </p:spPr>
-      </p:pic>
-    </p:spTree>
-  </p:cSld>
-  <p:clrMapOvr>
-    <a:masterClrMapping/>
-  </p:clrMapOvr>
-</p:sld>
-</file>
-
-<file path=ppt/slides/slide3.xml><?xml version="1.0" encoding="utf-8"?>
-<p:sld xmlns:a="http://schemas.openxmlformats.org/drawingml/2006/main" xmlns:r="http://schemas.openxmlformats.org/officeDocument/2006/relationships" xmlns:mc="http://schemas.openxmlformats.org/markup-compatibility/2006" xmlns:mv="urn:schemas-microsoft-com:mac:vml" xmlns:p="http://schemas.openxmlformats.org/presentationml/2006/main" xmlns:c="http://schemas.openxmlformats.org/drawingml/2006/chart" xmlns:dgm="http://schemas.openxmlformats.org/drawingml/2006/diagram" xmlns:o="urn:schemas-microsoft-com:office:office" xmlns:v="urn:schemas-microsoft-com:vml" xmlns:pvml="urn:schemas-microsoft-com:office:powerpoint" xmlns:com="http://schemas.openxmlformats.org/drawingml/2006/compatibility" xmlns:p14="http://schemas.microsoft.com/office/powerpoint/2010/main" xmlns:p15="http://schemas.microsoft.com/office/powerpoint/2012/main">
-  <p:cSld>
-    <p:spTree>
-      <p:nvGrpSpPr>
-        <p:cNvPr id="66" name="Shape 66"/>
-        <p:cNvGrpSpPr/>
-        <p:nvPr/>
-      </p:nvGrpSpPr>
-      <p:grpSpPr>
-        <a:xfrm>
-          <a:off x="0" y="0"/>
-          <a:ext cx="0" cy="0"/>
-          <a:chOff x="0" y="0"/>
-          <a:chExt cx="0" cy="0"/>
-        </a:xfrm>
-      </p:grpSpPr>
-      <p:sp>
-        <p:nvSpPr>
-          <p:cNvPr id="67" name="Google Shape;67;p15"/>
-          <p:cNvSpPr txBox="1"/>
-          <p:nvPr>
-            <p:ph type="title"/>
-          </p:nvPr>
-        </p:nvSpPr>
-        <p:spPr>
-          <a:xfrm>
-            <a:off x="311700" y="445025"/>
-            <a:ext cx="8520600" cy="572700"/>
-          </a:xfrm>
-          <a:prstGeom prst="rect">
-            <a:avLst/>
-          </a:prstGeom>
-        </p:spPr>
-        <p:txBody>
-          <a:bodyPr anchorCtr="0" anchor="t" bIns="91425" lIns="91425" spcFirstLastPara="1" rIns="91425" wrap="square" tIns="91425">
-            <a:noAutofit/>
-          </a:bodyPr>
-          <a:lstStyle/>
-          <a:p>
-            <a:pPr indent="0" lvl="0" marL="0" rtl="0" algn="l">
-              <a:spcBef>
-                <a:spcPts val="0"/>
-              </a:spcBef>
-              <a:spcAft>
-                <a:spcPts val="0"/>
-              </a:spcAft>
-              <a:buNone/>
-            </a:pPr>
-            <a:r>
-              <a:rPr lang="en"/>
-              <a:t>Problem Statement</a:t>
-            </a:r>
-            <a:endParaRPr/>
-          </a:p>
-        </p:txBody>
-      </p:sp>
-      <p:sp>
-        <p:nvSpPr>
-          <p:cNvPr id="68" name="Google Shape;68;p15"/>
-          <p:cNvSpPr txBox="1"/>
-          <p:nvPr>
-            <p:ph idx="1" type="body"/>
-          </p:nvPr>
-        </p:nvSpPr>
-        <p:spPr>
-          <a:xfrm>
-            <a:off x="311700" y="1152475"/>
-            <a:ext cx="8520600" cy="2390400"/>
-          </a:xfrm>
-          <a:prstGeom prst="rect">
-            <a:avLst/>
-          </a:prstGeom>
-        </p:spPr>
-        <p:txBody>
-          <a:bodyPr anchorCtr="0" anchor="t" bIns="91425" lIns="91425" spcFirstLastPara="1" rIns="91425" wrap="square" tIns="91425">
-            <a:noAutofit/>
-          </a:bodyPr>
-          <a:lstStyle/>
-          <a:p>
-            <a:pPr indent="-342900" lvl="0" marL="457200" rtl="0" algn="l">
-              <a:spcBef>
-                <a:spcPts val="0"/>
-              </a:spcBef>
-              <a:spcAft>
-                <a:spcPts val="0"/>
-              </a:spcAft>
-              <a:buClr>
-                <a:srgbClr val="000000"/>
-              </a:buClr>
-              <a:buSzPts val="1800"/>
-              <a:buChar char="●"/>
-            </a:pPr>
-            <a:r>
-              <a:rPr lang="en">
-                <a:solidFill>
-                  <a:srgbClr val="000000"/>
-                </a:solidFill>
-              </a:rPr>
-              <a:t>A large problem in genetic testing is that some mutations are consistently classified, while other mutations receive conflicting classifications when tested at different laboratories.</a:t>
-            </a:r>
-            <a:endParaRPr>
-              <a:solidFill>
-                <a:srgbClr val="000000"/>
-              </a:solidFill>
-            </a:endParaRPr>
-          </a:p>
-          <a:p>
-            <a:pPr indent="-342900" lvl="0" marL="457200" rtl="0" algn="l">
-              <a:spcBef>
-                <a:spcPts val="0"/>
-              </a:spcBef>
-              <a:spcAft>
-                <a:spcPts val="0"/>
-              </a:spcAft>
-              <a:buClr>
-                <a:srgbClr val="000000"/>
-              </a:buClr>
-              <a:buSzPts val="1800"/>
-              <a:buChar char="●"/>
-            </a:pPr>
-            <a:r>
-              <a:rPr lang="en">
-                <a:solidFill>
-                  <a:srgbClr val="000000"/>
-                </a:solidFill>
-              </a:rPr>
-              <a:t>What makes a genetic variant more prone to be conflictingly classified versus consistently classified?  Given the features of a variant, can we predict if it will be conflictingly classified?</a:t>
-            </a:r>
-            <a:endParaRPr>
-              <a:solidFill>
-                <a:srgbClr val="000000"/>
-              </a:solidFill>
-            </a:endParaRPr>
-          </a:p>
-          <a:p>
-            <a:pPr indent="0" lvl="0" marL="0" rtl="0" algn="l">
-              <a:spcBef>
-                <a:spcPts val="1600"/>
-              </a:spcBef>
-              <a:spcAft>
-                <a:spcPts val="1600"/>
-              </a:spcAft>
-              <a:buNone/>
-            </a:pPr>
-            <a:r>
-              <a:t/>
-            </a:r>
-            <a:endParaRPr>
-              <a:solidFill>
-                <a:srgbClr val="000000"/>
-              </a:solidFill>
-            </a:endParaRPr>
-          </a:p>
-        </p:txBody>
-      </p:sp>
-    </p:spTree>
-  </p:cSld>
-  <p:clrMapOvr>
-    <a:masterClrMapping/>
-  </p:clrMapOvr>
-</p:sld>
-</file>
-
-<file path=ppt/slides/slide4.xml><?xml version="1.0" encoding="utf-8"?>
-<p:sld xmlns:a="http://schemas.openxmlformats.org/drawingml/2006/main" xmlns:r="http://schemas.openxmlformats.org/officeDocument/2006/relationships" xmlns:mc="http://schemas.openxmlformats.org/markup-compatibility/2006" xmlns:mv="urn:schemas-microsoft-com:mac:vml" xmlns:p="http://schemas.openxmlformats.org/presentationml/2006/main" xmlns:c="http://schemas.openxmlformats.org/drawingml/2006/chart" xmlns:dgm="http://schemas.openxmlformats.org/drawingml/2006/diagram" xmlns:o="urn:schemas-microsoft-com:office:office" xmlns:v="urn:schemas-microsoft-com:vml" xmlns:pvml="urn:schemas-microsoft-com:office:powerpoint" xmlns:com="http://schemas.openxmlformats.org/drawingml/2006/compatibility" xmlns:p14="http://schemas.microsoft.com/office/powerpoint/2010/main" xmlns:p15="http://schemas.microsoft.com/office/powerpoint/2012/main">
-  <p:cSld>
-    <p:spTree>
-      <p:nvGrpSpPr>
-        <p:cNvPr id="72" name="Shape 72"/>
-        <p:cNvGrpSpPr/>
-        <p:nvPr/>
-      </p:nvGrpSpPr>
-      <p:grpSpPr>
-        <a:xfrm>
-          <a:off x="0" y="0"/>
-          <a:ext cx="0" cy="0"/>
-          <a:chOff x="0" y="0"/>
-          <a:chExt cx="0" cy="0"/>
-        </a:xfrm>
-      </p:grpSpPr>
-      <p:sp>
-        <p:nvSpPr>
-          <p:cNvPr id="73" name="Google Shape;73;p16"/>
-          <p:cNvSpPr txBox="1"/>
-          <p:nvPr>
-            <p:ph type="title"/>
-          </p:nvPr>
-        </p:nvSpPr>
-        <p:spPr>
-          <a:xfrm>
-            <a:off x="311700" y="445025"/>
-            <a:ext cx="8520600" cy="572700"/>
-          </a:xfrm>
-          <a:prstGeom prst="rect">
-            <a:avLst/>
-          </a:prstGeom>
-        </p:spPr>
-        <p:txBody>
-          <a:bodyPr anchorCtr="0" anchor="t" bIns="91425" lIns="91425" spcFirstLastPara="1" rIns="91425" wrap="square" tIns="91425">
-            <a:noAutofit/>
-          </a:bodyPr>
-          <a:lstStyle/>
-          <a:p>
-            <a:pPr indent="0" lvl="0" marL="0" rtl="0" algn="l">
-              <a:spcBef>
-                <a:spcPts val="0"/>
-              </a:spcBef>
-              <a:spcAft>
-                <a:spcPts val="0"/>
-              </a:spcAft>
-              <a:buNone/>
-            </a:pPr>
-            <a:r>
-              <a:rPr lang="en"/>
-              <a:t>Data</a:t>
-            </a:r>
-            <a:endParaRPr/>
-          </a:p>
-        </p:txBody>
-      </p:sp>
-      <p:sp>
-        <p:nvSpPr>
-          <p:cNvPr id="74" name="Google Shape;74;p16"/>
-          <p:cNvSpPr txBox="1"/>
-          <p:nvPr>
-            <p:ph idx="1" type="body"/>
-          </p:nvPr>
-        </p:nvSpPr>
-        <p:spPr>
-          <a:xfrm>
-            <a:off x="311700" y="1130650"/>
-            <a:ext cx="8520600" cy="3416400"/>
-          </a:xfrm>
-          <a:prstGeom prst="rect">
-            <a:avLst/>
-          </a:prstGeom>
-        </p:spPr>
-        <p:txBody>
-          <a:bodyPr anchorCtr="0" anchor="t" bIns="91425" lIns="91425" spcFirstLastPara="1" rIns="91425" wrap="square" tIns="91425">
-            <a:noAutofit/>
-          </a:bodyPr>
-          <a:lstStyle/>
-          <a:p>
-            <a:pPr indent="-342900" lvl="0" marL="457200" rtl="0" algn="l">
-              <a:lnSpc>
-                <a:spcPct val="100000"/>
-              </a:lnSpc>
-              <a:spcBef>
-                <a:spcPts val="0"/>
-              </a:spcBef>
-              <a:spcAft>
-                <a:spcPts val="0"/>
-              </a:spcAft>
-              <a:buClr>
-                <a:srgbClr val="000000"/>
-              </a:buClr>
-              <a:buSzPts val="1800"/>
-              <a:buChar char="●"/>
-            </a:pPr>
-            <a:r>
-              <a:rPr lang="en">
-                <a:solidFill>
-                  <a:srgbClr val="000000"/>
-                </a:solidFill>
-              </a:rPr>
-              <a:t>Kaggle competition dataset (</a:t>
-            </a:r>
-            <a:r>
-              <a:rPr lang="en" u="sng">
-                <a:solidFill>
-                  <a:srgbClr val="6FA8DC"/>
-                </a:solidFill>
-                <a:hlinkClick r:id="rId3"/>
-              </a:rPr>
-              <a:t>https://www.kaggle.com/kevinarvai/clinvar-conflicting</a:t>
-            </a:r>
-            <a:r>
-              <a:rPr lang="en">
-                <a:solidFill>
-                  <a:srgbClr val="000000"/>
-                </a:solidFill>
-              </a:rPr>
-              <a:t>)</a:t>
-            </a:r>
-            <a:endParaRPr>
-              <a:solidFill>
-                <a:srgbClr val="000000"/>
-              </a:solidFill>
-            </a:endParaRPr>
-          </a:p>
-          <a:p>
-            <a:pPr indent="-342900" lvl="0" marL="457200" rtl="0" algn="l">
-              <a:lnSpc>
-                <a:spcPct val="100000"/>
-              </a:lnSpc>
-              <a:spcBef>
-                <a:spcPts val="0"/>
-              </a:spcBef>
-              <a:spcAft>
-                <a:spcPts val="0"/>
-              </a:spcAft>
-              <a:buClr>
-                <a:srgbClr val="000000"/>
-              </a:buClr>
-              <a:buSzPts val="1800"/>
-              <a:buChar char="●"/>
-            </a:pPr>
-            <a:r>
-              <a:rPr lang="en">
-                <a:solidFill>
-                  <a:srgbClr val="000000"/>
-                </a:solidFill>
-              </a:rPr>
-              <a:t>Originally from ClinVar database (</a:t>
-            </a:r>
-            <a:r>
-              <a:rPr lang="en" u="sng">
-                <a:solidFill>
-                  <a:srgbClr val="6FA8DC"/>
-                </a:solidFill>
-                <a:hlinkClick r:id="rId4"/>
-              </a:rPr>
-              <a:t>https://www.ncbi.nlm.nih.gov/clinvar/</a:t>
-            </a:r>
-            <a:r>
-              <a:rPr lang="en">
-                <a:solidFill>
-                  <a:srgbClr val="000000"/>
-                </a:solidFill>
-              </a:rPr>
-              <a:t>)</a:t>
-            </a:r>
-            <a:endParaRPr>
-              <a:solidFill>
-                <a:srgbClr val="000000"/>
-              </a:solidFill>
-            </a:endParaRPr>
-          </a:p>
-          <a:p>
-            <a:pPr indent="0" lvl="0" marL="457200" rtl="0" algn="l">
-              <a:spcBef>
-                <a:spcPts val="0"/>
-              </a:spcBef>
-              <a:spcAft>
-                <a:spcPts val="1600"/>
-              </a:spcAft>
-              <a:buNone/>
-            </a:pPr>
-            <a:r>
-              <a:t/>
-            </a:r>
-            <a:endParaRPr>
-              <a:solidFill>
-                <a:srgbClr val="000000"/>
-              </a:solidFill>
-            </a:endParaRPr>
-          </a:p>
-        </p:txBody>
-      </p:sp>
-    </p:spTree>
-  </p:cSld>
-  <p:clrMapOvr>
-    <a:masterClrMapping/>
-  </p:clrMapOvr>
-</p:sld>
-</file>
-
-<file path=ppt/slides/slide5.xml><?xml version="1.0" encoding="utf-8"?>
-<p:sld xmlns:a="http://schemas.openxmlformats.org/drawingml/2006/main" xmlns:r="http://schemas.openxmlformats.org/officeDocument/2006/relationships" xmlns:mc="http://schemas.openxmlformats.org/markup-compatibility/2006" xmlns:mv="urn:schemas-microsoft-com:mac:vml" xmlns:p="http://schemas.openxmlformats.org/presentationml/2006/main" xmlns:c="http://schemas.openxmlformats.org/drawingml/2006/chart" xmlns:dgm="http://schemas.openxmlformats.org/drawingml/2006/diagram" xmlns:o="urn:schemas-microsoft-com:office:office" xmlns:v="urn:schemas-microsoft-com:vml" xmlns:pvml="urn:schemas-microsoft-com:office:powerpoint" xmlns:com="http://schemas.openxmlformats.org/drawingml/2006/compatibility" xmlns:p14="http://schemas.microsoft.com/office/powerpoint/2010/main" xmlns:p15="http://schemas.microsoft.com/office/powerpoint/2012/main">
-  <p:cSld>
-    <p:spTree>
-      <p:nvGrpSpPr>
-        <p:cNvPr id="78" name="Shape 78"/>
-        <p:cNvGrpSpPr/>
-        <p:nvPr/>
-      </p:nvGrpSpPr>
-      <p:grpSpPr>
-        <a:xfrm>
-          <a:off x="0" y="0"/>
-          <a:ext cx="0" cy="0"/>
-          <a:chOff x="0" y="0"/>
-          <a:chExt cx="0" cy="0"/>
-        </a:xfrm>
-      </p:grpSpPr>
-      <p:sp>
-        <p:nvSpPr>
-          <p:cNvPr id="79" name="Google Shape;79;p17"/>
-          <p:cNvSpPr txBox="1"/>
-          <p:nvPr>
-            <p:ph type="title"/>
-          </p:nvPr>
-        </p:nvSpPr>
-        <p:spPr>
-          <a:xfrm>
-            <a:off x="311700" y="445025"/>
-            <a:ext cx="8520600" cy="572700"/>
-          </a:xfrm>
-          <a:prstGeom prst="rect">
-            <a:avLst/>
-          </a:prstGeom>
-        </p:spPr>
-        <p:txBody>
-          <a:bodyPr anchorCtr="0" anchor="t" bIns="91425" lIns="91425" spcFirstLastPara="1" rIns="91425" wrap="square" tIns="91425">
-            <a:noAutofit/>
-          </a:bodyPr>
-          <a:lstStyle/>
-          <a:p>
-            <a:pPr indent="0" lvl="0" marL="0" rtl="0" algn="l">
-              <a:spcBef>
-                <a:spcPts val="0"/>
-              </a:spcBef>
-              <a:spcAft>
-                <a:spcPts val="0"/>
-              </a:spcAft>
-              <a:buNone/>
-            </a:pPr>
-            <a:r>
-              <a:rPr lang="en"/>
-              <a:t>Exploratory Data Analysis</a:t>
-            </a:r>
-            <a:endParaRPr/>
-          </a:p>
-        </p:txBody>
-      </p:sp>
-      <p:sp>
-        <p:nvSpPr>
-          <p:cNvPr id="80" name="Google Shape;80;p17"/>
-          <p:cNvSpPr txBox="1"/>
-          <p:nvPr>
-            <p:ph idx="1" type="body"/>
-          </p:nvPr>
-        </p:nvSpPr>
-        <p:spPr>
-          <a:xfrm>
-            <a:off x="311700" y="1152475"/>
-            <a:ext cx="8520600" cy="3416400"/>
-          </a:xfrm>
-          <a:prstGeom prst="rect">
-            <a:avLst/>
-          </a:prstGeom>
-        </p:spPr>
-        <p:txBody>
-          <a:bodyPr anchorCtr="0" anchor="t" bIns="91425" lIns="91425" spcFirstLastPara="1" rIns="91425" wrap="square" tIns="91425">
-            <a:noAutofit/>
-          </a:bodyPr>
-          <a:lstStyle/>
-          <a:p>
-            <a:pPr indent="-342900" lvl="0" marL="457200" rtl="0" algn="l">
-              <a:spcBef>
-                <a:spcPts val="0"/>
-              </a:spcBef>
-              <a:spcAft>
-                <a:spcPts val="0"/>
-              </a:spcAft>
-              <a:buClr>
-                <a:srgbClr val="000000"/>
-              </a:buClr>
-              <a:buSzPts val="1800"/>
-              <a:buChar char="●"/>
-            </a:pPr>
-            <a:r>
-              <a:rPr lang="en">
-                <a:solidFill>
-                  <a:srgbClr val="000000"/>
-                </a:solidFill>
-              </a:rPr>
-              <a:t>65,188 entries, 61 numerical features</a:t>
-            </a:r>
-            <a:endParaRPr>
-              <a:solidFill>
-                <a:srgbClr val="000000"/>
-              </a:solidFill>
-            </a:endParaRPr>
-          </a:p>
-          <a:p>
-            <a:pPr indent="0" lvl="0" marL="457200" rtl="0" algn="l">
-              <a:spcBef>
-                <a:spcPts val="1600"/>
-              </a:spcBef>
-              <a:spcAft>
-                <a:spcPts val="0"/>
-              </a:spcAft>
-              <a:buNone/>
-            </a:pPr>
-            <a:r>
-              <a:t/>
-            </a:r>
-            <a:endParaRPr/>
-          </a:p>
-          <a:p>
-            <a:pPr indent="0" lvl="0" marL="0" rtl="0" algn="l">
-              <a:spcBef>
-                <a:spcPts val="1600"/>
-              </a:spcBef>
-              <a:spcAft>
-                <a:spcPts val="1600"/>
-              </a:spcAft>
-              <a:buNone/>
-            </a:pPr>
-            <a:r>
-              <a:t/>
-            </a:r>
-            <a:endParaRPr/>
-          </a:p>
-        </p:txBody>
-      </p:sp>
-      <p:pic>
-        <p:nvPicPr>
-          <p:cNvPr id="81" name="Google Shape;81;p17"/>
-          <p:cNvPicPr preferRelativeResize="0"/>
-          <p:nvPr/>
-        </p:nvPicPr>
-        <p:blipFill>
-          <a:blip r:embed="rId3">
-            <a:alphaModFix/>
-          </a:blip>
-          <a:stretch>
-            <a:fillRect/>
-          </a:stretch>
-        </p:blipFill>
-        <p:spPr>
-          <a:xfrm>
-            <a:off x="3245100" y="1665013"/>
-            <a:ext cx="5717075" cy="2611500"/>
-          </a:xfrm>
-          <a:prstGeom prst="rect">
-            <a:avLst/>
-          </a:prstGeom>
-          <a:noFill/>
-          <a:ln>
-            <a:noFill/>
-          </a:ln>
-        </p:spPr>
-      </p:pic>
-      <p:pic>
-        <p:nvPicPr>
-          <p:cNvPr id="82" name="Google Shape;82;p17"/>
-          <p:cNvPicPr preferRelativeResize="0"/>
-          <p:nvPr/>
-        </p:nvPicPr>
-        <p:blipFill>
-          <a:blip r:embed="rId4">
-            <a:alphaModFix/>
-          </a:blip>
-          <a:stretch>
-            <a:fillRect/>
-          </a:stretch>
-        </p:blipFill>
-        <p:spPr>
-          <a:xfrm>
-            <a:off x="611875" y="1642013"/>
-            <a:ext cx="2228850" cy="2657475"/>
-          </a:xfrm>
-          <a:prstGeom prst="rect">
-            <a:avLst/>
-          </a:prstGeom>
-          <a:noFill/>
-          <a:ln>
-            <a:noFill/>
-          </a:ln>
-        </p:spPr>
-      </p:pic>
-    </p:spTree>
-  </p:cSld>
-  <p:clrMapOvr>
-    <a:masterClrMapping/>
-  </p:clrMapOvr>
-</p:sld>
-</file>
-
-<file path=ppt/slides/slide6.xml><?xml version="1.0" encoding="utf-8"?>
-<p:sld xmlns:a="http://schemas.openxmlformats.org/drawingml/2006/main" xmlns:r="http://schemas.openxmlformats.org/officeDocument/2006/relationships" xmlns:mc="http://schemas.openxmlformats.org/markup-compatibility/2006" xmlns:mv="urn:schemas-microsoft-com:mac:vml" xmlns:p="http://schemas.openxmlformats.org/presentationml/2006/main" xmlns:c="http://schemas.openxmlformats.org/drawingml/2006/chart" xmlns:dgm="http://schemas.openxmlformats.org/drawingml/2006/diagram" xmlns:o="urn:schemas-microsoft-com:office:office" xmlns:v="urn:schemas-microsoft-com:vml" xmlns:pvml="urn:schemas-microsoft-com:office:powerpoint" xmlns:com="http://schemas.openxmlformats.org/drawingml/2006/compatibility" xmlns:p14="http://schemas.microsoft.com/office/powerpoint/2010/main" xmlns:p15="http://schemas.microsoft.com/office/powerpoint/2012/main">
-  <p:cSld>
-    <p:spTree>
-      <p:nvGrpSpPr>
-        <p:cNvPr id="86" name="Shape 86"/>
-        <p:cNvGrpSpPr/>
-        <p:nvPr/>
-      </p:nvGrpSpPr>
-      <p:grpSpPr>
-        <a:xfrm>
-          <a:off x="0" y="0"/>
-          <a:ext cx="0" cy="0"/>
-          <a:chOff x="0" y="0"/>
-          <a:chExt cx="0" cy="0"/>
-        </a:xfrm>
-      </p:grpSpPr>
-      <p:sp>
-        <p:nvSpPr>
-          <p:cNvPr id="87" name="Google Shape;87;p18"/>
-          <p:cNvSpPr txBox="1"/>
-          <p:nvPr>
-            <p:ph type="title"/>
-          </p:nvPr>
-        </p:nvSpPr>
-        <p:spPr>
-          <a:xfrm>
-            <a:off x="311700" y="445025"/>
-            <a:ext cx="8520600" cy="572700"/>
-          </a:xfrm>
-          <a:prstGeom prst="rect">
-            <a:avLst/>
-          </a:prstGeom>
-        </p:spPr>
-        <p:txBody>
-          <a:bodyPr anchorCtr="0" anchor="t" bIns="91425" lIns="91425" spcFirstLastPara="1" rIns="91425" wrap="square" tIns="91425">
-            <a:noAutofit/>
-          </a:bodyPr>
-          <a:lstStyle/>
-          <a:p>
-            <a:pPr indent="0" lvl="0" marL="0" rtl="0" algn="l">
-              <a:spcBef>
-                <a:spcPts val="0"/>
-              </a:spcBef>
-              <a:spcAft>
-                <a:spcPts val="0"/>
-              </a:spcAft>
-              <a:buNone/>
-            </a:pPr>
-            <a:r>
-              <a:rPr lang="en"/>
-              <a:t>Exploratory Data Analysis</a:t>
-            </a:r>
-            <a:endParaRPr/>
-          </a:p>
-        </p:txBody>
-      </p:sp>
-      <p:pic>
-        <p:nvPicPr>
-          <p:cNvPr id="88" name="Google Shape;88;p18"/>
-          <p:cNvPicPr preferRelativeResize="0"/>
-          <p:nvPr/>
-        </p:nvPicPr>
-        <p:blipFill>
-          <a:blip r:embed="rId3">
-            <a:alphaModFix/>
-          </a:blip>
-          <a:stretch>
-            <a:fillRect/>
-          </a:stretch>
-        </p:blipFill>
-        <p:spPr>
-          <a:xfrm>
-            <a:off x="258250" y="1017725"/>
-            <a:ext cx="5154400" cy="2137625"/>
-          </a:xfrm>
-          <a:prstGeom prst="rect">
-            <a:avLst/>
-          </a:prstGeom>
-          <a:noFill/>
-          <a:ln>
-            <a:noFill/>
-          </a:ln>
-        </p:spPr>
-      </p:pic>
-      <p:pic>
-        <p:nvPicPr>
-          <p:cNvPr id="89" name="Google Shape;89;p18"/>
-          <p:cNvPicPr preferRelativeResize="0"/>
-          <p:nvPr/>
-        </p:nvPicPr>
-        <p:blipFill>
-          <a:blip r:embed="rId4">
-            <a:alphaModFix/>
-          </a:blip>
-          <a:stretch>
-            <a:fillRect/>
-          </a:stretch>
-        </p:blipFill>
-        <p:spPr>
-          <a:xfrm>
-            <a:off x="770725" y="3155350"/>
-            <a:ext cx="4034873" cy="1848625"/>
-          </a:xfrm>
-          <a:prstGeom prst="rect">
-            <a:avLst/>
-          </a:prstGeom>
-          <a:noFill/>
-          <a:ln>
-            <a:noFill/>
-          </a:ln>
-        </p:spPr>
-      </p:pic>
-      <p:pic>
-        <p:nvPicPr>
-          <p:cNvPr id="90" name="Google Shape;90;p18"/>
-          <p:cNvPicPr preferRelativeResize="0"/>
-          <p:nvPr/>
-        </p:nvPicPr>
-        <p:blipFill>
-          <a:blip r:embed="rId5">
-            <a:alphaModFix/>
-          </a:blip>
-          <a:stretch>
-            <a:fillRect/>
-          </a:stretch>
-        </p:blipFill>
-        <p:spPr>
-          <a:xfrm>
-            <a:off x="5608700" y="1686650"/>
-            <a:ext cx="3426550" cy="2384058"/>
-          </a:xfrm>
-          <a:prstGeom prst="rect">
-            <a:avLst/>
-          </a:prstGeom>
-          <a:noFill/>
-          <a:ln>
-            <a:noFill/>
-          </a:ln>
-        </p:spPr>
-      </p:pic>
-    </p:spTree>
-  </p:cSld>
-  <p:clrMapOvr>
-    <a:masterClrMapping/>
-  </p:clrMapOvr>
-</p:sld>
-</file>
-
-<file path=ppt/slides/slide7.xml><?xml version="1.0" encoding="utf-8"?>
-<p:sld xmlns:a="http://schemas.openxmlformats.org/drawingml/2006/main" xmlns:r="http://schemas.openxmlformats.org/officeDocument/2006/relationships" xmlns:mc="http://schemas.openxmlformats.org/markup-compatibility/2006" xmlns:mv="urn:schemas-microsoft-com:mac:vml" xmlns:p="http://schemas.openxmlformats.org/presentationml/2006/main" xmlns:c="http://schemas.openxmlformats.org/drawingml/2006/chart" xmlns:dgm="http://schemas.openxmlformats.org/drawingml/2006/diagram" xmlns:o="urn:schemas-microsoft-com:office:office" xmlns:v="urn:schemas-microsoft-com:vml" xmlns:pvml="urn:schemas-microsoft-com:office:powerpoint" xmlns:com="http://schemas.openxmlformats.org/drawingml/2006/compatibility" xmlns:p14="http://schemas.microsoft.com/office/powerpoint/2010/main" xmlns:p15="http://schemas.microsoft.com/office/powerpoint/2012/main">
-  <p:cSld>
-    <p:spTree>
-      <p:nvGrpSpPr>
-        <p:cNvPr id="94" name="Shape 94"/>
-        <p:cNvGrpSpPr/>
-        <p:nvPr/>
-      </p:nvGrpSpPr>
-      <p:grpSpPr>
-        <a:xfrm>
-          <a:off x="0" y="0"/>
-          <a:ext cx="0" cy="0"/>
-          <a:chOff x="0" y="0"/>
-          <a:chExt cx="0" cy="0"/>
-        </a:xfrm>
-      </p:grpSpPr>
-      <p:sp>
-        <p:nvSpPr>
-          <p:cNvPr id="95" name="Google Shape;95;p19"/>
-          <p:cNvSpPr txBox="1"/>
-          <p:nvPr>
-            <p:ph type="title"/>
-          </p:nvPr>
-        </p:nvSpPr>
-        <p:spPr>
-          <a:xfrm>
-            <a:off x="311700" y="445025"/>
-            <a:ext cx="8520600" cy="572700"/>
-          </a:xfrm>
-          <a:prstGeom prst="rect">
-            <a:avLst/>
-          </a:prstGeom>
-        </p:spPr>
-        <p:txBody>
-          <a:bodyPr anchorCtr="0" anchor="t" bIns="91425" lIns="91425" spcFirstLastPara="1" rIns="91425" wrap="square" tIns="91425">
-            <a:noAutofit/>
-          </a:bodyPr>
-          <a:lstStyle/>
-          <a:p>
-            <a:pPr indent="0" lvl="0" marL="0" rtl="0" algn="l">
-              <a:spcBef>
-                <a:spcPts val="0"/>
-              </a:spcBef>
-              <a:spcAft>
-                <a:spcPts val="0"/>
-              </a:spcAft>
-              <a:buNone/>
-            </a:pPr>
-            <a:r>
-              <a:rPr lang="en"/>
-              <a:t>Machine Learning Models</a:t>
-            </a:r>
-            <a:endParaRPr/>
-          </a:p>
-        </p:txBody>
-      </p:sp>
-      <p:sp>
-        <p:nvSpPr>
-          <p:cNvPr id="96" name="Google Shape;96;p19"/>
-          <p:cNvSpPr txBox="1"/>
-          <p:nvPr>
-            <p:ph idx="1" type="body"/>
-          </p:nvPr>
-        </p:nvSpPr>
-        <p:spPr>
-          <a:xfrm>
-            <a:off x="311700" y="1152475"/>
-            <a:ext cx="8520600" cy="3416400"/>
-          </a:xfrm>
-          <a:prstGeom prst="rect">
-            <a:avLst/>
-          </a:prstGeom>
-        </p:spPr>
-        <p:txBody>
-          <a:bodyPr anchorCtr="0" anchor="t" bIns="91425" lIns="91425" spcFirstLastPara="1" rIns="91425" wrap="square" tIns="91425">
-            <a:noAutofit/>
-          </a:bodyPr>
-          <a:lstStyle/>
-          <a:p>
-            <a:pPr indent="-342900" lvl="0" marL="457200" rtl="0" algn="l">
-              <a:spcBef>
-                <a:spcPts val="0"/>
-              </a:spcBef>
-              <a:spcAft>
-                <a:spcPts val="0"/>
-              </a:spcAft>
-              <a:buClr>
-                <a:srgbClr val="000000"/>
-              </a:buClr>
-              <a:buSzPts val="1800"/>
-              <a:buChar char="●"/>
-            </a:pPr>
-            <a:r>
-              <a:rPr lang="en">
-                <a:solidFill>
-                  <a:srgbClr val="000000"/>
-                </a:solidFill>
-              </a:rPr>
-              <a:t>Binary classification problem</a:t>
-            </a:r>
-            <a:endParaRPr>
-              <a:solidFill>
-                <a:srgbClr val="000000"/>
-              </a:solidFill>
-            </a:endParaRPr>
-          </a:p>
-          <a:p>
-            <a:pPr indent="-342900" lvl="0" marL="457200" rtl="0" algn="l">
-              <a:spcBef>
-                <a:spcPts val="0"/>
-              </a:spcBef>
-              <a:spcAft>
-                <a:spcPts val="0"/>
-              </a:spcAft>
-              <a:buClr>
-                <a:srgbClr val="000000"/>
-              </a:buClr>
-              <a:buSzPts val="1800"/>
-              <a:buChar char="●"/>
-            </a:pPr>
-            <a:r>
-              <a:rPr lang="en">
-                <a:solidFill>
-                  <a:srgbClr val="000000"/>
-                </a:solidFill>
-              </a:rPr>
-              <a:t>Four classifiers chosen:</a:t>
-            </a:r>
-            <a:endParaRPr>
-              <a:solidFill>
-                <a:srgbClr val="000000"/>
-              </a:solidFill>
-            </a:endParaRPr>
-          </a:p>
-          <a:p>
-            <a:pPr indent="-317500" lvl="1" marL="914400" rtl="0" algn="l">
-              <a:spcBef>
-                <a:spcPts val="0"/>
-              </a:spcBef>
-              <a:spcAft>
-                <a:spcPts val="0"/>
-              </a:spcAft>
-              <a:buClr>
-                <a:srgbClr val="000000"/>
-              </a:buClr>
-              <a:buSzPts val="1400"/>
-              <a:buChar char="○"/>
-            </a:pPr>
-            <a:r>
-              <a:rPr lang="en">
-                <a:solidFill>
-                  <a:srgbClr val="000000"/>
-                </a:solidFill>
-              </a:rPr>
-              <a:t>Logistic Regression</a:t>
-            </a:r>
-            <a:endParaRPr>
-              <a:solidFill>
-                <a:srgbClr val="000000"/>
-              </a:solidFill>
-            </a:endParaRPr>
-          </a:p>
-          <a:p>
-            <a:pPr indent="-317500" lvl="1" marL="914400" rtl="0" algn="l">
-              <a:spcBef>
-                <a:spcPts val="0"/>
-              </a:spcBef>
-              <a:spcAft>
-                <a:spcPts val="0"/>
-              </a:spcAft>
-              <a:buClr>
-                <a:srgbClr val="000000"/>
-              </a:buClr>
-              <a:buSzPts val="1400"/>
-              <a:buChar char="○"/>
-            </a:pPr>
-            <a:r>
-              <a:rPr lang="en">
-                <a:solidFill>
-                  <a:srgbClr val="000000"/>
-                </a:solidFill>
-              </a:rPr>
-              <a:t>Decision Tree Classifier</a:t>
-            </a:r>
-            <a:endParaRPr>
-              <a:solidFill>
-                <a:srgbClr val="000000"/>
-              </a:solidFill>
-            </a:endParaRPr>
-          </a:p>
-          <a:p>
-            <a:pPr indent="-317500" lvl="1" marL="914400" rtl="0" algn="l">
-              <a:spcBef>
-                <a:spcPts val="0"/>
-              </a:spcBef>
-              <a:spcAft>
-                <a:spcPts val="0"/>
-              </a:spcAft>
-              <a:buClr>
-                <a:srgbClr val="000000"/>
-              </a:buClr>
-              <a:buSzPts val="1400"/>
-              <a:buChar char="○"/>
-            </a:pPr>
-            <a:r>
-              <a:rPr lang="en">
-                <a:solidFill>
-                  <a:srgbClr val="000000"/>
-                </a:solidFill>
-              </a:rPr>
-              <a:t>Random Forest Classifier</a:t>
-            </a:r>
-            <a:endParaRPr>
-              <a:solidFill>
-                <a:srgbClr val="000000"/>
-              </a:solidFill>
-            </a:endParaRPr>
-          </a:p>
-          <a:p>
-            <a:pPr indent="-317500" lvl="1" marL="914400" rtl="0" algn="l">
-              <a:spcBef>
-                <a:spcPts val="0"/>
-              </a:spcBef>
-              <a:spcAft>
-                <a:spcPts val="0"/>
-              </a:spcAft>
-              <a:buClr>
-                <a:srgbClr val="000000"/>
-              </a:buClr>
-              <a:buSzPts val="1400"/>
-              <a:buChar char="○"/>
-            </a:pPr>
-            <a:r>
-              <a:rPr lang="en">
-                <a:solidFill>
-                  <a:srgbClr val="000000"/>
-                </a:solidFill>
-              </a:rPr>
-              <a:t>XGBoost Classifier</a:t>
-            </a:r>
-            <a:endParaRPr>
-              <a:solidFill>
-                <a:srgbClr val="000000"/>
-              </a:solidFill>
-            </a:endParaRPr>
-          </a:p>
-          <a:p>
-            <a:pPr indent="0" lvl="0" marL="457200" rtl="0" algn="l">
-              <a:spcBef>
-                <a:spcPts val="1600"/>
-              </a:spcBef>
-              <a:spcAft>
-                <a:spcPts val="1600"/>
-              </a:spcAft>
-              <a:buNone/>
-            </a:pPr>
-            <a:r>
-              <a:t/>
-            </a:r>
-            <a:endParaRPr>
-              <a:solidFill>
-                <a:srgbClr val="000000"/>
-              </a:solidFill>
-            </a:endParaRPr>
-          </a:p>
-        </p:txBody>
-      </p:sp>
-    </p:spTree>
-  </p:cSld>
-  <p:clrMapOvr>
-    <a:masterClrMapping/>
-  </p:clrMapOvr>
-</p:sld>
-</file>
-
-<file path=ppt/slides/slide8.xml><?xml version="1.0" encoding="utf-8"?>
-<p:sld xmlns:a="http://schemas.openxmlformats.org/drawingml/2006/main" xmlns:r="http://schemas.openxmlformats.org/officeDocument/2006/relationships" xmlns:mc="http://schemas.openxmlformats.org/markup-compatibility/2006" xmlns:mv="urn:schemas-microsoft-com:mac:vml" xmlns:p="http://schemas.openxmlformats.org/presentationml/2006/main" xmlns:c="http://schemas.openxmlformats.org/drawingml/2006/chart" xmlns:dgm="http://schemas.openxmlformats.org/drawingml/2006/diagram" xmlns:o="urn:schemas-microsoft-com:office:office" xmlns:v="urn:schemas-microsoft-com:vml" xmlns:pvml="urn:schemas-microsoft-com:office:powerpoint" xmlns:com="http://schemas.openxmlformats.org/drawingml/2006/compatibility" xmlns:p14="http://schemas.microsoft.com/office/powerpoint/2010/main" xmlns:p15="http://schemas.microsoft.com/office/powerpoint/2012/main">
-  <p:cSld>
-    <p:spTree>
-      <p:nvGrpSpPr>
-        <p:cNvPr id="100" name="Shape 100"/>
-        <p:cNvGrpSpPr/>
-        <p:nvPr/>
-      </p:nvGrpSpPr>
-      <p:grpSpPr>
-        <a:xfrm>
-          <a:off x="0" y="0"/>
-          <a:ext cx="0" cy="0"/>
-          <a:chOff x="0" y="0"/>
-          <a:chExt cx="0" cy="0"/>
-        </a:xfrm>
-      </p:grpSpPr>
-      <p:sp>
-        <p:nvSpPr>
-          <p:cNvPr id="101" name="Google Shape;101;p20"/>
-          <p:cNvSpPr txBox="1"/>
-          <p:nvPr>
-            <p:ph type="title"/>
-          </p:nvPr>
-        </p:nvSpPr>
-        <p:spPr>
-          <a:xfrm>
-            <a:off x="311700" y="445025"/>
-            <a:ext cx="8520600" cy="572700"/>
-          </a:xfrm>
-          <a:prstGeom prst="rect">
-            <a:avLst/>
-          </a:prstGeom>
-        </p:spPr>
-        <p:txBody>
-          <a:bodyPr anchorCtr="0" anchor="t" bIns="91425" lIns="91425" spcFirstLastPara="1" rIns="91425" wrap="square" tIns="91425">
-            <a:noAutofit/>
-          </a:bodyPr>
-          <a:lstStyle/>
-          <a:p>
-            <a:pPr indent="0" lvl="0" marL="0" rtl="0" algn="l">
-              <a:spcBef>
-                <a:spcPts val="0"/>
-              </a:spcBef>
-              <a:spcAft>
-                <a:spcPts val="0"/>
-              </a:spcAft>
-              <a:buNone/>
-            </a:pPr>
-            <a:r>
-              <a:rPr lang="en"/>
               <a:t>Model Comparison and Evaluation</a:t>
             </a:r>
             <a:endParaRPr/>
@@ -8697,7 +7093,7 @@
       </p:sp>
       <p:pic>
         <p:nvPicPr>
-          <p:cNvPr id="102" name="Google Shape;102;p20"/>
+          <p:cNvPr id="118" name="Google Shape;118;p22"/>
           <p:cNvPicPr preferRelativeResize="0"/>
           <p:nvPr/>
         </p:nvPicPr>
@@ -8725,7 +7121,7 @@
       </p:pic>
       <p:pic>
         <p:nvPicPr>
-          <p:cNvPr id="103" name="Google Shape;103;p20"/>
+          <p:cNvPr id="119" name="Google Shape;119;p22"/>
           <p:cNvPicPr preferRelativeResize="0"/>
           <p:nvPr/>
         </p:nvPicPr>
@@ -8753,7 +7149,7 @@
       </p:pic>
       <p:graphicFrame>
         <p:nvGraphicFramePr>
-          <p:cNvPr id="104" name="Google Shape;104;p20"/>
+          <p:cNvPr id="120" name="Google Shape;120;p22"/>
           <p:cNvGraphicFramePr/>
           <p:nvPr/>
         </p:nvGraphicFramePr>
@@ -8766,7 +7162,7 @@
             <a:tbl>
               <a:tblPr>
                 <a:noFill/>
-                <a:tableStyleId>{39D57A4F-E5C8-49D0-AD9C-AF2D8A92C568}</a:tableStyleId>
+                <a:tableStyleId>{1CBA85A5-C681-4431-91C4-43AC181F1577}</a:tableStyleId>
               </a:tblPr>
               <a:tblGrid>
                 <a:gridCol w="1724025"/>
@@ -10962,20 +9358,293 @@
           </a:graphicData>
         </a:graphic>
       </p:graphicFrame>
+      <p:sp>
+        <p:nvSpPr>
+          <p:cNvPr id="121" name="Google Shape;121;p22"/>
+          <p:cNvSpPr/>
+          <p:nvPr/>
+        </p:nvSpPr>
+        <p:spPr>
+          <a:xfrm>
+            <a:off x="1600525" y="2248000"/>
+            <a:ext cx="5972700" cy="323700"/>
+          </a:xfrm>
+          <a:prstGeom prst="roundRect">
+            <a:avLst>
+              <a:gd fmla="val 16667" name="adj"/>
+            </a:avLst>
+          </a:prstGeom>
+          <a:noFill/>
+          <a:ln cap="flat" cmpd="sng" w="38100">
+            <a:solidFill>
+              <a:srgbClr val="990000"/>
+            </a:solidFill>
+            <a:prstDash val="solid"/>
+            <a:round/>
+            <a:headEnd len="sm" w="sm" type="none"/>
+            <a:tailEnd len="sm" w="sm" type="none"/>
+          </a:ln>
+        </p:spPr>
+        <p:txBody>
+          <a:bodyPr anchorCtr="0" anchor="ctr" bIns="91425" lIns="91425" spcFirstLastPara="1" rIns="91425" wrap="square" tIns="91425">
+            <a:noAutofit/>
+          </a:bodyPr>
+          <a:lstStyle/>
+          <a:p>
+            <a:pPr indent="0" lvl="0" marL="0" rtl="0" algn="l">
+              <a:spcBef>
+                <a:spcPts val="0"/>
+              </a:spcBef>
+              <a:spcAft>
+                <a:spcPts val="0"/>
+              </a:spcAft>
+              <a:buNone/>
+            </a:pPr>
+            <a:r>
+              <a:t/>
+            </a:r>
+            <a:endParaRPr/>
+          </a:p>
+        </p:txBody>
+      </p:sp>
     </p:spTree>
   </p:cSld>
   <p:clrMapOvr>
     <a:masterClrMapping/>
   </p:clrMapOvr>
+  <p:timing>
+    <p:tnLst>
+      <p:par>
+        <p:cTn dur="indefinite" nodeType="tmRoot" restart="never">
+          <p:childTnLst>
+            <p:seq concurrent="1" nextAc="seek">
+              <p:cTn dur="indefinite" id="2" nodeType="mainSeq">
+                <p:childTnLst>
+                  <p:par>
+                    <p:cTn fill="hold">
+                      <p:stCondLst>
+                        <p:cond delay="indefinite"/>
+                      </p:stCondLst>
+                      <p:childTnLst>
+                        <p:par>
+                          <p:cTn fill="hold">
+                            <p:stCondLst>
+                              <p:cond delay="0"/>
+                            </p:stCondLst>
+                            <p:childTnLst>
+                              <p:par>
+                                <p:cTn fill="hold" nodeType="clickEffect" presetClass="entr" presetID="10" presetSubtype="0">
+                                  <p:stCondLst>
+                                    <p:cond delay="0"/>
+                                  </p:stCondLst>
+                                  <p:childTnLst>
+                                    <p:set>
+                                      <p:cBhvr>
+                                        <p:cTn dur="1" fill="hold">
+                                          <p:stCondLst>
+                                            <p:cond delay="0"/>
+                                          </p:stCondLst>
+                                        </p:cTn>
+                                        <p:tgtEl>
+                                          <p:spTgt spid="120"/>
+                                        </p:tgtEl>
+                                        <p:attrNameLst>
+                                          <p:attrName>style.visibility</p:attrName>
+                                        </p:attrNameLst>
+                                      </p:cBhvr>
+                                      <p:to>
+                                        <p:strVal val="visible"/>
+                                      </p:to>
+                                    </p:set>
+                                    <p:animEffect filter="fade" transition="in">
+                                      <p:cBhvr>
+                                        <p:cTn dur="1000"/>
+                                        <p:tgtEl>
+                                          <p:spTgt spid="120"/>
+                                        </p:tgtEl>
+                                      </p:cBhvr>
+                                    </p:animEffect>
+                                  </p:childTnLst>
+                                </p:cTn>
+                              </p:par>
+                            </p:childTnLst>
+                          </p:cTn>
+                        </p:par>
+                      </p:childTnLst>
+                    </p:cTn>
+                  </p:par>
+                  <p:par>
+                    <p:cTn fill="hold">
+                      <p:stCondLst>
+                        <p:cond delay="indefinite"/>
+                      </p:stCondLst>
+                      <p:childTnLst>
+                        <p:par>
+                          <p:cTn fill="hold">
+                            <p:stCondLst>
+                              <p:cond delay="0"/>
+                            </p:stCondLst>
+                            <p:childTnLst>
+                              <p:par>
+                                <p:cTn fill="hold" nodeType="clickEffect" presetClass="entr" presetID="10" presetSubtype="0">
+                                  <p:stCondLst>
+                                    <p:cond delay="0"/>
+                                  </p:stCondLst>
+                                  <p:childTnLst>
+                                    <p:set>
+                                      <p:cBhvr>
+                                        <p:cTn dur="1" fill="hold">
+                                          <p:stCondLst>
+                                            <p:cond delay="0"/>
+                                          </p:stCondLst>
+                                        </p:cTn>
+                                        <p:tgtEl>
+                                          <p:spTgt spid="121"/>
+                                        </p:tgtEl>
+                                        <p:attrNameLst>
+                                          <p:attrName>style.visibility</p:attrName>
+                                        </p:attrNameLst>
+                                      </p:cBhvr>
+                                      <p:to>
+                                        <p:strVal val="visible"/>
+                                      </p:to>
+                                    </p:set>
+                                    <p:animEffect filter="fade" transition="in">
+                                      <p:cBhvr>
+                                        <p:cTn dur="1000"/>
+                                        <p:tgtEl>
+                                          <p:spTgt spid="121"/>
+                                        </p:tgtEl>
+                                      </p:cBhvr>
+                                    </p:animEffect>
+                                  </p:childTnLst>
+                                </p:cTn>
+                              </p:par>
+                            </p:childTnLst>
+                          </p:cTn>
+                        </p:par>
+                      </p:childTnLst>
+                    </p:cTn>
+                  </p:par>
+                  <p:par>
+                    <p:cTn fill="hold">
+                      <p:stCondLst>
+                        <p:cond delay="indefinite"/>
+                      </p:stCondLst>
+                      <p:childTnLst>
+                        <p:par>
+                          <p:cTn fill="hold">
+                            <p:stCondLst>
+                              <p:cond delay="0"/>
+                            </p:stCondLst>
+                            <p:childTnLst>
+                              <p:par>
+                                <p:cTn fill="hold" nodeType="clickEffect" presetClass="entr" presetID="10" presetSubtype="0">
+                                  <p:stCondLst>
+                                    <p:cond delay="0"/>
+                                  </p:stCondLst>
+                                  <p:childTnLst>
+                                    <p:set>
+                                      <p:cBhvr>
+                                        <p:cTn dur="1" fill="hold">
+                                          <p:stCondLst>
+                                            <p:cond delay="0"/>
+                                          </p:stCondLst>
+                                        </p:cTn>
+                                        <p:tgtEl>
+                                          <p:spTgt spid="118"/>
+                                        </p:tgtEl>
+                                        <p:attrNameLst>
+                                          <p:attrName>style.visibility</p:attrName>
+                                        </p:attrNameLst>
+                                      </p:cBhvr>
+                                      <p:to>
+                                        <p:strVal val="visible"/>
+                                      </p:to>
+                                    </p:set>
+                                    <p:animEffect filter="fade" transition="in">
+                                      <p:cBhvr>
+                                        <p:cTn dur="1000"/>
+                                        <p:tgtEl>
+                                          <p:spTgt spid="118"/>
+                                        </p:tgtEl>
+                                      </p:cBhvr>
+                                    </p:animEffect>
+                                  </p:childTnLst>
+                                </p:cTn>
+                              </p:par>
+                              <p:par>
+                                <p:cTn fill="hold" nodeType="withEffect" presetClass="entr" presetID="10" presetSubtype="0">
+                                  <p:stCondLst>
+                                    <p:cond delay="0"/>
+                                  </p:stCondLst>
+                                  <p:childTnLst>
+                                    <p:set>
+                                      <p:cBhvr>
+                                        <p:cTn dur="1" fill="hold">
+                                          <p:stCondLst>
+                                            <p:cond delay="0"/>
+                                          </p:stCondLst>
+                                        </p:cTn>
+                                        <p:tgtEl>
+                                          <p:spTgt spid="119"/>
+                                        </p:tgtEl>
+                                        <p:attrNameLst>
+                                          <p:attrName>style.visibility</p:attrName>
+                                        </p:attrNameLst>
+                                      </p:cBhvr>
+                                      <p:to>
+                                        <p:strVal val="visible"/>
+                                      </p:to>
+                                    </p:set>
+                                    <p:animEffect filter="fade" transition="in">
+                                      <p:cBhvr>
+                                        <p:cTn dur="1000"/>
+                                        <p:tgtEl>
+                                          <p:spTgt spid="119"/>
+                                        </p:tgtEl>
+                                      </p:cBhvr>
+                                    </p:animEffect>
+                                  </p:childTnLst>
+                                </p:cTn>
+                              </p:par>
+                            </p:childTnLst>
+                          </p:cTn>
+                        </p:par>
+                      </p:childTnLst>
+                    </p:cTn>
+                  </p:par>
+                </p:childTnLst>
+              </p:cTn>
+              <p:prevCondLst>
+                <p:cond evt="onPrev">
+                  <p:tgtEl>
+                    <p:sldTgt/>
+                  </p:tgtEl>
+                </p:cond>
+              </p:prevCondLst>
+              <p:nextCondLst>
+                <p:cond evt="onNext">
+                  <p:tgtEl>
+                    <p:sldTgt/>
+                  </p:tgtEl>
+                </p:cond>
+              </p:nextCondLst>
+            </p:seq>
+          </p:childTnLst>
+        </p:cTn>
+      </p:par>
+    </p:tnLst>
+  </p:timing>
 </p:sld>
 </file>
 
-<file path=ppt/slides/slide9.xml><?xml version="1.0" encoding="utf-8"?>
+<file path=ppt/slides/slide11.xml><?xml version="1.0" encoding="utf-8"?>
 <p:sld xmlns:a="http://schemas.openxmlformats.org/drawingml/2006/main" xmlns:r="http://schemas.openxmlformats.org/officeDocument/2006/relationships" xmlns:mc="http://schemas.openxmlformats.org/markup-compatibility/2006" xmlns:mv="urn:schemas-microsoft-com:mac:vml" xmlns:p="http://schemas.openxmlformats.org/presentationml/2006/main" xmlns:c="http://schemas.openxmlformats.org/drawingml/2006/chart" xmlns:dgm="http://schemas.openxmlformats.org/drawingml/2006/diagram" xmlns:o="urn:schemas-microsoft-com:office:office" xmlns:v="urn:schemas-microsoft-com:vml" xmlns:pvml="urn:schemas-microsoft-com:office:powerpoint" xmlns:com="http://schemas.openxmlformats.org/drawingml/2006/compatibility" xmlns:p14="http://schemas.microsoft.com/office/powerpoint/2010/main" xmlns:p15="http://schemas.microsoft.com/office/powerpoint/2012/main">
   <p:cSld>
     <p:spTree>
       <p:nvGrpSpPr>
-        <p:cNvPr id="108" name="Shape 108"/>
+        <p:cNvPr id="125" name="Shape 125"/>
         <p:cNvGrpSpPr/>
         <p:nvPr/>
       </p:nvGrpSpPr>
@@ -10989,7 +9658,7 @@
       </p:grpSpPr>
       <p:sp>
         <p:nvSpPr>
-          <p:cNvPr id="109" name="Google Shape;109;p21"/>
+          <p:cNvPr id="126" name="Google Shape;126;p23"/>
           <p:cNvSpPr txBox="1"/>
           <p:nvPr>
             <p:ph type="title"/>
@@ -11029,7 +9698,7 @@
       </p:sp>
       <p:pic>
         <p:nvPicPr>
-          <p:cNvPr id="110" name="Google Shape;110;p21"/>
+          <p:cNvPr id="127" name="Google Shape;127;p23"/>
           <p:cNvPicPr preferRelativeResize="0"/>
           <p:nvPr/>
         </p:nvPicPr>
@@ -11057,7 +9726,7 @@
       </p:pic>
       <p:pic>
         <p:nvPicPr>
-          <p:cNvPr id="111" name="Google Shape;111;p21"/>
+          <p:cNvPr id="128" name="Google Shape;128;p23"/>
           <p:cNvPicPr preferRelativeResize="0"/>
           <p:nvPr/>
         </p:nvPicPr>
@@ -11083,6 +9752,3843 @@
           </a:ln>
         </p:spPr>
       </p:pic>
+    </p:spTree>
+  </p:cSld>
+  <p:clrMapOvr>
+    <a:masterClrMapping/>
+  </p:clrMapOvr>
+</p:sld>
+</file>
+
+<file path=ppt/slides/slide12.xml><?xml version="1.0" encoding="utf-8"?>
+<p:sld xmlns:a="http://schemas.openxmlformats.org/drawingml/2006/main" xmlns:r="http://schemas.openxmlformats.org/officeDocument/2006/relationships" xmlns:mc="http://schemas.openxmlformats.org/markup-compatibility/2006" xmlns:mv="urn:schemas-microsoft-com:mac:vml" xmlns:p="http://schemas.openxmlformats.org/presentationml/2006/main" xmlns:c="http://schemas.openxmlformats.org/drawingml/2006/chart" xmlns:dgm="http://schemas.openxmlformats.org/drawingml/2006/diagram" xmlns:o="urn:schemas-microsoft-com:office:office" xmlns:v="urn:schemas-microsoft-com:vml" xmlns:pvml="urn:schemas-microsoft-com:office:powerpoint" xmlns:com="http://schemas.openxmlformats.org/drawingml/2006/compatibility" xmlns:p14="http://schemas.microsoft.com/office/powerpoint/2010/main" xmlns:p15="http://schemas.microsoft.com/office/powerpoint/2012/main">
+  <p:cSld>
+    <p:spTree>
+      <p:nvGrpSpPr>
+        <p:cNvPr id="132" name="Shape 132"/>
+        <p:cNvGrpSpPr/>
+        <p:nvPr/>
+      </p:nvGrpSpPr>
+      <p:grpSpPr>
+        <a:xfrm>
+          <a:off x="0" y="0"/>
+          <a:ext cx="0" cy="0"/>
+          <a:chOff x="0" y="0"/>
+          <a:chExt cx="0" cy="0"/>
+        </a:xfrm>
+      </p:grpSpPr>
+      <p:sp>
+        <p:nvSpPr>
+          <p:cNvPr id="133" name="Google Shape;133;p24"/>
+          <p:cNvSpPr txBox="1"/>
+          <p:nvPr>
+            <p:ph type="title"/>
+          </p:nvPr>
+        </p:nvSpPr>
+        <p:spPr>
+          <a:xfrm>
+            <a:off x="311700" y="445025"/>
+            <a:ext cx="8520600" cy="572700"/>
+          </a:xfrm>
+          <a:prstGeom prst="rect">
+            <a:avLst/>
+          </a:prstGeom>
+        </p:spPr>
+        <p:txBody>
+          <a:bodyPr anchorCtr="0" anchor="t" bIns="91425" lIns="91425" spcFirstLastPara="1" rIns="91425" wrap="square" tIns="91425">
+            <a:noAutofit/>
+          </a:bodyPr>
+          <a:lstStyle/>
+          <a:p>
+            <a:pPr indent="0" lvl="0" marL="0" rtl="0" algn="l">
+              <a:spcBef>
+                <a:spcPts val="0"/>
+              </a:spcBef>
+              <a:spcAft>
+                <a:spcPts val="0"/>
+              </a:spcAft>
+              <a:buNone/>
+            </a:pPr>
+            <a:r>
+              <a:rPr lang="en"/>
+              <a:t>Conclusions</a:t>
+            </a:r>
+            <a:endParaRPr/>
+          </a:p>
+        </p:txBody>
+      </p:sp>
+      <p:sp>
+        <p:nvSpPr>
+          <p:cNvPr id="134" name="Google Shape;134;p24"/>
+          <p:cNvSpPr txBox="1"/>
+          <p:nvPr>
+            <p:ph idx="1" type="body"/>
+          </p:nvPr>
+        </p:nvSpPr>
+        <p:spPr>
+          <a:xfrm>
+            <a:off x="311700" y="1152475"/>
+            <a:ext cx="8520600" cy="3416400"/>
+          </a:xfrm>
+          <a:prstGeom prst="rect">
+            <a:avLst/>
+          </a:prstGeom>
+        </p:spPr>
+        <p:txBody>
+          <a:bodyPr anchorCtr="0" anchor="t" bIns="91425" lIns="91425" spcFirstLastPara="1" rIns="91425" wrap="square" tIns="91425">
+            <a:noAutofit/>
+          </a:bodyPr>
+          <a:lstStyle/>
+          <a:p>
+            <a:pPr indent="-342900" lvl="0" marL="457200" rtl="0" algn="l">
+              <a:spcBef>
+                <a:spcPts val="0"/>
+              </a:spcBef>
+              <a:spcAft>
+                <a:spcPts val="0"/>
+              </a:spcAft>
+              <a:buSzPts val="1800"/>
+              <a:buChar char="●"/>
+            </a:pPr>
+            <a:r>
+              <a:rPr lang="en"/>
+              <a:t>Evaluate models on the f1 score, and not just the test accuracy, due to class imbalance in our dataset</a:t>
+            </a:r>
+            <a:endParaRPr/>
+          </a:p>
+          <a:p>
+            <a:pPr indent="-342900" lvl="0" marL="457200" rtl="0" algn="l">
+              <a:spcBef>
+                <a:spcPts val="0"/>
+              </a:spcBef>
+              <a:spcAft>
+                <a:spcPts val="0"/>
+              </a:spcAft>
+              <a:buSzPts val="1800"/>
+              <a:buChar char="●"/>
+            </a:pPr>
+            <a:r>
+              <a:rPr lang="en"/>
+              <a:t>The best performing model is Random Forest Classifier</a:t>
+            </a:r>
+            <a:endParaRPr/>
+          </a:p>
+          <a:p>
+            <a:pPr indent="-342900" lvl="0" marL="457200" rtl="0" algn="l">
+              <a:spcBef>
+                <a:spcPts val="0"/>
+              </a:spcBef>
+              <a:spcAft>
+                <a:spcPts val="0"/>
+              </a:spcAft>
+              <a:buSzPts val="1800"/>
+              <a:buChar char="●"/>
+            </a:pPr>
+            <a:r>
+              <a:rPr lang="en"/>
+              <a:t>Allele frequency seems to be an important feature in both Logistic Regression and Random Forest models</a:t>
+            </a:r>
+            <a:endParaRPr/>
+          </a:p>
+          <a:p>
+            <a:pPr indent="-342900" lvl="0" marL="457200" rtl="0" algn="l">
+              <a:spcBef>
+                <a:spcPts val="0"/>
+              </a:spcBef>
+              <a:spcAft>
+                <a:spcPts val="0"/>
+              </a:spcAft>
+              <a:buSzPts val="1800"/>
+              <a:buChar char="●"/>
+            </a:pPr>
+            <a:r>
+              <a:rPr lang="en"/>
+              <a:t>In silico predictors are important features in these models - transfer learning</a:t>
+            </a:r>
+            <a:endParaRPr/>
+          </a:p>
+          <a:p>
+            <a:pPr indent="0" lvl="0" marL="457200" rtl="0" algn="l">
+              <a:spcBef>
+                <a:spcPts val="1600"/>
+              </a:spcBef>
+              <a:spcAft>
+                <a:spcPts val="1600"/>
+              </a:spcAft>
+              <a:buNone/>
+            </a:pPr>
+            <a:r>
+              <a:t/>
+            </a:r>
+            <a:endParaRPr/>
+          </a:p>
+        </p:txBody>
+      </p:sp>
+    </p:spTree>
+  </p:cSld>
+  <p:clrMapOvr>
+    <a:masterClrMapping/>
+  </p:clrMapOvr>
+</p:sld>
+</file>
+
+<file path=ppt/slides/slide13.xml><?xml version="1.0" encoding="utf-8"?>
+<p:sld xmlns:a="http://schemas.openxmlformats.org/drawingml/2006/main" xmlns:r="http://schemas.openxmlformats.org/officeDocument/2006/relationships" xmlns:mc="http://schemas.openxmlformats.org/markup-compatibility/2006" xmlns:mv="urn:schemas-microsoft-com:mac:vml" xmlns:p="http://schemas.openxmlformats.org/presentationml/2006/main" xmlns:c="http://schemas.openxmlformats.org/drawingml/2006/chart" xmlns:dgm="http://schemas.openxmlformats.org/drawingml/2006/diagram" xmlns:o="urn:schemas-microsoft-com:office:office" xmlns:v="urn:schemas-microsoft-com:vml" xmlns:pvml="urn:schemas-microsoft-com:office:powerpoint" xmlns:com="http://schemas.openxmlformats.org/drawingml/2006/compatibility" xmlns:p14="http://schemas.microsoft.com/office/powerpoint/2010/main" xmlns:p15="http://schemas.microsoft.com/office/powerpoint/2012/main">
+  <p:cSld>
+    <p:spTree>
+      <p:nvGrpSpPr>
+        <p:cNvPr id="138" name="Shape 138"/>
+        <p:cNvGrpSpPr/>
+        <p:nvPr/>
+      </p:nvGrpSpPr>
+      <p:grpSpPr>
+        <a:xfrm>
+          <a:off x="0" y="0"/>
+          <a:ext cx="0" cy="0"/>
+          <a:chOff x="0" y="0"/>
+          <a:chExt cx="0" cy="0"/>
+        </a:xfrm>
+      </p:grpSpPr>
+      <p:sp>
+        <p:nvSpPr>
+          <p:cNvPr id="139" name="Google Shape;139;p25"/>
+          <p:cNvSpPr txBox="1"/>
+          <p:nvPr>
+            <p:ph type="title"/>
+          </p:nvPr>
+        </p:nvSpPr>
+        <p:spPr>
+          <a:xfrm>
+            <a:off x="311700" y="445025"/>
+            <a:ext cx="8520600" cy="572700"/>
+          </a:xfrm>
+          <a:prstGeom prst="rect">
+            <a:avLst/>
+          </a:prstGeom>
+        </p:spPr>
+        <p:txBody>
+          <a:bodyPr anchorCtr="0" anchor="t" bIns="91425" lIns="91425" spcFirstLastPara="1" rIns="91425" wrap="square" tIns="91425">
+            <a:noAutofit/>
+          </a:bodyPr>
+          <a:lstStyle/>
+          <a:p>
+            <a:pPr indent="0" lvl="0" marL="0" rtl="0" algn="l">
+              <a:spcBef>
+                <a:spcPts val="0"/>
+              </a:spcBef>
+              <a:spcAft>
+                <a:spcPts val="0"/>
+              </a:spcAft>
+              <a:buNone/>
+            </a:pPr>
+            <a:r>
+              <a:rPr lang="en"/>
+              <a:t>Future Directions and Recommendations</a:t>
+            </a:r>
+            <a:endParaRPr/>
+          </a:p>
+        </p:txBody>
+      </p:sp>
+      <p:sp>
+        <p:nvSpPr>
+          <p:cNvPr id="140" name="Google Shape;140;p25"/>
+          <p:cNvSpPr txBox="1"/>
+          <p:nvPr>
+            <p:ph idx="1" type="body"/>
+          </p:nvPr>
+        </p:nvSpPr>
+        <p:spPr>
+          <a:xfrm>
+            <a:off x="311700" y="1152475"/>
+            <a:ext cx="8520600" cy="3416400"/>
+          </a:xfrm>
+          <a:prstGeom prst="rect">
+            <a:avLst/>
+          </a:prstGeom>
+        </p:spPr>
+        <p:txBody>
+          <a:bodyPr anchorCtr="0" anchor="t" bIns="91425" lIns="91425" spcFirstLastPara="1" rIns="91425" wrap="square" tIns="91425">
+            <a:noAutofit/>
+          </a:bodyPr>
+          <a:lstStyle/>
+          <a:p>
+            <a:pPr indent="-342900" lvl="0" marL="457200" rtl="0" algn="l">
+              <a:spcBef>
+                <a:spcPts val="0"/>
+              </a:spcBef>
+              <a:spcAft>
+                <a:spcPts val="0"/>
+              </a:spcAft>
+              <a:buSzPts val="1800"/>
+              <a:buChar char="●"/>
+            </a:pPr>
+            <a:r>
+              <a:rPr lang="en"/>
+              <a:t>Additional NLP on the categorical features that couldn’t be used</a:t>
+            </a:r>
+            <a:endParaRPr/>
+          </a:p>
+          <a:p>
+            <a:pPr indent="-317500" lvl="1" marL="914400" rtl="0" algn="l">
+              <a:spcBef>
+                <a:spcPts val="0"/>
+              </a:spcBef>
+              <a:spcAft>
+                <a:spcPts val="0"/>
+              </a:spcAft>
+              <a:buSzPts val="1400"/>
+              <a:buChar char="○"/>
+            </a:pPr>
+            <a:r>
+              <a:rPr lang="en"/>
+              <a:t>Disease identifier</a:t>
+            </a:r>
+            <a:endParaRPr/>
+          </a:p>
+          <a:p>
+            <a:pPr indent="-317500" lvl="1" marL="914400" rtl="0" algn="l">
+              <a:spcBef>
+                <a:spcPts val="0"/>
+              </a:spcBef>
+              <a:spcAft>
+                <a:spcPts val="0"/>
+              </a:spcAft>
+              <a:buSzPts val="1400"/>
+              <a:buChar char="○"/>
+            </a:pPr>
+            <a:r>
+              <a:rPr lang="en"/>
+              <a:t>Variant Consequence</a:t>
+            </a:r>
+            <a:endParaRPr/>
+          </a:p>
+          <a:p>
+            <a:pPr indent="-342900" lvl="0" marL="457200" rtl="0" algn="l">
+              <a:spcBef>
+                <a:spcPts val="0"/>
+              </a:spcBef>
+              <a:spcAft>
+                <a:spcPts val="0"/>
+              </a:spcAft>
+              <a:buSzPts val="1800"/>
+              <a:buChar char="●"/>
+            </a:pPr>
+            <a:r>
+              <a:rPr lang="en"/>
+              <a:t>NLP using SentencePiece on raw genome data at genetic loci of variants for information on co-occurring variants, and effects of other variants</a:t>
+            </a:r>
+            <a:endParaRPr/>
+          </a:p>
+        </p:txBody>
+      </p:sp>
+    </p:spTree>
+  </p:cSld>
+  <p:clrMapOvr>
+    <a:masterClrMapping/>
+  </p:clrMapOvr>
+</p:sld>
+</file>
+
+<file path=ppt/slides/slide14.xml><?xml version="1.0" encoding="utf-8"?>
+<p:sld xmlns:a="http://schemas.openxmlformats.org/drawingml/2006/main" xmlns:r="http://schemas.openxmlformats.org/officeDocument/2006/relationships" xmlns:mc="http://schemas.openxmlformats.org/markup-compatibility/2006" xmlns:mv="urn:schemas-microsoft-com:mac:vml" xmlns:p="http://schemas.openxmlformats.org/presentationml/2006/main" xmlns:c="http://schemas.openxmlformats.org/drawingml/2006/chart" xmlns:dgm="http://schemas.openxmlformats.org/drawingml/2006/diagram" xmlns:o="urn:schemas-microsoft-com:office:office" xmlns:v="urn:schemas-microsoft-com:vml" xmlns:pvml="urn:schemas-microsoft-com:office:powerpoint" xmlns:com="http://schemas.openxmlformats.org/drawingml/2006/compatibility" xmlns:p14="http://schemas.microsoft.com/office/powerpoint/2010/main" xmlns:p15="http://schemas.microsoft.com/office/powerpoint/2012/main">
+  <p:cSld>
+    <p:spTree>
+      <p:nvGrpSpPr>
+        <p:cNvPr id="144" name="Shape 144"/>
+        <p:cNvGrpSpPr/>
+        <p:nvPr/>
+      </p:nvGrpSpPr>
+      <p:grpSpPr>
+        <a:xfrm>
+          <a:off x="0" y="0"/>
+          <a:ext cx="0" cy="0"/>
+          <a:chOff x="0" y="0"/>
+          <a:chExt cx="0" cy="0"/>
+        </a:xfrm>
+      </p:grpSpPr>
+      <p:sp>
+        <p:nvSpPr>
+          <p:cNvPr id="145" name="Google Shape;145;p26"/>
+          <p:cNvSpPr txBox="1"/>
+          <p:nvPr>
+            <p:ph type="title"/>
+          </p:nvPr>
+        </p:nvSpPr>
+        <p:spPr>
+          <a:xfrm>
+            <a:off x="311700" y="445025"/>
+            <a:ext cx="8520600" cy="572700"/>
+          </a:xfrm>
+          <a:prstGeom prst="rect">
+            <a:avLst/>
+          </a:prstGeom>
+        </p:spPr>
+        <p:txBody>
+          <a:bodyPr anchorCtr="0" anchor="t" bIns="91425" lIns="91425" spcFirstLastPara="1" rIns="91425" wrap="square" tIns="91425">
+            <a:noAutofit/>
+          </a:bodyPr>
+          <a:lstStyle/>
+          <a:p>
+            <a:pPr indent="0" lvl="0" marL="0" rtl="0" algn="l">
+              <a:spcBef>
+                <a:spcPts val="0"/>
+              </a:spcBef>
+              <a:spcAft>
+                <a:spcPts val="0"/>
+              </a:spcAft>
+              <a:buNone/>
+            </a:pPr>
+            <a:r>
+              <a:rPr lang="en"/>
+              <a:t>Acknowledgments </a:t>
+            </a:r>
+            <a:endParaRPr/>
+          </a:p>
+        </p:txBody>
+      </p:sp>
+      <p:sp>
+        <p:nvSpPr>
+          <p:cNvPr id="146" name="Google Shape;146;p26"/>
+          <p:cNvSpPr txBox="1"/>
+          <p:nvPr>
+            <p:ph idx="1" type="body"/>
+          </p:nvPr>
+        </p:nvSpPr>
+        <p:spPr>
+          <a:xfrm>
+            <a:off x="311700" y="1152475"/>
+            <a:ext cx="8520600" cy="3416400"/>
+          </a:xfrm>
+          <a:prstGeom prst="rect">
+            <a:avLst/>
+          </a:prstGeom>
+        </p:spPr>
+        <p:txBody>
+          <a:bodyPr anchorCtr="0" anchor="t" bIns="91425" lIns="91425" spcFirstLastPara="1" rIns="91425" wrap="square" tIns="91425">
+            <a:noAutofit/>
+          </a:bodyPr>
+          <a:lstStyle/>
+          <a:p>
+            <a:pPr indent="-342900" lvl="0" marL="457200" rtl="0" algn="l">
+              <a:spcBef>
+                <a:spcPts val="0"/>
+              </a:spcBef>
+              <a:spcAft>
+                <a:spcPts val="0"/>
+              </a:spcAft>
+              <a:buSzPts val="1800"/>
+              <a:buChar char="●"/>
+            </a:pPr>
+            <a:r>
+              <a:rPr lang="en"/>
+              <a:t>Springboard </a:t>
+            </a:r>
+            <a:endParaRPr/>
+          </a:p>
+          <a:p>
+            <a:pPr indent="-317500" lvl="1" marL="914400" rtl="0" algn="l">
+              <a:spcBef>
+                <a:spcPts val="0"/>
+              </a:spcBef>
+              <a:spcAft>
+                <a:spcPts val="0"/>
+              </a:spcAft>
+              <a:buSzPts val="1400"/>
+              <a:buChar char="○"/>
+            </a:pPr>
+            <a:r>
+              <a:rPr lang="en"/>
+              <a:t>Hobson Lane</a:t>
+            </a:r>
+            <a:endParaRPr/>
+          </a:p>
+          <a:p>
+            <a:pPr indent="-342900" lvl="0" marL="457200" rtl="0" algn="l">
+              <a:spcBef>
+                <a:spcPts val="0"/>
+              </a:spcBef>
+              <a:spcAft>
+                <a:spcPts val="0"/>
+              </a:spcAft>
+              <a:buSzPts val="1800"/>
+              <a:buChar char="●"/>
+            </a:pPr>
+            <a:r>
+              <a:rPr lang="en"/>
+              <a:t>Data</a:t>
+            </a:r>
+            <a:endParaRPr/>
+          </a:p>
+          <a:p>
+            <a:pPr indent="-317500" lvl="1" marL="914400" rtl="0" algn="l">
+              <a:spcBef>
+                <a:spcPts val="0"/>
+              </a:spcBef>
+              <a:spcAft>
+                <a:spcPts val="0"/>
+              </a:spcAft>
+              <a:buSzPts val="1400"/>
+              <a:buChar char="○"/>
+            </a:pPr>
+            <a:r>
+              <a:rPr lang="en"/>
+              <a:t>ClinVar </a:t>
+            </a:r>
+            <a:endParaRPr/>
+          </a:p>
+          <a:p>
+            <a:pPr indent="-317500" lvl="1" marL="914400" rtl="0" algn="l">
+              <a:spcBef>
+                <a:spcPts val="0"/>
+              </a:spcBef>
+              <a:spcAft>
+                <a:spcPts val="0"/>
+              </a:spcAft>
+              <a:buSzPts val="1400"/>
+              <a:buChar char="○"/>
+            </a:pPr>
+            <a:r>
+              <a:rPr lang="en"/>
+              <a:t>Kaggle </a:t>
+            </a:r>
+            <a:endParaRPr/>
+          </a:p>
+          <a:p>
+            <a:pPr indent="-317500" lvl="1" marL="914400" rtl="0" algn="l">
+              <a:spcBef>
+                <a:spcPts val="0"/>
+              </a:spcBef>
+              <a:spcAft>
+                <a:spcPts val="0"/>
+              </a:spcAft>
+              <a:buSzPts val="1400"/>
+              <a:buChar char="○"/>
+            </a:pPr>
+            <a:r>
+              <a:rPr lang="en"/>
+              <a:t>Uniprot</a:t>
+            </a:r>
+            <a:endParaRPr/>
+          </a:p>
+          <a:p>
+            <a:pPr indent="-342900" lvl="0" marL="457200" rtl="0" algn="l">
+              <a:spcBef>
+                <a:spcPts val="0"/>
+              </a:spcBef>
+              <a:spcAft>
+                <a:spcPts val="0"/>
+              </a:spcAft>
+              <a:buSzPts val="1800"/>
+              <a:buChar char="●"/>
+            </a:pPr>
+            <a:r>
+              <a:rPr lang="en"/>
+              <a:t>Clip art</a:t>
+            </a:r>
+            <a:endParaRPr/>
+          </a:p>
+          <a:p>
+            <a:pPr indent="-317500" lvl="1" marL="914400" rtl="0" algn="l">
+              <a:spcBef>
+                <a:spcPts val="0"/>
+              </a:spcBef>
+              <a:spcAft>
+                <a:spcPts val="0"/>
+              </a:spcAft>
+              <a:buSzPts val="1400"/>
+              <a:buChar char="○"/>
+            </a:pPr>
+            <a:r>
+              <a:rPr lang="en" sz="1100" u="sng">
+                <a:solidFill>
+                  <a:schemeClr val="hlink"/>
+                </a:solidFill>
+                <a:hlinkClick r:id="rId3"/>
+              </a:rPr>
+              <a:t>https://www.springboard.com/blog/machine-learning-engineering/</a:t>
+            </a:r>
+            <a:endParaRPr/>
+          </a:p>
+          <a:p>
+            <a:pPr indent="-317500" lvl="1" marL="914400" rtl="0" algn="l">
+              <a:spcBef>
+                <a:spcPts val="0"/>
+              </a:spcBef>
+              <a:spcAft>
+                <a:spcPts val="0"/>
+              </a:spcAft>
+              <a:buSzPts val="1400"/>
+              <a:buChar char="○"/>
+            </a:pPr>
+            <a:r>
+              <a:rPr lang="en" sz="1100" u="sng">
+                <a:solidFill>
+                  <a:schemeClr val="hlink"/>
+                </a:solidFill>
+                <a:hlinkClick r:id="rId4"/>
+              </a:rPr>
+              <a:t>http://clipart-library.com/confused-cliparts.html</a:t>
+            </a:r>
+            <a:endParaRPr/>
+          </a:p>
+        </p:txBody>
+      </p:sp>
+    </p:spTree>
+  </p:cSld>
+  <p:clrMapOvr>
+    <a:masterClrMapping/>
+  </p:clrMapOvr>
+</p:sld>
+</file>
+
+<file path=ppt/slides/slide2.xml><?xml version="1.0" encoding="utf-8"?>
+<p:sld xmlns:a="http://schemas.openxmlformats.org/drawingml/2006/main" xmlns:r="http://schemas.openxmlformats.org/officeDocument/2006/relationships" xmlns:mc="http://schemas.openxmlformats.org/markup-compatibility/2006" xmlns:mv="urn:schemas-microsoft-com:mac:vml" xmlns:p="http://schemas.openxmlformats.org/presentationml/2006/main" xmlns:c="http://schemas.openxmlformats.org/drawingml/2006/chart" xmlns:dgm="http://schemas.openxmlformats.org/drawingml/2006/diagram" xmlns:o="urn:schemas-microsoft-com:office:office" xmlns:v="urn:schemas-microsoft-com:vml" xmlns:pvml="urn:schemas-microsoft-com:office:powerpoint" xmlns:com="http://schemas.openxmlformats.org/drawingml/2006/compatibility" xmlns:p14="http://schemas.microsoft.com/office/powerpoint/2010/main" xmlns:p15="http://schemas.microsoft.com/office/powerpoint/2012/main">
+  <p:cSld>
+    <p:spTree>
+      <p:nvGrpSpPr>
+        <p:cNvPr id="59" name="Shape 59"/>
+        <p:cNvGrpSpPr/>
+        <p:nvPr/>
+      </p:nvGrpSpPr>
+      <p:grpSpPr>
+        <a:xfrm>
+          <a:off x="0" y="0"/>
+          <a:ext cx="0" cy="0"/>
+          <a:chOff x="0" y="0"/>
+          <a:chExt cx="0" cy="0"/>
+        </a:xfrm>
+      </p:grpSpPr>
+      <p:sp>
+        <p:nvSpPr>
+          <p:cNvPr id="60" name="Google Shape;60;p14"/>
+          <p:cNvSpPr txBox="1"/>
+          <p:nvPr>
+            <p:ph type="title"/>
+          </p:nvPr>
+        </p:nvSpPr>
+        <p:spPr>
+          <a:xfrm>
+            <a:off x="311700" y="445025"/>
+            <a:ext cx="8520600" cy="572700"/>
+          </a:xfrm>
+          <a:prstGeom prst="rect">
+            <a:avLst/>
+          </a:prstGeom>
+        </p:spPr>
+        <p:txBody>
+          <a:bodyPr anchorCtr="0" anchor="t" bIns="91425" lIns="91425" spcFirstLastPara="1" rIns="91425" wrap="square" tIns="91425">
+            <a:noAutofit/>
+          </a:bodyPr>
+          <a:lstStyle/>
+          <a:p>
+            <a:pPr indent="0" lvl="0" marL="0" rtl="0" algn="l">
+              <a:spcBef>
+                <a:spcPts val="0"/>
+              </a:spcBef>
+              <a:spcAft>
+                <a:spcPts val="0"/>
+              </a:spcAft>
+              <a:buNone/>
+            </a:pPr>
+            <a:r>
+              <a:rPr lang="en"/>
+              <a:t>Genetic Testing - A Quick Background</a:t>
+            </a:r>
+            <a:endParaRPr/>
+          </a:p>
+        </p:txBody>
+      </p:sp>
+      <p:sp>
+        <p:nvSpPr>
+          <p:cNvPr id="61" name="Google Shape;61;p14"/>
+          <p:cNvSpPr txBox="1"/>
+          <p:nvPr>
+            <p:ph idx="1" type="body"/>
+          </p:nvPr>
+        </p:nvSpPr>
+        <p:spPr>
+          <a:xfrm>
+            <a:off x="311700" y="1017725"/>
+            <a:ext cx="8520600" cy="3416400"/>
+          </a:xfrm>
+          <a:prstGeom prst="rect">
+            <a:avLst/>
+          </a:prstGeom>
+        </p:spPr>
+        <p:txBody>
+          <a:bodyPr anchorCtr="0" anchor="t" bIns="91425" lIns="91425" spcFirstLastPara="1" rIns="91425" wrap="square" tIns="91425">
+            <a:noAutofit/>
+          </a:bodyPr>
+          <a:lstStyle/>
+          <a:p>
+            <a:pPr indent="-342900" lvl="0" marL="457200" rtl="0" algn="just">
+              <a:lnSpc>
+                <a:spcPct val="100000"/>
+              </a:lnSpc>
+              <a:spcBef>
+                <a:spcPts val="0"/>
+              </a:spcBef>
+              <a:spcAft>
+                <a:spcPts val="0"/>
+              </a:spcAft>
+              <a:buSzPts val="1800"/>
+              <a:buChar char="●"/>
+            </a:pPr>
+            <a:r>
+              <a:rPr lang="en"/>
+              <a:t>Reasons for genetic testing:</a:t>
+            </a:r>
+            <a:endParaRPr/>
+          </a:p>
+          <a:p>
+            <a:pPr indent="-342900" lvl="1" marL="914400" rtl="0" algn="just">
+              <a:lnSpc>
+                <a:spcPct val="100000"/>
+              </a:lnSpc>
+              <a:spcBef>
+                <a:spcPts val="0"/>
+              </a:spcBef>
+              <a:spcAft>
+                <a:spcPts val="0"/>
+              </a:spcAft>
+              <a:buSzPts val="1800"/>
+              <a:buChar char="○"/>
+            </a:pPr>
+            <a:r>
+              <a:rPr lang="en" sz="1800"/>
+              <a:t>Pre-emptive screening for inherited diseases </a:t>
+            </a:r>
+            <a:endParaRPr sz="1800"/>
+          </a:p>
+          <a:p>
+            <a:pPr indent="-342900" lvl="1" marL="914400" rtl="0" algn="just">
+              <a:lnSpc>
+                <a:spcPct val="100000"/>
+              </a:lnSpc>
+              <a:spcBef>
+                <a:spcPts val="0"/>
+              </a:spcBef>
+              <a:spcAft>
+                <a:spcPts val="0"/>
+              </a:spcAft>
+              <a:buSzPts val="1800"/>
+              <a:buChar char="○"/>
+            </a:pPr>
+            <a:r>
+              <a:rPr lang="en" sz="1800"/>
+              <a:t>Diagnosis confirmation</a:t>
+            </a:r>
+            <a:endParaRPr sz="1800"/>
+          </a:p>
+          <a:p>
+            <a:pPr indent="-342900" lvl="0" marL="457200" rtl="0" algn="just">
+              <a:lnSpc>
+                <a:spcPct val="100000"/>
+              </a:lnSpc>
+              <a:spcBef>
+                <a:spcPts val="0"/>
+              </a:spcBef>
+              <a:spcAft>
+                <a:spcPts val="0"/>
+              </a:spcAft>
+              <a:buSzPts val="1800"/>
+              <a:buChar char="●"/>
+            </a:pPr>
+            <a:r>
+              <a:rPr lang="en"/>
+              <a:t>Patient samples are sent to one or more labs to test for specific variants</a:t>
+            </a:r>
+            <a:endParaRPr/>
+          </a:p>
+          <a:p>
+            <a:pPr indent="-342900" lvl="1" marL="914400" rtl="0" algn="just">
+              <a:lnSpc>
+                <a:spcPct val="100000"/>
+              </a:lnSpc>
+              <a:spcBef>
+                <a:spcPts val="0"/>
+              </a:spcBef>
+              <a:spcAft>
+                <a:spcPts val="0"/>
+              </a:spcAft>
+              <a:buSzPts val="1800"/>
+              <a:buChar char="○"/>
+            </a:pPr>
+            <a:r>
+              <a:rPr lang="en" sz="1800"/>
+              <a:t>The result is scored on a 5-level scale as shown below:</a:t>
+            </a:r>
+            <a:endParaRPr sz="1800"/>
+          </a:p>
+          <a:p>
+            <a:pPr indent="0" lvl="0" marL="0" rtl="0" algn="just">
+              <a:lnSpc>
+                <a:spcPct val="100000"/>
+              </a:lnSpc>
+              <a:spcBef>
+                <a:spcPts val="0"/>
+              </a:spcBef>
+              <a:spcAft>
+                <a:spcPts val="0"/>
+              </a:spcAft>
+              <a:buNone/>
+            </a:pPr>
+            <a:r>
+              <a:t/>
+            </a:r>
+            <a:endParaRPr/>
+          </a:p>
+          <a:p>
+            <a:pPr indent="0" lvl="0" marL="0" rtl="0" algn="just">
+              <a:lnSpc>
+                <a:spcPct val="100000"/>
+              </a:lnSpc>
+              <a:spcBef>
+                <a:spcPts val="0"/>
+              </a:spcBef>
+              <a:spcAft>
+                <a:spcPts val="0"/>
+              </a:spcAft>
+              <a:buNone/>
+            </a:pPr>
+            <a:r>
+              <a:t/>
+            </a:r>
+            <a:endParaRPr/>
+          </a:p>
+          <a:p>
+            <a:pPr indent="-342900" lvl="0" marL="457200" rtl="0" algn="just">
+              <a:lnSpc>
+                <a:spcPct val="100000"/>
+              </a:lnSpc>
+              <a:spcBef>
+                <a:spcPts val="0"/>
+              </a:spcBef>
+              <a:spcAft>
+                <a:spcPts val="0"/>
+              </a:spcAft>
+              <a:buSzPts val="1800"/>
+              <a:buChar char="●"/>
+            </a:pPr>
+            <a:r>
+              <a:rPr lang="en"/>
+              <a:t>Results guide treatment and healthcare planning </a:t>
+            </a:r>
+            <a:endParaRPr/>
+          </a:p>
+          <a:p>
+            <a:pPr indent="0" lvl="0" marL="914400" rtl="0" algn="just">
+              <a:lnSpc>
+                <a:spcPct val="100000"/>
+              </a:lnSpc>
+              <a:spcBef>
+                <a:spcPts val="0"/>
+              </a:spcBef>
+              <a:spcAft>
+                <a:spcPts val="0"/>
+              </a:spcAft>
+              <a:buNone/>
+            </a:pPr>
+            <a:r>
+              <a:t/>
+            </a:r>
+            <a:endParaRPr>
+              <a:solidFill>
+                <a:srgbClr val="000000"/>
+              </a:solidFill>
+            </a:endParaRPr>
+          </a:p>
+          <a:p>
+            <a:pPr indent="0" lvl="0" marL="914400" rtl="0" algn="just">
+              <a:lnSpc>
+                <a:spcPct val="100000"/>
+              </a:lnSpc>
+              <a:spcBef>
+                <a:spcPts val="0"/>
+              </a:spcBef>
+              <a:spcAft>
+                <a:spcPts val="0"/>
+              </a:spcAft>
+              <a:buNone/>
+            </a:pPr>
+            <a:r>
+              <a:t/>
+            </a:r>
+            <a:endParaRPr>
+              <a:solidFill>
+                <a:srgbClr val="000000"/>
+              </a:solidFill>
+            </a:endParaRPr>
+          </a:p>
+          <a:p>
+            <a:pPr indent="0" lvl="0" marL="0" rtl="0" algn="just">
+              <a:lnSpc>
+                <a:spcPct val="100000"/>
+              </a:lnSpc>
+              <a:spcBef>
+                <a:spcPts val="0"/>
+              </a:spcBef>
+              <a:spcAft>
+                <a:spcPts val="0"/>
+              </a:spcAft>
+              <a:buNone/>
+            </a:pPr>
+            <a:r>
+              <a:t/>
+            </a:r>
+            <a:endParaRPr>
+              <a:solidFill>
+                <a:srgbClr val="000000"/>
+              </a:solidFill>
+            </a:endParaRPr>
+          </a:p>
+          <a:p>
+            <a:pPr indent="0" lvl="0" marL="457200" rtl="0" algn="just">
+              <a:lnSpc>
+                <a:spcPct val="100000"/>
+              </a:lnSpc>
+              <a:spcBef>
+                <a:spcPts val="0"/>
+              </a:spcBef>
+              <a:spcAft>
+                <a:spcPts val="0"/>
+              </a:spcAft>
+              <a:buNone/>
+            </a:pPr>
+            <a:r>
+              <a:t/>
+            </a:r>
+            <a:endParaRPr>
+              <a:solidFill>
+                <a:srgbClr val="000000"/>
+              </a:solidFill>
+            </a:endParaRPr>
+          </a:p>
+        </p:txBody>
+      </p:sp>
+      <p:pic>
+        <p:nvPicPr>
+          <p:cNvPr id="62" name="Google Shape;62;p14"/>
+          <p:cNvPicPr preferRelativeResize="0"/>
+          <p:nvPr/>
+        </p:nvPicPr>
+        <p:blipFill>
+          <a:blip r:embed="rId3">
+            <a:alphaModFix/>
+          </a:blip>
+          <a:stretch>
+            <a:fillRect/>
+          </a:stretch>
+        </p:blipFill>
+        <p:spPr>
+          <a:xfrm>
+            <a:off x="2008313" y="2571750"/>
+            <a:ext cx="4652613" cy="404575"/>
+          </a:xfrm>
+          <a:prstGeom prst="rect">
+            <a:avLst/>
+          </a:prstGeom>
+          <a:noFill/>
+          <a:ln>
+            <a:noFill/>
+          </a:ln>
+        </p:spPr>
+      </p:pic>
+    </p:spTree>
+  </p:cSld>
+  <p:clrMapOvr>
+    <a:masterClrMapping/>
+  </p:clrMapOvr>
+  <p:timing>
+    <p:tnLst>
+      <p:par>
+        <p:cTn dur="indefinite" nodeType="tmRoot" restart="never">
+          <p:childTnLst>
+            <p:seq concurrent="1" nextAc="seek">
+              <p:cTn dur="indefinite" id="2" nodeType="mainSeq">
+                <p:childTnLst>
+                  <p:par>
+                    <p:cTn fill="hold">
+                      <p:stCondLst>
+                        <p:cond delay="indefinite"/>
+                      </p:stCondLst>
+                      <p:childTnLst>
+                        <p:par>
+                          <p:cTn fill="hold">
+                            <p:stCondLst>
+                              <p:cond delay="0"/>
+                            </p:stCondLst>
+                            <p:childTnLst>
+                              <p:par>
+                                <p:cTn fill="hold" nodeType="clickEffect" presetClass="entr" presetID="10" presetSubtype="0">
+                                  <p:stCondLst>
+                                    <p:cond delay="0"/>
+                                  </p:stCondLst>
+                                  <p:childTnLst>
+                                    <p:set>
+                                      <p:cBhvr>
+                                        <p:cTn dur="1" fill="hold">
+                                          <p:stCondLst>
+                                            <p:cond delay="0"/>
+                                          </p:stCondLst>
+                                        </p:cTn>
+                                        <p:tgtEl>
+                                          <p:spTgt spid="61">
+                                            <p:txEl>
+                                              <p:pRg end="0" st="0"/>
+                                            </p:txEl>
+                                          </p:spTgt>
+                                        </p:tgtEl>
+                                        <p:attrNameLst>
+                                          <p:attrName>style.visibility</p:attrName>
+                                        </p:attrNameLst>
+                                      </p:cBhvr>
+                                      <p:to>
+                                        <p:strVal val="visible"/>
+                                      </p:to>
+                                    </p:set>
+                                    <p:animEffect filter="fade" transition="in">
+                                      <p:cBhvr>
+                                        <p:cTn dur="1000"/>
+                                        <p:tgtEl>
+                                          <p:spTgt spid="61">
+                                            <p:txEl>
+                                              <p:pRg end="0" st="0"/>
+                                            </p:txEl>
+                                          </p:spTgt>
+                                        </p:tgtEl>
+                                      </p:cBhvr>
+                                    </p:animEffect>
+                                  </p:childTnLst>
+                                </p:cTn>
+                              </p:par>
+                            </p:childTnLst>
+                          </p:cTn>
+                        </p:par>
+                      </p:childTnLst>
+                    </p:cTn>
+                  </p:par>
+                  <p:par>
+                    <p:cTn fill="hold">
+                      <p:stCondLst>
+                        <p:cond delay="indefinite"/>
+                      </p:stCondLst>
+                      <p:childTnLst>
+                        <p:par>
+                          <p:cTn fill="hold">
+                            <p:stCondLst>
+                              <p:cond delay="0"/>
+                            </p:stCondLst>
+                            <p:childTnLst>
+                              <p:par>
+                                <p:cTn fill="hold" nodeType="clickEffect" presetClass="entr" presetID="10" presetSubtype="0">
+                                  <p:stCondLst>
+                                    <p:cond delay="0"/>
+                                  </p:stCondLst>
+                                  <p:childTnLst>
+                                    <p:set>
+                                      <p:cBhvr>
+                                        <p:cTn dur="1" fill="hold">
+                                          <p:stCondLst>
+                                            <p:cond delay="0"/>
+                                          </p:stCondLst>
+                                        </p:cTn>
+                                        <p:tgtEl>
+                                          <p:spTgt spid="61">
+                                            <p:txEl>
+                                              <p:pRg end="1" st="1"/>
+                                            </p:txEl>
+                                          </p:spTgt>
+                                        </p:tgtEl>
+                                        <p:attrNameLst>
+                                          <p:attrName>style.visibility</p:attrName>
+                                        </p:attrNameLst>
+                                      </p:cBhvr>
+                                      <p:to>
+                                        <p:strVal val="visible"/>
+                                      </p:to>
+                                    </p:set>
+                                    <p:animEffect filter="fade" transition="in">
+                                      <p:cBhvr>
+                                        <p:cTn dur="1000"/>
+                                        <p:tgtEl>
+                                          <p:spTgt spid="61">
+                                            <p:txEl>
+                                              <p:pRg end="1" st="1"/>
+                                            </p:txEl>
+                                          </p:spTgt>
+                                        </p:tgtEl>
+                                      </p:cBhvr>
+                                    </p:animEffect>
+                                  </p:childTnLst>
+                                </p:cTn>
+                              </p:par>
+                            </p:childTnLst>
+                          </p:cTn>
+                        </p:par>
+                      </p:childTnLst>
+                    </p:cTn>
+                  </p:par>
+                  <p:par>
+                    <p:cTn fill="hold">
+                      <p:stCondLst>
+                        <p:cond delay="indefinite"/>
+                      </p:stCondLst>
+                      <p:childTnLst>
+                        <p:par>
+                          <p:cTn fill="hold">
+                            <p:stCondLst>
+                              <p:cond delay="0"/>
+                            </p:stCondLst>
+                            <p:childTnLst>
+                              <p:par>
+                                <p:cTn fill="hold" nodeType="clickEffect" presetClass="entr" presetID="10" presetSubtype="0">
+                                  <p:stCondLst>
+                                    <p:cond delay="0"/>
+                                  </p:stCondLst>
+                                  <p:childTnLst>
+                                    <p:set>
+                                      <p:cBhvr>
+                                        <p:cTn dur="1" fill="hold">
+                                          <p:stCondLst>
+                                            <p:cond delay="0"/>
+                                          </p:stCondLst>
+                                        </p:cTn>
+                                        <p:tgtEl>
+                                          <p:spTgt spid="61">
+                                            <p:txEl>
+                                              <p:pRg end="2" st="2"/>
+                                            </p:txEl>
+                                          </p:spTgt>
+                                        </p:tgtEl>
+                                        <p:attrNameLst>
+                                          <p:attrName>style.visibility</p:attrName>
+                                        </p:attrNameLst>
+                                      </p:cBhvr>
+                                      <p:to>
+                                        <p:strVal val="visible"/>
+                                      </p:to>
+                                    </p:set>
+                                    <p:animEffect filter="fade" transition="in">
+                                      <p:cBhvr>
+                                        <p:cTn dur="1000"/>
+                                        <p:tgtEl>
+                                          <p:spTgt spid="61">
+                                            <p:txEl>
+                                              <p:pRg end="2" st="2"/>
+                                            </p:txEl>
+                                          </p:spTgt>
+                                        </p:tgtEl>
+                                      </p:cBhvr>
+                                    </p:animEffect>
+                                  </p:childTnLst>
+                                </p:cTn>
+                              </p:par>
+                            </p:childTnLst>
+                          </p:cTn>
+                        </p:par>
+                      </p:childTnLst>
+                    </p:cTn>
+                  </p:par>
+                  <p:par>
+                    <p:cTn fill="hold">
+                      <p:stCondLst>
+                        <p:cond delay="indefinite"/>
+                      </p:stCondLst>
+                      <p:childTnLst>
+                        <p:par>
+                          <p:cTn fill="hold">
+                            <p:stCondLst>
+                              <p:cond delay="0"/>
+                            </p:stCondLst>
+                            <p:childTnLst>
+                              <p:par>
+                                <p:cTn fill="hold" nodeType="clickEffect" presetClass="entr" presetID="10" presetSubtype="0">
+                                  <p:stCondLst>
+                                    <p:cond delay="0"/>
+                                  </p:stCondLst>
+                                  <p:childTnLst>
+                                    <p:set>
+                                      <p:cBhvr>
+                                        <p:cTn dur="1" fill="hold">
+                                          <p:stCondLst>
+                                            <p:cond delay="0"/>
+                                          </p:stCondLst>
+                                        </p:cTn>
+                                        <p:tgtEl>
+                                          <p:spTgt spid="61">
+                                            <p:txEl>
+                                              <p:pRg end="3" st="3"/>
+                                            </p:txEl>
+                                          </p:spTgt>
+                                        </p:tgtEl>
+                                        <p:attrNameLst>
+                                          <p:attrName>style.visibility</p:attrName>
+                                        </p:attrNameLst>
+                                      </p:cBhvr>
+                                      <p:to>
+                                        <p:strVal val="visible"/>
+                                      </p:to>
+                                    </p:set>
+                                    <p:animEffect filter="fade" transition="in">
+                                      <p:cBhvr>
+                                        <p:cTn dur="1000"/>
+                                        <p:tgtEl>
+                                          <p:spTgt spid="61">
+                                            <p:txEl>
+                                              <p:pRg end="3" st="3"/>
+                                            </p:txEl>
+                                          </p:spTgt>
+                                        </p:tgtEl>
+                                      </p:cBhvr>
+                                    </p:animEffect>
+                                  </p:childTnLst>
+                                </p:cTn>
+                              </p:par>
+                            </p:childTnLst>
+                          </p:cTn>
+                        </p:par>
+                      </p:childTnLst>
+                    </p:cTn>
+                  </p:par>
+                  <p:par>
+                    <p:cTn fill="hold">
+                      <p:stCondLst>
+                        <p:cond delay="indefinite"/>
+                      </p:stCondLst>
+                      <p:childTnLst>
+                        <p:par>
+                          <p:cTn fill="hold">
+                            <p:stCondLst>
+                              <p:cond delay="0"/>
+                            </p:stCondLst>
+                            <p:childTnLst>
+                              <p:par>
+                                <p:cTn fill="hold" nodeType="clickEffect" presetClass="entr" presetID="10" presetSubtype="0">
+                                  <p:stCondLst>
+                                    <p:cond delay="0"/>
+                                  </p:stCondLst>
+                                  <p:childTnLst>
+                                    <p:set>
+                                      <p:cBhvr>
+                                        <p:cTn dur="1" fill="hold">
+                                          <p:stCondLst>
+                                            <p:cond delay="0"/>
+                                          </p:stCondLst>
+                                        </p:cTn>
+                                        <p:tgtEl>
+                                          <p:spTgt spid="61">
+                                            <p:txEl>
+                                              <p:pRg end="4" st="4"/>
+                                            </p:txEl>
+                                          </p:spTgt>
+                                        </p:tgtEl>
+                                        <p:attrNameLst>
+                                          <p:attrName>style.visibility</p:attrName>
+                                        </p:attrNameLst>
+                                      </p:cBhvr>
+                                      <p:to>
+                                        <p:strVal val="visible"/>
+                                      </p:to>
+                                    </p:set>
+                                    <p:animEffect filter="fade" transition="in">
+                                      <p:cBhvr>
+                                        <p:cTn dur="1000"/>
+                                        <p:tgtEl>
+                                          <p:spTgt spid="61">
+                                            <p:txEl>
+                                              <p:pRg end="4" st="4"/>
+                                            </p:txEl>
+                                          </p:spTgt>
+                                        </p:tgtEl>
+                                      </p:cBhvr>
+                                    </p:animEffect>
+                                  </p:childTnLst>
+                                </p:cTn>
+                              </p:par>
+                            </p:childTnLst>
+                          </p:cTn>
+                        </p:par>
+                      </p:childTnLst>
+                    </p:cTn>
+                  </p:par>
+                  <p:par>
+                    <p:cTn fill="hold">
+                      <p:stCondLst>
+                        <p:cond delay="indefinite"/>
+                      </p:stCondLst>
+                      <p:childTnLst>
+                        <p:par>
+                          <p:cTn fill="hold">
+                            <p:stCondLst>
+                              <p:cond delay="0"/>
+                            </p:stCondLst>
+                            <p:childTnLst>
+                              <p:par>
+                                <p:cTn fill="hold" nodeType="clickEffect" presetClass="entr" presetID="10" presetSubtype="0">
+                                  <p:stCondLst>
+                                    <p:cond delay="0"/>
+                                  </p:stCondLst>
+                                  <p:childTnLst>
+                                    <p:set>
+                                      <p:cBhvr>
+                                        <p:cTn dur="1" fill="hold">
+                                          <p:stCondLst>
+                                            <p:cond delay="0"/>
+                                          </p:stCondLst>
+                                        </p:cTn>
+                                        <p:tgtEl>
+                                          <p:spTgt spid="61">
+                                            <p:txEl>
+                                              <p:pRg end="5" st="5"/>
+                                            </p:txEl>
+                                          </p:spTgt>
+                                        </p:tgtEl>
+                                        <p:attrNameLst>
+                                          <p:attrName>style.visibility</p:attrName>
+                                        </p:attrNameLst>
+                                      </p:cBhvr>
+                                      <p:to>
+                                        <p:strVal val="visible"/>
+                                      </p:to>
+                                    </p:set>
+                                    <p:animEffect filter="fade" transition="in">
+                                      <p:cBhvr>
+                                        <p:cTn dur="1000"/>
+                                        <p:tgtEl>
+                                          <p:spTgt spid="61">
+                                            <p:txEl>
+                                              <p:pRg end="5" st="5"/>
+                                            </p:txEl>
+                                          </p:spTgt>
+                                        </p:tgtEl>
+                                      </p:cBhvr>
+                                    </p:animEffect>
+                                  </p:childTnLst>
+                                </p:cTn>
+                              </p:par>
+                            </p:childTnLst>
+                          </p:cTn>
+                        </p:par>
+                      </p:childTnLst>
+                    </p:cTn>
+                  </p:par>
+                  <p:par>
+                    <p:cTn fill="hold">
+                      <p:stCondLst>
+                        <p:cond delay="indefinite"/>
+                      </p:stCondLst>
+                      <p:childTnLst>
+                        <p:par>
+                          <p:cTn fill="hold">
+                            <p:stCondLst>
+                              <p:cond delay="0"/>
+                            </p:stCondLst>
+                            <p:childTnLst>
+                              <p:par>
+                                <p:cTn fill="hold" nodeType="clickEffect" presetClass="entr" presetID="10" presetSubtype="0">
+                                  <p:stCondLst>
+                                    <p:cond delay="0"/>
+                                  </p:stCondLst>
+                                  <p:childTnLst>
+                                    <p:set>
+                                      <p:cBhvr>
+                                        <p:cTn dur="1" fill="hold">
+                                          <p:stCondLst>
+                                            <p:cond delay="0"/>
+                                          </p:stCondLst>
+                                        </p:cTn>
+                                        <p:tgtEl>
+                                          <p:spTgt spid="61">
+                                            <p:txEl>
+                                              <p:pRg end="6" st="6"/>
+                                            </p:txEl>
+                                          </p:spTgt>
+                                        </p:tgtEl>
+                                        <p:attrNameLst>
+                                          <p:attrName>style.visibility</p:attrName>
+                                        </p:attrNameLst>
+                                      </p:cBhvr>
+                                      <p:to>
+                                        <p:strVal val="visible"/>
+                                      </p:to>
+                                    </p:set>
+                                    <p:animEffect filter="fade" transition="in">
+                                      <p:cBhvr>
+                                        <p:cTn dur="1000"/>
+                                        <p:tgtEl>
+                                          <p:spTgt spid="61">
+                                            <p:txEl>
+                                              <p:pRg end="6" st="6"/>
+                                            </p:txEl>
+                                          </p:spTgt>
+                                        </p:tgtEl>
+                                      </p:cBhvr>
+                                    </p:animEffect>
+                                  </p:childTnLst>
+                                </p:cTn>
+                              </p:par>
+                            </p:childTnLst>
+                          </p:cTn>
+                        </p:par>
+                      </p:childTnLst>
+                    </p:cTn>
+                  </p:par>
+                  <p:par>
+                    <p:cTn fill="hold">
+                      <p:stCondLst>
+                        <p:cond delay="indefinite"/>
+                      </p:stCondLst>
+                      <p:childTnLst>
+                        <p:par>
+                          <p:cTn fill="hold">
+                            <p:stCondLst>
+                              <p:cond delay="0"/>
+                            </p:stCondLst>
+                            <p:childTnLst>
+                              <p:par>
+                                <p:cTn fill="hold" nodeType="clickEffect" presetClass="entr" presetID="10" presetSubtype="0">
+                                  <p:stCondLst>
+                                    <p:cond delay="0"/>
+                                  </p:stCondLst>
+                                  <p:childTnLst>
+                                    <p:set>
+                                      <p:cBhvr>
+                                        <p:cTn dur="1" fill="hold">
+                                          <p:stCondLst>
+                                            <p:cond delay="0"/>
+                                          </p:stCondLst>
+                                        </p:cTn>
+                                        <p:tgtEl>
+                                          <p:spTgt spid="61">
+                                            <p:txEl>
+                                              <p:pRg end="7" st="7"/>
+                                            </p:txEl>
+                                          </p:spTgt>
+                                        </p:tgtEl>
+                                        <p:attrNameLst>
+                                          <p:attrName>style.visibility</p:attrName>
+                                        </p:attrNameLst>
+                                      </p:cBhvr>
+                                      <p:to>
+                                        <p:strVal val="visible"/>
+                                      </p:to>
+                                    </p:set>
+                                    <p:animEffect filter="fade" transition="in">
+                                      <p:cBhvr>
+                                        <p:cTn dur="1000"/>
+                                        <p:tgtEl>
+                                          <p:spTgt spid="61">
+                                            <p:txEl>
+                                              <p:pRg end="7" st="7"/>
+                                            </p:txEl>
+                                          </p:spTgt>
+                                        </p:tgtEl>
+                                      </p:cBhvr>
+                                    </p:animEffect>
+                                  </p:childTnLst>
+                                </p:cTn>
+                              </p:par>
+                            </p:childTnLst>
+                          </p:cTn>
+                        </p:par>
+                      </p:childTnLst>
+                    </p:cTn>
+                  </p:par>
+                  <p:par>
+                    <p:cTn fill="hold">
+                      <p:stCondLst>
+                        <p:cond delay="indefinite"/>
+                      </p:stCondLst>
+                      <p:childTnLst>
+                        <p:par>
+                          <p:cTn fill="hold">
+                            <p:stCondLst>
+                              <p:cond delay="0"/>
+                            </p:stCondLst>
+                            <p:childTnLst>
+                              <p:par>
+                                <p:cTn fill="hold" nodeType="clickEffect" presetClass="entr" presetID="10" presetSubtype="0">
+                                  <p:stCondLst>
+                                    <p:cond delay="0"/>
+                                  </p:stCondLst>
+                                  <p:childTnLst>
+                                    <p:set>
+                                      <p:cBhvr>
+                                        <p:cTn dur="1" fill="hold">
+                                          <p:stCondLst>
+                                            <p:cond delay="0"/>
+                                          </p:stCondLst>
+                                        </p:cTn>
+                                        <p:tgtEl>
+                                          <p:spTgt spid="61">
+                                            <p:txEl>
+                                              <p:pRg end="8" st="8"/>
+                                            </p:txEl>
+                                          </p:spTgt>
+                                        </p:tgtEl>
+                                        <p:attrNameLst>
+                                          <p:attrName>style.visibility</p:attrName>
+                                        </p:attrNameLst>
+                                      </p:cBhvr>
+                                      <p:to>
+                                        <p:strVal val="visible"/>
+                                      </p:to>
+                                    </p:set>
+                                    <p:animEffect filter="fade" transition="in">
+                                      <p:cBhvr>
+                                        <p:cTn dur="1000"/>
+                                        <p:tgtEl>
+                                          <p:spTgt spid="61">
+                                            <p:txEl>
+                                              <p:pRg end="8" st="8"/>
+                                            </p:txEl>
+                                          </p:spTgt>
+                                        </p:tgtEl>
+                                      </p:cBhvr>
+                                    </p:animEffect>
+                                  </p:childTnLst>
+                                </p:cTn>
+                              </p:par>
+                            </p:childTnLst>
+                          </p:cTn>
+                        </p:par>
+                      </p:childTnLst>
+                    </p:cTn>
+                  </p:par>
+                  <p:par>
+                    <p:cTn fill="hold">
+                      <p:stCondLst>
+                        <p:cond delay="indefinite"/>
+                      </p:stCondLst>
+                      <p:childTnLst>
+                        <p:par>
+                          <p:cTn fill="hold">
+                            <p:stCondLst>
+                              <p:cond delay="0"/>
+                            </p:stCondLst>
+                            <p:childTnLst>
+                              <p:par>
+                                <p:cTn fill="hold" nodeType="clickEffect" presetClass="entr" presetID="10" presetSubtype="0">
+                                  <p:stCondLst>
+                                    <p:cond delay="0"/>
+                                  </p:stCondLst>
+                                  <p:childTnLst>
+                                    <p:set>
+                                      <p:cBhvr>
+                                        <p:cTn dur="1" fill="hold">
+                                          <p:stCondLst>
+                                            <p:cond delay="0"/>
+                                          </p:stCondLst>
+                                        </p:cTn>
+                                        <p:tgtEl>
+                                          <p:spTgt spid="61">
+                                            <p:txEl>
+                                              <p:pRg end="9" st="9"/>
+                                            </p:txEl>
+                                          </p:spTgt>
+                                        </p:tgtEl>
+                                        <p:attrNameLst>
+                                          <p:attrName>style.visibility</p:attrName>
+                                        </p:attrNameLst>
+                                      </p:cBhvr>
+                                      <p:to>
+                                        <p:strVal val="visible"/>
+                                      </p:to>
+                                    </p:set>
+                                    <p:animEffect filter="fade" transition="in">
+                                      <p:cBhvr>
+                                        <p:cTn dur="1000"/>
+                                        <p:tgtEl>
+                                          <p:spTgt spid="61">
+                                            <p:txEl>
+                                              <p:pRg end="9" st="9"/>
+                                            </p:txEl>
+                                          </p:spTgt>
+                                        </p:tgtEl>
+                                      </p:cBhvr>
+                                    </p:animEffect>
+                                  </p:childTnLst>
+                                </p:cTn>
+                              </p:par>
+                            </p:childTnLst>
+                          </p:cTn>
+                        </p:par>
+                      </p:childTnLst>
+                    </p:cTn>
+                  </p:par>
+                  <p:par>
+                    <p:cTn fill="hold">
+                      <p:stCondLst>
+                        <p:cond delay="indefinite"/>
+                      </p:stCondLst>
+                      <p:childTnLst>
+                        <p:par>
+                          <p:cTn fill="hold">
+                            <p:stCondLst>
+                              <p:cond delay="0"/>
+                            </p:stCondLst>
+                            <p:childTnLst>
+                              <p:par>
+                                <p:cTn fill="hold" nodeType="clickEffect" presetClass="entr" presetID="10" presetSubtype="0">
+                                  <p:stCondLst>
+                                    <p:cond delay="0"/>
+                                  </p:stCondLst>
+                                  <p:childTnLst>
+                                    <p:set>
+                                      <p:cBhvr>
+                                        <p:cTn dur="1" fill="hold">
+                                          <p:stCondLst>
+                                            <p:cond delay="0"/>
+                                          </p:stCondLst>
+                                        </p:cTn>
+                                        <p:tgtEl>
+                                          <p:spTgt spid="61">
+                                            <p:txEl>
+                                              <p:pRg end="10" st="10"/>
+                                            </p:txEl>
+                                          </p:spTgt>
+                                        </p:tgtEl>
+                                        <p:attrNameLst>
+                                          <p:attrName>style.visibility</p:attrName>
+                                        </p:attrNameLst>
+                                      </p:cBhvr>
+                                      <p:to>
+                                        <p:strVal val="visible"/>
+                                      </p:to>
+                                    </p:set>
+                                    <p:animEffect filter="fade" transition="in">
+                                      <p:cBhvr>
+                                        <p:cTn dur="1000"/>
+                                        <p:tgtEl>
+                                          <p:spTgt spid="61">
+                                            <p:txEl>
+                                              <p:pRg end="10" st="10"/>
+                                            </p:txEl>
+                                          </p:spTgt>
+                                        </p:tgtEl>
+                                      </p:cBhvr>
+                                    </p:animEffect>
+                                  </p:childTnLst>
+                                </p:cTn>
+                              </p:par>
+                            </p:childTnLst>
+                          </p:cTn>
+                        </p:par>
+                      </p:childTnLst>
+                    </p:cTn>
+                  </p:par>
+                  <p:par>
+                    <p:cTn fill="hold">
+                      <p:stCondLst>
+                        <p:cond delay="indefinite"/>
+                      </p:stCondLst>
+                      <p:childTnLst>
+                        <p:par>
+                          <p:cTn fill="hold">
+                            <p:stCondLst>
+                              <p:cond delay="0"/>
+                            </p:stCondLst>
+                            <p:childTnLst>
+                              <p:par>
+                                <p:cTn fill="hold" nodeType="clickEffect" presetClass="entr" presetID="10" presetSubtype="0">
+                                  <p:stCondLst>
+                                    <p:cond delay="0"/>
+                                  </p:stCondLst>
+                                  <p:childTnLst>
+                                    <p:set>
+                                      <p:cBhvr>
+                                        <p:cTn dur="1" fill="hold">
+                                          <p:stCondLst>
+                                            <p:cond delay="0"/>
+                                          </p:stCondLst>
+                                        </p:cTn>
+                                        <p:tgtEl>
+                                          <p:spTgt spid="61">
+                                            <p:txEl>
+                                              <p:pRg end="11" st="11"/>
+                                            </p:txEl>
+                                          </p:spTgt>
+                                        </p:tgtEl>
+                                        <p:attrNameLst>
+                                          <p:attrName>style.visibility</p:attrName>
+                                        </p:attrNameLst>
+                                      </p:cBhvr>
+                                      <p:to>
+                                        <p:strVal val="visible"/>
+                                      </p:to>
+                                    </p:set>
+                                    <p:animEffect filter="fade" transition="in">
+                                      <p:cBhvr>
+                                        <p:cTn dur="1000"/>
+                                        <p:tgtEl>
+                                          <p:spTgt spid="61">
+                                            <p:txEl>
+                                              <p:pRg end="11" st="11"/>
+                                            </p:txEl>
+                                          </p:spTgt>
+                                        </p:tgtEl>
+                                      </p:cBhvr>
+                                    </p:animEffect>
+                                  </p:childTnLst>
+                                </p:cTn>
+                              </p:par>
+                              <p:par>
+                                <p:cTn fill="hold" nodeType="withEffect" presetClass="entr" presetID="10" presetSubtype="0">
+                                  <p:stCondLst>
+                                    <p:cond delay="0"/>
+                                  </p:stCondLst>
+                                  <p:childTnLst>
+                                    <p:set>
+                                      <p:cBhvr>
+                                        <p:cTn dur="1" fill="hold">
+                                          <p:stCondLst>
+                                            <p:cond delay="0"/>
+                                          </p:stCondLst>
+                                        </p:cTn>
+                                        <p:tgtEl>
+                                          <p:spTgt spid="62"/>
+                                        </p:tgtEl>
+                                        <p:attrNameLst>
+                                          <p:attrName>style.visibility</p:attrName>
+                                        </p:attrNameLst>
+                                      </p:cBhvr>
+                                      <p:to>
+                                        <p:strVal val="visible"/>
+                                      </p:to>
+                                    </p:set>
+                                    <p:animEffect filter="fade" transition="in">
+                                      <p:cBhvr>
+                                        <p:cTn dur="1000"/>
+                                        <p:tgtEl>
+                                          <p:spTgt spid="62"/>
+                                        </p:tgtEl>
+                                      </p:cBhvr>
+                                    </p:animEffect>
+                                  </p:childTnLst>
+                                </p:cTn>
+                              </p:par>
+                            </p:childTnLst>
+                          </p:cTn>
+                        </p:par>
+                      </p:childTnLst>
+                    </p:cTn>
+                  </p:par>
+                </p:childTnLst>
+              </p:cTn>
+              <p:prevCondLst>
+                <p:cond evt="onPrev">
+                  <p:tgtEl>
+                    <p:sldTgt/>
+                  </p:tgtEl>
+                </p:cond>
+              </p:prevCondLst>
+              <p:nextCondLst>
+                <p:cond evt="onNext">
+                  <p:tgtEl>
+                    <p:sldTgt/>
+                  </p:tgtEl>
+                </p:cond>
+              </p:nextCondLst>
+            </p:seq>
+          </p:childTnLst>
+        </p:cTn>
+      </p:par>
+    </p:tnLst>
+  </p:timing>
+</p:sld>
+</file>
+
+<file path=ppt/slides/slide3.xml><?xml version="1.0" encoding="utf-8"?>
+<p:sld xmlns:a="http://schemas.openxmlformats.org/drawingml/2006/main" xmlns:r="http://schemas.openxmlformats.org/officeDocument/2006/relationships" xmlns:mc="http://schemas.openxmlformats.org/markup-compatibility/2006" xmlns:mv="urn:schemas-microsoft-com:mac:vml" xmlns:p="http://schemas.openxmlformats.org/presentationml/2006/main" xmlns:c="http://schemas.openxmlformats.org/drawingml/2006/chart" xmlns:dgm="http://schemas.openxmlformats.org/drawingml/2006/diagram" xmlns:o="urn:schemas-microsoft-com:office:office" xmlns:v="urn:schemas-microsoft-com:vml" xmlns:pvml="urn:schemas-microsoft-com:office:powerpoint" xmlns:com="http://schemas.openxmlformats.org/drawingml/2006/compatibility" xmlns:p14="http://schemas.microsoft.com/office/powerpoint/2010/main" xmlns:p15="http://schemas.microsoft.com/office/powerpoint/2012/main">
+  <p:cSld>
+    <p:spTree>
+      <p:nvGrpSpPr>
+        <p:cNvPr id="66" name="Shape 66"/>
+        <p:cNvGrpSpPr/>
+        <p:nvPr/>
+      </p:nvGrpSpPr>
+      <p:grpSpPr>
+        <a:xfrm>
+          <a:off x="0" y="0"/>
+          <a:ext cx="0" cy="0"/>
+          <a:chOff x="0" y="0"/>
+          <a:chExt cx="0" cy="0"/>
+        </a:xfrm>
+      </p:grpSpPr>
+      <p:sp>
+        <p:nvSpPr>
+          <p:cNvPr id="67" name="Google Shape;67;p15"/>
+          <p:cNvSpPr txBox="1"/>
+          <p:nvPr>
+            <p:ph type="title"/>
+          </p:nvPr>
+        </p:nvSpPr>
+        <p:spPr>
+          <a:xfrm>
+            <a:off x="311700" y="445025"/>
+            <a:ext cx="8520600" cy="572700"/>
+          </a:xfrm>
+          <a:prstGeom prst="rect">
+            <a:avLst/>
+          </a:prstGeom>
+        </p:spPr>
+        <p:txBody>
+          <a:bodyPr anchorCtr="0" anchor="t" bIns="91425" lIns="91425" spcFirstLastPara="1" rIns="91425" wrap="square" tIns="91425">
+            <a:noAutofit/>
+          </a:bodyPr>
+          <a:lstStyle/>
+          <a:p>
+            <a:pPr indent="0" lvl="0" marL="0" rtl="0" algn="l">
+              <a:spcBef>
+                <a:spcPts val="0"/>
+              </a:spcBef>
+              <a:spcAft>
+                <a:spcPts val="0"/>
+              </a:spcAft>
+              <a:buNone/>
+            </a:pPr>
+            <a:r>
+              <a:rPr lang="en"/>
+              <a:t>Problem Statement</a:t>
+            </a:r>
+            <a:endParaRPr/>
+          </a:p>
+        </p:txBody>
+      </p:sp>
+      <p:sp>
+        <p:nvSpPr>
+          <p:cNvPr id="68" name="Google Shape;68;p15"/>
+          <p:cNvSpPr txBox="1"/>
+          <p:nvPr>
+            <p:ph idx="1" type="body"/>
+          </p:nvPr>
+        </p:nvSpPr>
+        <p:spPr>
+          <a:xfrm>
+            <a:off x="311700" y="1152475"/>
+            <a:ext cx="8520600" cy="2390400"/>
+          </a:xfrm>
+          <a:prstGeom prst="rect">
+            <a:avLst/>
+          </a:prstGeom>
+        </p:spPr>
+        <p:txBody>
+          <a:bodyPr anchorCtr="0" anchor="t" bIns="91425" lIns="91425" spcFirstLastPara="1" rIns="91425" wrap="square" tIns="91425">
+            <a:noAutofit/>
+          </a:bodyPr>
+          <a:lstStyle/>
+          <a:p>
+            <a:pPr indent="-342900" lvl="0" marL="457200" rtl="0" algn="l">
+              <a:spcBef>
+                <a:spcPts val="0"/>
+              </a:spcBef>
+              <a:spcAft>
+                <a:spcPts val="0"/>
+              </a:spcAft>
+              <a:buSzPts val="1800"/>
+              <a:buChar char="●"/>
+            </a:pPr>
+            <a:r>
+              <a:rPr lang="en"/>
+              <a:t>A large problem in genetic testing is that some mutations are consistently classified, while other mutations receive conflicting classifications when tested at different laboratories.</a:t>
+            </a:r>
+            <a:endParaRPr/>
+          </a:p>
+          <a:p>
+            <a:pPr indent="-342900" lvl="0" marL="457200" rtl="0" algn="l">
+              <a:spcBef>
+                <a:spcPts val="0"/>
+              </a:spcBef>
+              <a:spcAft>
+                <a:spcPts val="0"/>
+              </a:spcAft>
+              <a:buSzPts val="1800"/>
+              <a:buChar char="●"/>
+            </a:pPr>
+            <a:r>
+              <a:rPr lang="en"/>
+              <a:t>What makes a genetic variant more prone to be conflictingly classified versus consistently classified?  Given the features of a variant, can we predict if it will be conflictingly classified?</a:t>
+            </a:r>
+            <a:endParaRPr/>
+          </a:p>
+          <a:p>
+            <a:pPr indent="0" lvl="0" marL="0" rtl="0" algn="l">
+              <a:spcBef>
+                <a:spcPts val="1600"/>
+              </a:spcBef>
+              <a:spcAft>
+                <a:spcPts val="1600"/>
+              </a:spcAft>
+              <a:buNone/>
+            </a:pPr>
+            <a:r>
+              <a:t/>
+            </a:r>
+            <a:endParaRPr>
+              <a:solidFill>
+                <a:srgbClr val="000000"/>
+              </a:solidFill>
+            </a:endParaRPr>
+          </a:p>
+        </p:txBody>
+      </p:sp>
+      <p:pic>
+        <p:nvPicPr>
+          <p:cNvPr id="69" name="Google Shape;69;p15"/>
+          <p:cNvPicPr preferRelativeResize="0"/>
+          <p:nvPr/>
+        </p:nvPicPr>
+        <p:blipFill>
+          <a:blip r:embed="rId3">
+            <a:alphaModFix/>
+          </a:blip>
+          <a:stretch>
+            <a:fillRect/>
+          </a:stretch>
+        </p:blipFill>
+        <p:spPr>
+          <a:xfrm>
+            <a:off x="3536163" y="3135575"/>
+            <a:ext cx="2071675" cy="1828900"/>
+          </a:xfrm>
+          <a:prstGeom prst="rect">
+            <a:avLst/>
+          </a:prstGeom>
+          <a:noFill/>
+          <a:ln>
+            <a:noFill/>
+          </a:ln>
+        </p:spPr>
+      </p:pic>
+    </p:spTree>
+  </p:cSld>
+  <p:clrMapOvr>
+    <a:masterClrMapping/>
+  </p:clrMapOvr>
+  <p:timing>
+    <p:tnLst>
+      <p:par>
+        <p:cTn dur="indefinite" nodeType="tmRoot" restart="never">
+          <p:childTnLst>
+            <p:seq concurrent="1" nextAc="seek">
+              <p:cTn dur="indefinite" id="2" nodeType="mainSeq">
+                <p:childTnLst>
+                  <p:par>
+                    <p:cTn fill="hold">
+                      <p:stCondLst>
+                        <p:cond delay="indefinite"/>
+                        <p:cond evt="onBegin" delay="0">
+                          <p:tn val="2"/>
+                        </p:cond>
+                      </p:stCondLst>
+                      <p:childTnLst>
+                        <p:par>
+                          <p:cTn fill="hold">
+                            <p:stCondLst>
+                              <p:cond delay="0"/>
+                            </p:stCondLst>
+                            <p:childTnLst>
+                              <p:par>
+                                <p:cTn fill="hold" nodeType="afterEffect" presetClass="entr" presetID="10" presetSubtype="0">
+                                  <p:stCondLst>
+                                    <p:cond delay="0"/>
+                                  </p:stCondLst>
+                                  <p:childTnLst>
+                                    <p:set>
+                                      <p:cBhvr>
+                                        <p:cTn dur="1" fill="hold">
+                                          <p:stCondLst>
+                                            <p:cond delay="0"/>
+                                          </p:stCondLst>
+                                        </p:cTn>
+                                        <p:tgtEl>
+                                          <p:spTgt spid="69"/>
+                                        </p:tgtEl>
+                                        <p:attrNameLst>
+                                          <p:attrName>style.visibility</p:attrName>
+                                        </p:attrNameLst>
+                                      </p:cBhvr>
+                                      <p:to>
+                                        <p:strVal val="visible"/>
+                                      </p:to>
+                                    </p:set>
+                                    <p:animEffect filter="fade" transition="in">
+                                      <p:cBhvr>
+                                        <p:cTn dur="1000"/>
+                                        <p:tgtEl>
+                                          <p:spTgt spid="69"/>
+                                        </p:tgtEl>
+                                      </p:cBhvr>
+                                    </p:animEffect>
+                                  </p:childTnLst>
+                                </p:cTn>
+                              </p:par>
+                            </p:childTnLst>
+                          </p:cTn>
+                        </p:par>
+                      </p:childTnLst>
+                    </p:cTn>
+                  </p:par>
+                  <p:par>
+                    <p:cTn fill="hold">
+                      <p:stCondLst>
+                        <p:cond delay="indefinite"/>
+                      </p:stCondLst>
+                      <p:childTnLst>
+                        <p:par>
+                          <p:cTn fill="hold">
+                            <p:stCondLst>
+                              <p:cond delay="0"/>
+                            </p:stCondLst>
+                            <p:childTnLst>
+                              <p:par>
+                                <p:cTn fill="hold" nodeType="clickEffect" presetClass="entr" presetID="10" presetSubtype="0">
+                                  <p:stCondLst>
+                                    <p:cond delay="0"/>
+                                  </p:stCondLst>
+                                  <p:childTnLst>
+                                    <p:set>
+                                      <p:cBhvr>
+                                        <p:cTn dur="1" fill="hold">
+                                          <p:stCondLst>
+                                            <p:cond delay="0"/>
+                                          </p:stCondLst>
+                                        </p:cTn>
+                                        <p:tgtEl>
+                                          <p:spTgt spid="68">
+                                            <p:txEl>
+                                              <p:pRg end="0" st="0"/>
+                                            </p:txEl>
+                                          </p:spTgt>
+                                        </p:tgtEl>
+                                        <p:attrNameLst>
+                                          <p:attrName>style.visibility</p:attrName>
+                                        </p:attrNameLst>
+                                      </p:cBhvr>
+                                      <p:to>
+                                        <p:strVal val="visible"/>
+                                      </p:to>
+                                    </p:set>
+                                    <p:animEffect filter="fade" transition="in">
+                                      <p:cBhvr>
+                                        <p:cTn dur="1000"/>
+                                        <p:tgtEl>
+                                          <p:spTgt spid="68">
+                                            <p:txEl>
+                                              <p:pRg end="0" st="0"/>
+                                            </p:txEl>
+                                          </p:spTgt>
+                                        </p:tgtEl>
+                                      </p:cBhvr>
+                                    </p:animEffect>
+                                  </p:childTnLst>
+                                </p:cTn>
+                              </p:par>
+                            </p:childTnLst>
+                          </p:cTn>
+                        </p:par>
+                      </p:childTnLst>
+                    </p:cTn>
+                  </p:par>
+                  <p:par>
+                    <p:cTn fill="hold">
+                      <p:stCondLst>
+                        <p:cond delay="indefinite"/>
+                      </p:stCondLst>
+                      <p:childTnLst>
+                        <p:par>
+                          <p:cTn fill="hold">
+                            <p:stCondLst>
+                              <p:cond delay="0"/>
+                            </p:stCondLst>
+                            <p:childTnLst>
+                              <p:par>
+                                <p:cTn fill="hold" nodeType="clickEffect" presetClass="entr" presetID="10" presetSubtype="0">
+                                  <p:stCondLst>
+                                    <p:cond delay="0"/>
+                                  </p:stCondLst>
+                                  <p:childTnLst>
+                                    <p:set>
+                                      <p:cBhvr>
+                                        <p:cTn dur="1" fill="hold">
+                                          <p:stCondLst>
+                                            <p:cond delay="0"/>
+                                          </p:stCondLst>
+                                        </p:cTn>
+                                        <p:tgtEl>
+                                          <p:spTgt spid="68">
+                                            <p:txEl>
+                                              <p:pRg end="1" st="1"/>
+                                            </p:txEl>
+                                          </p:spTgt>
+                                        </p:tgtEl>
+                                        <p:attrNameLst>
+                                          <p:attrName>style.visibility</p:attrName>
+                                        </p:attrNameLst>
+                                      </p:cBhvr>
+                                      <p:to>
+                                        <p:strVal val="visible"/>
+                                      </p:to>
+                                    </p:set>
+                                    <p:animEffect filter="fade" transition="in">
+                                      <p:cBhvr>
+                                        <p:cTn dur="1000"/>
+                                        <p:tgtEl>
+                                          <p:spTgt spid="68">
+                                            <p:txEl>
+                                              <p:pRg end="1" st="1"/>
+                                            </p:txEl>
+                                          </p:spTgt>
+                                        </p:tgtEl>
+                                      </p:cBhvr>
+                                    </p:animEffect>
+                                  </p:childTnLst>
+                                </p:cTn>
+                              </p:par>
+                            </p:childTnLst>
+                          </p:cTn>
+                        </p:par>
+                      </p:childTnLst>
+                    </p:cTn>
+                  </p:par>
+                  <p:par>
+                    <p:cTn fill="hold">
+                      <p:stCondLst>
+                        <p:cond delay="indefinite"/>
+                      </p:stCondLst>
+                      <p:childTnLst>
+                        <p:par>
+                          <p:cTn fill="hold">
+                            <p:stCondLst>
+                              <p:cond delay="0"/>
+                            </p:stCondLst>
+                            <p:childTnLst>
+                              <p:par>
+                                <p:cTn fill="hold" nodeType="clickEffect" presetClass="entr" presetID="10" presetSubtype="0">
+                                  <p:stCondLst>
+                                    <p:cond delay="0"/>
+                                  </p:stCondLst>
+                                  <p:childTnLst>
+                                    <p:set>
+                                      <p:cBhvr>
+                                        <p:cTn dur="1" fill="hold">
+                                          <p:stCondLst>
+                                            <p:cond delay="0"/>
+                                          </p:stCondLst>
+                                        </p:cTn>
+                                        <p:tgtEl>
+                                          <p:spTgt spid="68">
+                                            <p:txEl>
+                                              <p:pRg end="2" st="2"/>
+                                            </p:txEl>
+                                          </p:spTgt>
+                                        </p:tgtEl>
+                                        <p:attrNameLst>
+                                          <p:attrName>style.visibility</p:attrName>
+                                        </p:attrNameLst>
+                                      </p:cBhvr>
+                                      <p:to>
+                                        <p:strVal val="visible"/>
+                                      </p:to>
+                                    </p:set>
+                                    <p:animEffect filter="fade" transition="in">
+                                      <p:cBhvr>
+                                        <p:cTn dur="1000"/>
+                                        <p:tgtEl>
+                                          <p:spTgt spid="68">
+                                            <p:txEl>
+                                              <p:pRg end="2" st="2"/>
+                                            </p:txEl>
+                                          </p:spTgt>
+                                        </p:tgtEl>
+                                      </p:cBhvr>
+                                    </p:animEffect>
+                                  </p:childTnLst>
+                                </p:cTn>
+                              </p:par>
+                            </p:childTnLst>
+                          </p:cTn>
+                        </p:par>
+                      </p:childTnLst>
+                    </p:cTn>
+                  </p:par>
+                </p:childTnLst>
+              </p:cTn>
+              <p:prevCondLst>
+                <p:cond evt="onPrev">
+                  <p:tgtEl>
+                    <p:sldTgt/>
+                  </p:tgtEl>
+                </p:cond>
+              </p:prevCondLst>
+              <p:nextCondLst>
+                <p:cond evt="onNext">
+                  <p:tgtEl>
+                    <p:sldTgt/>
+                  </p:tgtEl>
+                </p:cond>
+              </p:nextCondLst>
+            </p:seq>
+          </p:childTnLst>
+        </p:cTn>
+      </p:par>
+    </p:tnLst>
+  </p:timing>
+</p:sld>
+</file>
+
+<file path=ppt/slides/slide4.xml><?xml version="1.0" encoding="utf-8"?>
+<p:sld xmlns:a="http://schemas.openxmlformats.org/drawingml/2006/main" xmlns:r="http://schemas.openxmlformats.org/officeDocument/2006/relationships" xmlns:mc="http://schemas.openxmlformats.org/markup-compatibility/2006" xmlns:mv="urn:schemas-microsoft-com:mac:vml" xmlns:p="http://schemas.openxmlformats.org/presentationml/2006/main" xmlns:c="http://schemas.openxmlformats.org/drawingml/2006/chart" xmlns:dgm="http://schemas.openxmlformats.org/drawingml/2006/diagram" xmlns:o="urn:schemas-microsoft-com:office:office" xmlns:v="urn:schemas-microsoft-com:vml" xmlns:pvml="urn:schemas-microsoft-com:office:powerpoint" xmlns:com="http://schemas.openxmlformats.org/drawingml/2006/compatibility" xmlns:p14="http://schemas.microsoft.com/office/powerpoint/2010/main" xmlns:p15="http://schemas.microsoft.com/office/powerpoint/2012/main">
+  <p:cSld>
+    <p:spTree>
+      <p:nvGrpSpPr>
+        <p:cNvPr id="73" name="Shape 73"/>
+        <p:cNvGrpSpPr/>
+        <p:nvPr/>
+      </p:nvGrpSpPr>
+      <p:grpSpPr>
+        <a:xfrm>
+          <a:off x="0" y="0"/>
+          <a:ext cx="0" cy="0"/>
+          <a:chOff x="0" y="0"/>
+          <a:chExt cx="0" cy="0"/>
+        </a:xfrm>
+      </p:grpSpPr>
+      <p:sp>
+        <p:nvSpPr>
+          <p:cNvPr id="74" name="Google Shape;74;p16"/>
+          <p:cNvSpPr txBox="1"/>
+          <p:nvPr>
+            <p:ph type="title"/>
+          </p:nvPr>
+        </p:nvSpPr>
+        <p:spPr>
+          <a:xfrm>
+            <a:off x="311700" y="445025"/>
+            <a:ext cx="8520600" cy="572700"/>
+          </a:xfrm>
+          <a:prstGeom prst="rect">
+            <a:avLst/>
+          </a:prstGeom>
+        </p:spPr>
+        <p:txBody>
+          <a:bodyPr anchorCtr="0" anchor="t" bIns="91425" lIns="91425" spcFirstLastPara="1" rIns="91425" wrap="square" tIns="91425">
+            <a:noAutofit/>
+          </a:bodyPr>
+          <a:lstStyle/>
+          <a:p>
+            <a:pPr indent="0" lvl="0" marL="0" rtl="0" algn="l">
+              <a:spcBef>
+                <a:spcPts val="0"/>
+              </a:spcBef>
+              <a:spcAft>
+                <a:spcPts val="0"/>
+              </a:spcAft>
+              <a:buNone/>
+            </a:pPr>
+            <a:r>
+              <a:rPr lang="en"/>
+              <a:t>Data Sources</a:t>
+            </a:r>
+            <a:endParaRPr/>
+          </a:p>
+        </p:txBody>
+      </p:sp>
+      <p:sp>
+        <p:nvSpPr>
+          <p:cNvPr id="75" name="Google Shape;75;p16"/>
+          <p:cNvSpPr txBox="1"/>
+          <p:nvPr>
+            <p:ph idx="1" type="body"/>
+          </p:nvPr>
+        </p:nvSpPr>
+        <p:spPr>
+          <a:xfrm>
+            <a:off x="311700" y="1130650"/>
+            <a:ext cx="8520600" cy="3416400"/>
+          </a:xfrm>
+          <a:prstGeom prst="rect">
+            <a:avLst/>
+          </a:prstGeom>
+        </p:spPr>
+        <p:txBody>
+          <a:bodyPr anchorCtr="0" anchor="t" bIns="91425" lIns="91425" spcFirstLastPara="1" rIns="91425" wrap="square" tIns="91425">
+            <a:noAutofit/>
+          </a:bodyPr>
+          <a:lstStyle/>
+          <a:p>
+            <a:pPr indent="-342900" lvl="0" marL="457200" rtl="0" algn="l">
+              <a:lnSpc>
+                <a:spcPct val="100000"/>
+              </a:lnSpc>
+              <a:spcBef>
+                <a:spcPts val="0"/>
+              </a:spcBef>
+              <a:spcAft>
+                <a:spcPts val="0"/>
+              </a:spcAft>
+              <a:buClr>
+                <a:srgbClr val="000000"/>
+              </a:buClr>
+              <a:buSzPts val="1800"/>
+              <a:buChar char="●"/>
+            </a:pPr>
+            <a:r>
+              <a:rPr lang="en"/>
+              <a:t>Kaggle competition dataset (</a:t>
+            </a:r>
+            <a:r>
+              <a:rPr lang="en" u="sng">
+                <a:solidFill>
+                  <a:srgbClr val="6FA8DC"/>
+                </a:solidFill>
+                <a:hlinkClick r:id="rId3"/>
+              </a:rPr>
+              <a:t>https://www.kaggle.com/kevinarvai/clinvar-conflicting</a:t>
+            </a:r>
+            <a:r>
+              <a:rPr lang="en"/>
+              <a:t>)</a:t>
+            </a:r>
+            <a:endParaRPr/>
+          </a:p>
+          <a:p>
+            <a:pPr indent="-317500" lvl="1" marL="914400" rtl="0" algn="l">
+              <a:lnSpc>
+                <a:spcPct val="100000"/>
+              </a:lnSpc>
+              <a:spcBef>
+                <a:spcPts val="0"/>
+              </a:spcBef>
+              <a:spcAft>
+                <a:spcPts val="0"/>
+              </a:spcAft>
+              <a:buClr>
+                <a:srgbClr val="000000"/>
+              </a:buClr>
+              <a:buSzPts val="1400"/>
+              <a:buChar char="○"/>
+            </a:pPr>
+            <a:r>
+              <a:rPr lang="en"/>
+              <a:t>Originally from ClinVar database</a:t>
+            </a:r>
+            <a:r>
+              <a:rPr lang="en">
+                <a:solidFill>
+                  <a:srgbClr val="000000"/>
+                </a:solidFill>
+              </a:rPr>
+              <a:t> (</a:t>
+            </a:r>
+            <a:r>
+              <a:rPr lang="en" u="sng">
+                <a:solidFill>
+                  <a:srgbClr val="6FA8DC"/>
+                </a:solidFill>
+                <a:hlinkClick r:id="rId4"/>
+              </a:rPr>
+              <a:t>https://www.ncbi.nlm.nih.gov/clinvar/</a:t>
+            </a:r>
+            <a:r>
+              <a:rPr lang="en">
+                <a:solidFill>
+                  <a:srgbClr val="000000"/>
+                </a:solidFill>
+              </a:rPr>
+              <a:t>)</a:t>
+            </a:r>
+            <a:endParaRPr>
+              <a:solidFill>
+                <a:srgbClr val="000000"/>
+              </a:solidFill>
+            </a:endParaRPr>
+          </a:p>
+          <a:p>
+            <a:pPr indent="-342900" lvl="0" marL="457200" rtl="0" algn="l">
+              <a:lnSpc>
+                <a:spcPct val="100000"/>
+              </a:lnSpc>
+              <a:spcBef>
+                <a:spcPts val="0"/>
+              </a:spcBef>
+              <a:spcAft>
+                <a:spcPts val="0"/>
+              </a:spcAft>
+              <a:buSzPts val="1800"/>
+              <a:buChar char="●"/>
+            </a:pPr>
+            <a:r>
+              <a:rPr lang="en"/>
+              <a:t>Uniprot dataset</a:t>
+            </a:r>
+            <a:endParaRPr/>
+          </a:p>
+          <a:p>
+            <a:pPr indent="-317500" lvl="1" marL="914400" rtl="0" algn="l">
+              <a:lnSpc>
+                <a:spcPct val="100000"/>
+              </a:lnSpc>
+              <a:spcBef>
+                <a:spcPts val="0"/>
+              </a:spcBef>
+              <a:spcAft>
+                <a:spcPts val="0"/>
+              </a:spcAft>
+              <a:buClr>
+                <a:srgbClr val="000000"/>
+              </a:buClr>
+              <a:buSzPts val="1400"/>
+              <a:buChar char="○"/>
+            </a:pPr>
+            <a:r>
+              <a:rPr lang="en"/>
+              <a:t>Pulled from</a:t>
+            </a:r>
+            <a:r>
+              <a:rPr lang="en">
+                <a:solidFill>
+                  <a:srgbClr val="000000"/>
+                </a:solidFill>
+              </a:rPr>
+              <a:t> </a:t>
+            </a:r>
+            <a:r>
+              <a:rPr lang="en" u="sng">
+                <a:solidFill>
+                  <a:srgbClr val="6FA8DC"/>
+                </a:solidFill>
+                <a:hlinkClick r:id="rId5"/>
+              </a:rPr>
+              <a:t>https://www.uniprot.org/</a:t>
+            </a:r>
+            <a:r>
+              <a:rPr lang="en">
+                <a:solidFill>
+                  <a:srgbClr val="000000"/>
+                </a:solidFill>
+              </a:rPr>
+              <a:t> </a:t>
+            </a:r>
+            <a:r>
+              <a:rPr lang="en"/>
+              <a:t>using a custom search </a:t>
+            </a:r>
+            <a:endParaRPr/>
+          </a:p>
+          <a:p>
+            <a:pPr indent="0" lvl="0" marL="457200" rtl="0" algn="l">
+              <a:spcBef>
+                <a:spcPts val="0"/>
+              </a:spcBef>
+              <a:spcAft>
+                <a:spcPts val="1600"/>
+              </a:spcAft>
+              <a:buNone/>
+            </a:pPr>
+            <a:r>
+              <a:t/>
+            </a:r>
+            <a:endParaRPr>
+              <a:solidFill>
+                <a:srgbClr val="000000"/>
+              </a:solidFill>
+            </a:endParaRPr>
+          </a:p>
+        </p:txBody>
+      </p:sp>
+    </p:spTree>
+  </p:cSld>
+  <p:clrMapOvr>
+    <a:masterClrMapping/>
+  </p:clrMapOvr>
+</p:sld>
+</file>
+
+<file path=ppt/slides/slide5.xml><?xml version="1.0" encoding="utf-8"?>
+<p:sld xmlns:a="http://schemas.openxmlformats.org/drawingml/2006/main" xmlns:r="http://schemas.openxmlformats.org/officeDocument/2006/relationships" xmlns:mc="http://schemas.openxmlformats.org/markup-compatibility/2006" xmlns:mv="urn:schemas-microsoft-com:mac:vml" xmlns:p="http://schemas.openxmlformats.org/presentationml/2006/main" xmlns:c="http://schemas.openxmlformats.org/drawingml/2006/chart" xmlns:dgm="http://schemas.openxmlformats.org/drawingml/2006/diagram" xmlns:o="urn:schemas-microsoft-com:office:office" xmlns:v="urn:schemas-microsoft-com:vml" xmlns:pvml="urn:schemas-microsoft-com:office:powerpoint" xmlns:com="http://schemas.openxmlformats.org/drawingml/2006/compatibility" xmlns:p14="http://schemas.microsoft.com/office/powerpoint/2010/main" xmlns:p15="http://schemas.microsoft.com/office/powerpoint/2012/main">
+  <p:cSld>
+    <p:spTree>
+      <p:nvGrpSpPr>
+        <p:cNvPr id="79" name="Shape 79"/>
+        <p:cNvGrpSpPr/>
+        <p:nvPr/>
+      </p:nvGrpSpPr>
+      <p:grpSpPr>
+        <a:xfrm>
+          <a:off x="0" y="0"/>
+          <a:ext cx="0" cy="0"/>
+          <a:chOff x="0" y="0"/>
+          <a:chExt cx="0" cy="0"/>
+        </a:xfrm>
+      </p:grpSpPr>
+      <p:sp>
+        <p:nvSpPr>
+          <p:cNvPr id="80" name="Google Shape;80;p17"/>
+          <p:cNvSpPr txBox="1"/>
+          <p:nvPr>
+            <p:ph type="title"/>
+          </p:nvPr>
+        </p:nvSpPr>
+        <p:spPr>
+          <a:xfrm>
+            <a:off x="311700" y="445025"/>
+            <a:ext cx="8520600" cy="572700"/>
+          </a:xfrm>
+          <a:prstGeom prst="rect">
+            <a:avLst/>
+          </a:prstGeom>
+        </p:spPr>
+        <p:txBody>
+          <a:bodyPr anchorCtr="0" anchor="t" bIns="91425" lIns="91425" spcFirstLastPara="1" rIns="91425" wrap="square" tIns="91425">
+            <a:noAutofit/>
+          </a:bodyPr>
+          <a:lstStyle/>
+          <a:p>
+            <a:pPr indent="0" lvl="0" marL="0" rtl="0" algn="l">
+              <a:spcBef>
+                <a:spcPts val="0"/>
+              </a:spcBef>
+              <a:spcAft>
+                <a:spcPts val="0"/>
+              </a:spcAft>
+              <a:buNone/>
+            </a:pPr>
+            <a:r>
+              <a:rPr lang="en"/>
+              <a:t>Exploratory Data Analysis (EDA)</a:t>
+            </a:r>
+            <a:endParaRPr/>
+          </a:p>
+        </p:txBody>
+      </p:sp>
+      <p:sp>
+        <p:nvSpPr>
+          <p:cNvPr id="81" name="Google Shape;81;p17"/>
+          <p:cNvSpPr txBox="1"/>
+          <p:nvPr>
+            <p:ph idx="1" type="body"/>
+          </p:nvPr>
+        </p:nvSpPr>
+        <p:spPr>
+          <a:xfrm>
+            <a:off x="311700" y="1152475"/>
+            <a:ext cx="8520600" cy="3416400"/>
+          </a:xfrm>
+          <a:prstGeom prst="rect">
+            <a:avLst/>
+          </a:prstGeom>
+        </p:spPr>
+        <p:txBody>
+          <a:bodyPr anchorCtr="0" anchor="t" bIns="91425" lIns="91425" spcFirstLastPara="1" rIns="91425" wrap="square" tIns="91425">
+            <a:noAutofit/>
+          </a:bodyPr>
+          <a:lstStyle/>
+          <a:p>
+            <a:pPr indent="-342900" lvl="0" marL="457200" rtl="0" algn="l">
+              <a:spcBef>
+                <a:spcPts val="0"/>
+              </a:spcBef>
+              <a:spcAft>
+                <a:spcPts val="0"/>
+              </a:spcAft>
+              <a:buSzPts val="1800"/>
+              <a:buChar char="●"/>
+            </a:pPr>
+            <a:r>
+              <a:rPr lang="en"/>
+              <a:t>65,188 entries</a:t>
+            </a:r>
+            <a:endParaRPr/>
+          </a:p>
+          <a:p>
+            <a:pPr indent="-342900" lvl="0" marL="457200" rtl="0" algn="l">
+              <a:spcBef>
+                <a:spcPts val="0"/>
+              </a:spcBef>
+              <a:spcAft>
+                <a:spcPts val="0"/>
+              </a:spcAft>
+              <a:buSzPts val="1800"/>
+              <a:buChar char="●"/>
+            </a:pPr>
+            <a:r>
+              <a:rPr lang="en"/>
+              <a:t>61 numerical features</a:t>
+            </a:r>
+            <a:endParaRPr/>
+          </a:p>
+          <a:p>
+            <a:pPr indent="-342900" lvl="0" marL="457200" rtl="0" algn="l">
+              <a:spcBef>
+                <a:spcPts val="0"/>
+              </a:spcBef>
+              <a:spcAft>
+                <a:spcPts val="0"/>
+              </a:spcAft>
+              <a:buSzPts val="1800"/>
+              <a:buChar char="●"/>
+            </a:pPr>
+            <a:r>
+              <a:rPr lang="en"/>
+              <a:t>2 classes:</a:t>
+            </a:r>
+            <a:endParaRPr/>
+          </a:p>
+          <a:p>
+            <a:pPr indent="-317500" lvl="1" marL="914400" rtl="0" algn="l">
+              <a:spcBef>
+                <a:spcPts val="0"/>
+              </a:spcBef>
+              <a:spcAft>
+                <a:spcPts val="0"/>
+              </a:spcAft>
+              <a:buClr>
+                <a:srgbClr val="3D85C6"/>
+              </a:buClr>
+              <a:buSzPts val="1400"/>
+              <a:buChar char="○"/>
+            </a:pPr>
+            <a:r>
+              <a:rPr lang="en">
+                <a:solidFill>
+                  <a:srgbClr val="3D85C6"/>
+                </a:solidFill>
+              </a:rPr>
+              <a:t>0 = consistently classified</a:t>
+            </a:r>
+            <a:endParaRPr>
+              <a:solidFill>
+                <a:srgbClr val="3D85C6"/>
+              </a:solidFill>
+            </a:endParaRPr>
+          </a:p>
+          <a:p>
+            <a:pPr indent="-317500" lvl="1" marL="914400" rtl="0" algn="l">
+              <a:spcBef>
+                <a:spcPts val="0"/>
+              </a:spcBef>
+              <a:spcAft>
+                <a:spcPts val="0"/>
+              </a:spcAft>
+              <a:buClr>
+                <a:srgbClr val="A61C00"/>
+              </a:buClr>
+              <a:buSzPts val="1400"/>
+              <a:buChar char="○"/>
+            </a:pPr>
+            <a:r>
+              <a:rPr lang="en">
+                <a:solidFill>
+                  <a:srgbClr val="A61C00"/>
+                </a:solidFill>
+              </a:rPr>
+              <a:t>1 = conflictingly classified</a:t>
+            </a:r>
+            <a:endParaRPr>
+              <a:solidFill>
+                <a:srgbClr val="A61C00"/>
+              </a:solidFill>
+            </a:endParaRPr>
+          </a:p>
+          <a:p>
+            <a:pPr indent="-317500" lvl="1" marL="914400" rtl="0" algn="l">
+              <a:spcBef>
+                <a:spcPts val="0"/>
+              </a:spcBef>
+              <a:spcAft>
+                <a:spcPts val="0"/>
+              </a:spcAft>
+              <a:buSzPts val="1400"/>
+              <a:buChar char="○"/>
+            </a:pPr>
+            <a:r>
+              <a:rPr lang="en"/>
+              <a:t>Class imbalance</a:t>
+            </a:r>
+            <a:endParaRPr/>
+          </a:p>
+          <a:p>
+            <a:pPr indent="0" lvl="0" marL="457200" rtl="0" algn="l">
+              <a:spcBef>
+                <a:spcPts val="1600"/>
+              </a:spcBef>
+              <a:spcAft>
+                <a:spcPts val="0"/>
+              </a:spcAft>
+              <a:buNone/>
+            </a:pPr>
+            <a:r>
+              <a:t/>
+            </a:r>
+            <a:endParaRPr/>
+          </a:p>
+          <a:p>
+            <a:pPr indent="0" lvl="0" marL="0" rtl="0" algn="l">
+              <a:spcBef>
+                <a:spcPts val="1600"/>
+              </a:spcBef>
+              <a:spcAft>
+                <a:spcPts val="1600"/>
+              </a:spcAft>
+              <a:buNone/>
+            </a:pPr>
+            <a:r>
+              <a:t/>
+            </a:r>
+            <a:endParaRPr/>
+          </a:p>
+        </p:txBody>
+      </p:sp>
+      <p:pic>
+        <p:nvPicPr>
+          <p:cNvPr id="82" name="Google Shape;82;p17"/>
+          <p:cNvPicPr preferRelativeResize="0"/>
+          <p:nvPr/>
+        </p:nvPicPr>
+        <p:blipFill>
+          <a:blip r:embed="rId3">
+            <a:alphaModFix/>
+          </a:blip>
+          <a:stretch>
+            <a:fillRect/>
+          </a:stretch>
+        </p:blipFill>
+        <p:spPr>
+          <a:xfrm>
+            <a:off x="5653525" y="1152478"/>
+            <a:ext cx="2865368" cy="3416400"/>
+          </a:xfrm>
+          <a:prstGeom prst="rect">
+            <a:avLst/>
+          </a:prstGeom>
+          <a:noFill/>
+          <a:ln>
+            <a:noFill/>
+          </a:ln>
+        </p:spPr>
+      </p:pic>
+    </p:spTree>
+  </p:cSld>
+  <p:clrMapOvr>
+    <a:masterClrMapping/>
+  </p:clrMapOvr>
+</p:sld>
+</file>
+
+<file path=ppt/slides/slide6.xml><?xml version="1.0" encoding="utf-8"?>
+<p:sld xmlns:a="http://schemas.openxmlformats.org/drawingml/2006/main" xmlns:r="http://schemas.openxmlformats.org/officeDocument/2006/relationships" xmlns:mc="http://schemas.openxmlformats.org/markup-compatibility/2006" xmlns:mv="urn:schemas-microsoft-com:mac:vml" xmlns:p="http://schemas.openxmlformats.org/presentationml/2006/main" xmlns:c="http://schemas.openxmlformats.org/drawingml/2006/chart" xmlns:dgm="http://schemas.openxmlformats.org/drawingml/2006/diagram" xmlns:o="urn:schemas-microsoft-com:office:office" xmlns:v="urn:schemas-microsoft-com:vml" xmlns:pvml="urn:schemas-microsoft-com:office:powerpoint" xmlns:com="http://schemas.openxmlformats.org/drawingml/2006/compatibility" xmlns:p14="http://schemas.microsoft.com/office/powerpoint/2010/main" xmlns:p15="http://schemas.microsoft.com/office/powerpoint/2012/main">
+  <p:cSld>
+    <p:spTree>
+      <p:nvGrpSpPr>
+        <p:cNvPr id="86" name="Shape 86"/>
+        <p:cNvGrpSpPr/>
+        <p:nvPr/>
+      </p:nvGrpSpPr>
+      <p:grpSpPr>
+        <a:xfrm>
+          <a:off x="0" y="0"/>
+          <a:ext cx="0" cy="0"/>
+          <a:chOff x="0" y="0"/>
+          <a:chExt cx="0" cy="0"/>
+        </a:xfrm>
+      </p:grpSpPr>
+      <p:sp>
+        <p:nvSpPr>
+          <p:cNvPr id="87" name="Google Shape;87;p18"/>
+          <p:cNvSpPr txBox="1"/>
+          <p:nvPr>
+            <p:ph type="title"/>
+          </p:nvPr>
+        </p:nvSpPr>
+        <p:spPr>
+          <a:xfrm>
+            <a:off x="311700" y="445025"/>
+            <a:ext cx="8520600" cy="572700"/>
+          </a:xfrm>
+          <a:prstGeom prst="rect">
+            <a:avLst/>
+          </a:prstGeom>
+        </p:spPr>
+        <p:txBody>
+          <a:bodyPr anchorCtr="0" anchor="t" bIns="91425" lIns="91425" spcFirstLastPara="1" rIns="91425" wrap="square" tIns="91425">
+            <a:noAutofit/>
+          </a:bodyPr>
+          <a:lstStyle/>
+          <a:p>
+            <a:pPr indent="0" lvl="0" marL="0" rtl="0" algn="l">
+              <a:spcBef>
+                <a:spcPts val="0"/>
+              </a:spcBef>
+              <a:spcAft>
+                <a:spcPts val="0"/>
+              </a:spcAft>
+              <a:buNone/>
+            </a:pPr>
+            <a:r>
+              <a:rPr lang="en"/>
+              <a:t>EDA - continued</a:t>
+            </a:r>
+            <a:endParaRPr/>
+          </a:p>
+        </p:txBody>
+      </p:sp>
+      <p:sp>
+        <p:nvSpPr>
+          <p:cNvPr id="88" name="Google Shape;88;p18"/>
+          <p:cNvSpPr txBox="1"/>
+          <p:nvPr>
+            <p:ph idx="1" type="body"/>
+          </p:nvPr>
+        </p:nvSpPr>
+        <p:spPr>
+          <a:xfrm>
+            <a:off x="311700" y="1152475"/>
+            <a:ext cx="3624000" cy="3416400"/>
+          </a:xfrm>
+          <a:prstGeom prst="rect">
+            <a:avLst/>
+          </a:prstGeom>
+        </p:spPr>
+        <p:txBody>
+          <a:bodyPr anchorCtr="0" anchor="t" bIns="91425" lIns="91425" spcFirstLastPara="1" rIns="91425" wrap="square" tIns="91425">
+            <a:noAutofit/>
+          </a:bodyPr>
+          <a:lstStyle/>
+          <a:p>
+            <a:pPr indent="0" lvl="0" marL="0" rtl="0" algn="l">
+              <a:spcBef>
+                <a:spcPts val="0"/>
+              </a:spcBef>
+              <a:spcAft>
+                <a:spcPts val="1600"/>
+              </a:spcAft>
+              <a:buNone/>
+            </a:pPr>
+            <a:r>
+              <a:rPr lang="en"/>
+              <a:t>What types of genes are represented in this dataset?</a:t>
+            </a:r>
+            <a:endParaRPr/>
+          </a:p>
+        </p:txBody>
+      </p:sp>
+      <p:pic>
+        <p:nvPicPr>
+          <p:cNvPr id="89" name="Google Shape;89;p18"/>
+          <p:cNvPicPr preferRelativeResize="0"/>
+          <p:nvPr/>
+        </p:nvPicPr>
+        <p:blipFill>
+          <a:blip r:embed="rId3">
+            <a:alphaModFix/>
+          </a:blip>
+          <a:stretch>
+            <a:fillRect/>
+          </a:stretch>
+        </p:blipFill>
+        <p:spPr>
+          <a:xfrm>
+            <a:off x="3527700" y="160425"/>
+            <a:ext cx="5079825" cy="2320375"/>
+          </a:xfrm>
+          <a:prstGeom prst="rect">
+            <a:avLst/>
+          </a:prstGeom>
+          <a:noFill/>
+          <a:ln>
+            <a:noFill/>
+          </a:ln>
+        </p:spPr>
+      </p:pic>
+      <p:pic>
+        <p:nvPicPr>
+          <p:cNvPr id="90" name="Google Shape;90;p18"/>
+          <p:cNvPicPr preferRelativeResize="0"/>
+          <p:nvPr/>
+        </p:nvPicPr>
+        <p:blipFill>
+          <a:blip r:embed="rId4">
+            <a:alphaModFix/>
+          </a:blip>
+          <a:stretch>
+            <a:fillRect/>
+          </a:stretch>
+        </p:blipFill>
+        <p:spPr>
+          <a:xfrm>
+            <a:off x="2982300" y="2514100"/>
+            <a:ext cx="5962574" cy="2472800"/>
+          </a:xfrm>
+          <a:prstGeom prst="rect">
+            <a:avLst/>
+          </a:prstGeom>
+          <a:noFill/>
+          <a:ln>
+            <a:noFill/>
+          </a:ln>
+        </p:spPr>
+      </p:pic>
+    </p:spTree>
+  </p:cSld>
+  <p:clrMapOvr>
+    <a:masterClrMapping/>
+  </p:clrMapOvr>
+  <p:timing>
+    <p:tnLst>
+      <p:par>
+        <p:cTn dur="indefinite" nodeType="tmRoot" restart="never">
+          <p:childTnLst>
+            <p:seq concurrent="1" nextAc="seek">
+              <p:cTn dur="indefinite" id="2" nodeType="mainSeq">
+                <p:childTnLst>
+                  <p:par>
+                    <p:cTn fill="hold">
+                      <p:stCondLst>
+                        <p:cond delay="indefinite"/>
+                      </p:stCondLst>
+                      <p:childTnLst>
+                        <p:par>
+                          <p:cTn fill="hold">
+                            <p:stCondLst>
+                              <p:cond delay="0"/>
+                            </p:stCondLst>
+                            <p:childTnLst>
+                              <p:par>
+                                <p:cTn fill="hold" nodeType="clickEffect" presetClass="entr" presetID="10" presetSubtype="0">
+                                  <p:stCondLst>
+                                    <p:cond delay="0"/>
+                                  </p:stCondLst>
+                                  <p:childTnLst>
+                                    <p:set>
+                                      <p:cBhvr>
+                                        <p:cTn dur="1" fill="hold">
+                                          <p:stCondLst>
+                                            <p:cond delay="0"/>
+                                          </p:stCondLst>
+                                        </p:cTn>
+                                        <p:tgtEl>
+                                          <p:spTgt spid="89"/>
+                                        </p:tgtEl>
+                                        <p:attrNameLst>
+                                          <p:attrName>style.visibility</p:attrName>
+                                        </p:attrNameLst>
+                                      </p:cBhvr>
+                                      <p:to>
+                                        <p:strVal val="visible"/>
+                                      </p:to>
+                                    </p:set>
+                                    <p:animEffect filter="fade" transition="in">
+                                      <p:cBhvr>
+                                        <p:cTn dur="1000"/>
+                                        <p:tgtEl>
+                                          <p:spTgt spid="89"/>
+                                        </p:tgtEl>
+                                      </p:cBhvr>
+                                    </p:animEffect>
+                                  </p:childTnLst>
+                                </p:cTn>
+                              </p:par>
+                            </p:childTnLst>
+                          </p:cTn>
+                        </p:par>
+                      </p:childTnLst>
+                    </p:cTn>
+                  </p:par>
+                  <p:par>
+                    <p:cTn fill="hold">
+                      <p:stCondLst>
+                        <p:cond delay="indefinite"/>
+                      </p:stCondLst>
+                      <p:childTnLst>
+                        <p:par>
+                          <p:cTn fill="hold">
+                            <p:stCondLst>
+                              <p:cond delay="0"/>
+                            </p:stCondLst>
+                            <p:childTnLst>
+                              <p:par>
+                                <p:cTn fill="hold" nodeType="clickEffect" presetClass="entr" presetID="10" presetSubtype="0">
+                                  <p:stCondLst>
+                                    <p:cond delay="0"/>
+                                  </p:stCondLst>
+                                  <p:childTnLst>
+                                    <p:set>
+                                      <p:cBhvr>
+                                        <p:cTn dur="1" fill="hold">
+                                          <p:stCondLst>
+                                            <p:cond delay="0"/>
+                                          </p:stCondLst>
+                                        </p:cTn>
+                                        <p:tgtEl>
+                                          <p:spTgt spid="90"/>
+                                        </p:tgtEl>
+                                        <p:attrNameLst>
+                                          <p:attrName>style.visibility</p:attrName>
+                                        </p:attrNameLst>
+                                      </p:cBhvr>
+                                      <p:to>
+                                        <p:strVal val="visible"/>
+                                      </p:to>
+                                    </p:set>
+                                    <p:animEffect filter="fade" transition="in">
+                                      <p:cBhvr>
+                                        <p:cTn dur="1000"/>
+                                        <p:tgtEl>
+                                          <p:spTgt spid="90"/>
+                                        </p:tgtEl>
+                                      </p:cBhvr>
+                                    </p:animEffect>
+                                  </p:childTnLst>
+                                </p:cTn>
+                              </p:par>
+                            </p:childTnLst>
+                          </p:cTn>
+                        </p:par>
+                      </p:childTnLst>
+                    </p:cTn>
+                  </p:par>
+                </p:childTnLst>
+              </p:cTn>
+              <p:prevCondLst>
+                <p:cond evt="onPrev">
+                  <p:tgtEl>
+                    <p:sldTgt/>
+                  </p:tgtEl>
+                </p:cond>
+              </p:prevCondLst>
+              <p:nextCondLst>
+                <p:cond evt="onNext">
+                  <p:tgtEl>
+                    <p:sldTgt/>
+                  </p:tgtEl>
+                </p:cond>
+              </p:nextCondLst>
+            </p:seq>
+          </p:childTnLst>
+        </p:cTn>
+      </p:par>
+    </p:tnLst>
+  </p:timing>
+</p:sld>
+</file>
+
+<file path=ppt/slides/slide7.xml><?xml version="1.0" encoding="utf-8"?>
+<p:sld xmlns:a="http://schemas.openxmlformats.org/drawingml/2006/main" xmlns:r="http://schemas.openxmlformats.org/officeDocument/2006/relationships" xmlns:mc="http://schemas.openxmlformats.org/markup-compatibility/2006" xmlns:mv="urn:schemas-microsoft-com:mac:vml" xmlns:p="http://schemas.openxmlformats.org/presentationml/2006/main" xmlns:c="http://schemas.openxmlformats.org/drawingml/2006/chart" xmlns:dgm="http://schemas.openxmlformats.org/drawingml/2006/diagram" xmlns:o="urn:schemas-microsoft-com:office:office" xmlns:v="urn:schemas-microsoft-com:vml" xmlns:pvml="urn:schemas-microsoft-com:office:powerpoint" xmlns:com="http://schemas.openxmlformats.org/drawingml/2006/compatibility" xmlns:p14="http://schemas.microsoft.com/office/powerpoint/2010/main" xmlns:p15="http://schemas.microsoft.com/office/powerpoint/2012/main">
+  <p:cSld>
+    <p:spTree>
+      <p:nvGrpSpPr>
+        <p:cNvPr id="94" name="Shape 94"/>
+        <p:cNvGrpSpPr/>
+        <p:nvPr/>
+      </p:nvGrpSpPr>
+      <p:grpSpPr>
+        <a:xfrm>
+          <a:off x="0" y="0"/>
+          <a:ext cx="0" cy="0"/>
+          <a:chOff x="0" y="0"/>
+          <a:chExt cx="0" cy="0"/>
+        </a:xfrm>
+      </p:grpSpPr>
+      <p:sp>
+        <p:nvSpPr>
+          <p:cNvPr id="95" name="Google Shape;95;p19"/>
+          <p:cNvSpPr txBox="1"/>
+          <p:nvPr>
+            <p:ph type="title"/>
+          </p:nvPr>
+        </p:nvSpPr>
+        <p:spPr>
+          <a:xfrm>
+            <a:off x="311700" y="445025"/>
+            <a:ext cx="8520600" cy="572700"/>
+          </a:xfrm>
+          <a:prstGeom prst="rect">
+            <a:avLst/>
+          </a:prstGeom>
+        </p:spPr>
+        <p:txBody>
+          <a:bodyPr anchorCtr="0" anchor="t" bIns="91425" lIns="91425" spcFirstLastPara="1" rIns="91425" wrap="square" tIns="91425">
+            <a:noAutofit/>
+          </a:bodyPr>
+          <a:lstStyle/>
+          <a:p>
+            <a:pPr indent="0" lvl="0" marL="0" rtl="0" algn="l">
+              <a:spcBef>
+                <a:spcPts val="0"/>
+              </a:spcBef>
+              <a:spcAft>
+                <a:spcPts val="0"/>
+              </a:spcAft>
+              <a:buNone/>
+            </a:pPr>
+            <a:r>
+              <a:rPr lang="en"/>
+              <a:t>EDA - continued</a:t>
+            </a:r>
+            <a:endParaRPr/>
+          </a:p>
+        </p:txBody>
+      </p:sp>
+      <p:pic>
+        <p:nvPicPr>
+          <p:cNvPr id="96" name="Google Shape;96;p19"/>
+          <p:cNvPicPr preferRelativeResize="0"/>
+          <p:nvPr/>
+        </p:nvPicPr>
+        <p:blipFill>
+          <a:blip r:embed="rId3">
+            <a:alphaModFix/>
+          </a:blip>
+          <a:stretch>
+            <a:fillRect/>
+          </a:stretch>
+        </p:blipFill>
+        <p:spPr>
+          <a:xfrm>
+            <a:off x="989975" y="1504601"/>
+            <a:ext cx="3386325" cy="1551475"/>
+          </a:xfrm>
+          <a:prstGeom prst="rect">
+            <a:avLst/>
+          </a:prstGeom>
+          <a:noFill/>
+          <a:ln>
+            <a:noFill/>
+          </a:ln>
+        </p:spPr>
+      </p:pic>
+      <p:pic>
+        <p:nvPicPr>
+          <p:cNvPr id="97" name="Google Shape;97;p19"/>
+          <p:cNvPicPr preferRelativeResize="0"/>
+          <p:nvPr/>
+        </p:nvPicPr>
+        <p:blipFill>
+          <a:blip r:embed="rId4">
+            <a:alphaModFix/>
+          </a:blip>
+          <a:stretch>
+            <a:fillRect/>
+          </a:stretch>
+        </p:blipFill>
+        <p:spPr>
+          <a:xfrm>
+            <a:off x="5474675" y="1873725"/>
+            <a:ext cx="3440725" cy="2393914"/>
+          </a:xfrm>
+          <a:prstGeom prst="rect">
+            <a:avLst/>
+          </a:prstGeom>
+          <a:noFill/>
+          <a:ln>
+            <a:noFill/>
+          </a:ln>
+        </p:spPr>
+      </p:pic>
+      <p:sp>
+        <p:nvSpPr>
+          <p:cNvPr id="98" name="Google Shape;98;p19"/>
+          <p:cNvSpPr txBox="1"/>
+          <p:nvPr>
+            <p:ph idx="1" type="body"/>
+          </p:nvPr>
+        </p:nvSpPr>
+        <p:spPr>
+          <a:xfrm>
+            <a:off x="311700" y="1152475"/>
+            <a:ext cx="8061900" cy="572700"/>
+          </a:xfrm>
+          <a:prstGeom prst="rect">
+            <a:avLst/>
+          </a:prstGeom>
+        </p:spPr>
+        <p:txBody>
+          <a:bodyPr anchorCtr="0" anchor="t" bIns="91425" lIns="91425" spcFirstLastPara="1" rIns="91425" wrap="square" tIns="91425">
+            <a:noAutofit/>
+          </a:bodyPr>
+          <a:lstStyle/>
+          <a:p>
+            <a:pPr indent="0" lvl="0" marL="0" rtl="0" algn="l">
+              <a:spcBef>
+                <a:spcPts val="0"/>
+              </a:spcBef>
+              <a:spcAft>
+                <a:spcPts val="1600"/>
+              </a:spcAft>
+              <a:buNone/>
+            </a:pPr>
+            <a:r>
+              <a:rPr lang="en"/>
+              <a:t>Are particular genetic variant features observed disparately in one class versus the other?</a:t>
+            </a:r>
+            <a:endParaRPr/>
+          </a:p>
+        </p:txBody>
+      </p:sp>
+      <p:pic>
+        <p:nvPicPr>
+          <p:cNvPr id="99" name="Google Shape;99;p19"/>
+          <p:cNvPicPr preferRelativeResize="0"/>
+          <p:nvPr/>
+        </p:nvPicPr>
+        <p:blipFill>
+          <a:blip r:embed="rId5">
+            <a:alphaModFix/>
+          </a:blip>
+          <a:stretch>
+            <a:fillRect/>
+          </a:stretch>
+        </p:blipFill>
+        <p:spPr>
+          <a:xfrm>
+            <a:off x="1412500" y="3147950"/>
+            <a:ext cx="2541274" cy="1995550"/>
+          </a:xfrm>
+          <a:prstGeom prst="rect">
+            <a:avLst/>
+          </a:prstGeom>
+          <a:noFill/>
+          <a:ln>
+            <a:noFill/>
+          </a:ln>
+        </p:spPr>
+      </p:pic>
+    </p:spTree>
+  </p:cSld>
+  <p:clrMapOvr>
+    <a:masterClrMapping/>
+  </p:clrMapOvr>
+  <p:timing>
+    <p:tnLst>
+      <p:par>
+        <p:cTn dur="indefinite" nodeType="tmRoot" restart="never">
+          <p:childTnLst>
+            <p:seq concurrent="1" nextAc="seek">
+              <p:cTn dur="indefinite" id="2" nodeType="mainSeq">
+                <p:childTnLst>
+                  <p:par>
+                    <p:cTn fill="hold">
+                      <p:stCondLst>
+                        <p:cond delay="indefinite"/>
+                      </p:stCondLst>
+                      <p:childTnLst>
+                        <p:par>
+                          <p:cTn fill="hold">
+                            <p:stCondLst>
+                              <p:cond delay="0"/>
+                            </p:stCondLst>
+                            <p:childTnLst>
+                              <p:par>
+                                <p:cTn fill="hold" nodeType="clickEffect" presetClass="entr" presetID="10" presetSubtype="0">
+                                  <p:stCondLst>
+                                    <p:cond delay="0"/>
+                                  </p:stCondLst>
+                                  <p:childTnLst>
+                                    <p:set>
+                                      <p:cBhvr>
+                                        <p:cTn dur="1" fill="hold">
+                                          <p:stCondLst>
+                                            <p:cond delay="0"/>
+                                          </p:stCondLst>
+                                        </p:cTn>
+                                        <p:tgtEl>
+                                          <p:spTgt spid="96"/>
+                                        </p:tgtEl>
+                                        <p:attrNameLst>
+                                          <p:attrName>style.visibility</p:attrName>
+                                        </p:attrNameLst>
+                                      </p:cBhvr>
+                                      <p:to>
+                                        <p:strVal val="visible"/>
+                                      </p:to>
+                                    </p:set>
+                                    <p:animEffect filter="fade" transition="in">
+                                      <p:cBhvr>
+                                        <p:cTn dur="1000"/>
+                                        <p:tgtEl>
+                                          <p:spTgt spid="96"/>
+                                        </p:tgtEl>
+                                      </p:cBhvr>
+                                    </p:animEffect>
+                                  </p:childTnLst>
+                                </p:cTn>
+                              </p:par>
+                              <p:par>
+                                <p:cTn fill="hold" nodeType="withEffect" presetClass="entr" presetID="10" presetSubtype="0">
+                                  <p:stCondLst>
+                                    <p:cond delay="0"/>
+                                  </p:stCondLst>
+                                  <p:childTnLst>
+                                    <p:set>
+                                      <p:cBhvr>
+                                        <p:cTn dur="1" fill="hold">
+                                          <p:stCondLst>
+                                            <p:cond delay="0"/>
+                                          </p:stCondLst>
+                                        </p:cTn>
+                                        <p:tgtEl>
+                                          <p:spTgt spid="99"/>
+                                        </p:tgtEl>
+                                        <p:attrNameLst>
+                                          <p:attrName>style.visibility</p:attrName>
+                                        </p:attrNameLst>
+                                      </p:cBhvr>
+                                      <p:to>
+                                        <p:strVal val="visible"/>
+                                      </p:to>
+                                    </p:set>
+                                    <p:animEffect filter="fade" transition="in">
+                                      <p:cBhvr>
+                                        <p:cTn dur="1000"/>
+                                        <p:tgtEl>
+                                          <p:spTgt spid="99"/>
+                                        </p:tgtEl>
+                                      </p:cBhvr>
+                                    </p:animEffect>
+                                  </p:childTnLst>
+                                </p:cTn>
+                              </p:par>
+                            </p:childTnLst>
+                          </p:cTn>
+                        </p:par>
+                      </p:childTnLst>
+                    </p:cTn>
+                  </p:par>
+                  <p:par>
+                    <p:cTn fill="hold">
+                      <p:stCondLst>
+                        <p:cond delay="indefinite"/>
+                      </p:stCondLst>
+                      <p:childTnLst>
+                        <p:par>
+                          <p:cTn fill="hold">
+                            <p:stCondLst>
+                              <p:cond delay="0"/>
+                            </p:stCondLst>
+                            <p:childTnLst>
+                              <p:par>
+                                <p:cTn fill="hold" nodeType="clickEffect" presetClass="entr" presetID="10" presetSubtype="0">
+                                  <p:stCondLst>
+                                    <p:cond delay="0"/>
+                                  </p:stCondLst>
+                                  <p:childTnLst>
+                                    <p:set>
+                                      <p:cBhvr>
+                                        <p:cTn dur="1" fill="hold">
+                                          <p:stCondLst>
+                                            <p:cond delay="0"/>
+                                          </p:stCondLst>
+                                        </p:cTn>
+                                        <p:tgtEl>
+                                          <p:spTgt spid="97"/>
+                                        </p:tgtEl>
+                                        <p:attrNameLst>
+                                          <p:attrName>style.visibility</p:attrName>
+                                        </p:attrNameLst>
+                                      </p:cBhvr>
+                                      <p:to>
+                                        <p:strVal val="visible"/>
+                                      </p:to>
+                                    </p:set>
+                                    <p:animEffect filter="fade" transition="in">
+                                      <p:cBhvr>
+                                        <p:cTn dur="1000"/>
+                                        <p:tgtEl>
+                                          <p:spTgt spid="97"/>
+                                        </p:tgtEl>
+                                      </p:cBhvr>
+                                    </p:animEffect>
+                                  </p:childTnLst>
+                                </p:cTn>
+                              </p:par>
+                            </p:childTnLst>
+                          </p:cTn>
+                        </p:par>
+                      </p:childTnLst>
+                    </p:cTn>
+                  </p:par>
+                </p:childTnLst>
+              </p:cTn>
+              <p:prevCondLst>
+                <p:cond evt="onPrev">
+                  <p:tgtEl>
+                    <p:sldTgt/>
+                  </p:tgtEl>
+                </p:cond>
+              </p:prevCondLst>
+              <p:nextCondLst>
+                <p:cond evt="onNext">
+                  <p:tgtEl>
+                    <p:sldTgt/>
+                  </p:tgtEl>
+                </p:cond>
+              </p:nextCondLst>
+            </p:seq>
+          </p:childTnLst>
+        </p:cTn>
+      </p:par>
+    </p:tnLst>
+  </p:timing>
+</p:sld>
+</file>
+
+<file path=ppt/slides/slide8.xml><?xml version="1.0" encoding="utf-8"?>
+<p:sld xmlns:a="http://schemas.openxmlformats.org/drawingml/2006/main" xmlns:r="http://schemas.openxmlformats.org/officeDocument/2006/relationships" xmlns:mc="http://schemas.openxmlformats.org/markup-compatibility/2006" xmlns:mv="urn:schemas-microsoft-com:mac:vml" xmlns:p="http://schemas.openxmlformats.org/presentationml/2006/main" xmlns:c="http://schemas.openxmlformats.org/drawingml/2006/chart" xmlns:dgm="http://schemas.openxmlformats.org/drawingml/2006/diagram" xmlns:o="urn:schemas-microsoft-com:office:office" xmlns:v="urn:schemas-microsoft-com:vml" xmlns:pvml="urn:schemas-microsoft-com:office:powerpoint" xmlns:com="http://schemas.openxmlformats.org/drawingml/2006/compatibility" xmlns:p14="http://schemas.microsoft.com/office/powerpoint/2010/main" xmlns:p15="http://schemas.microsoft.com/office/powerpoint/2012/main">
+  <p:cSld>
+    <p:spTree>
+      <p:nvGrpSpPr>
+        <p:cNvPr id="103" name="Shape 103"/>
+        <p:cNvGrpSpPr/>
+        <p:nvPr/>
+      </p:nvGrpSpPr>
+      <p:grpSpPr>
+        <a:xfrm>
+          <a:off x="0" y="0"/>
+          <a:ext cx="0" cy="0"/>
+          <a:chOff x="0" y="0"/>
+          <a:chExt cx="0" cy="0"/>
+        </a:xfrm>
+      </p:grpSpPr>
+      <p:sp>
+        <p:nvSpPr>
+          <p:cNvPr id="104" name="Google Shape;104;p20"/>
+          <p:cNvSpPr txBox="1"/>
+          <p:nvPr>
+            <p:ph type="title"/>
+          </p:nvPr>
+        </p:nvSpPr>
+        <p:spPr>
+          <a:xfrm>
+            <a:off x="311700" y="445025"/>
+            <a:ext cx="8520600" cy="572700"/>
+          </a:xfrm>
+          <a:prstGeom prst="rect">
+            <a:avLst/>
+          </a:prstGeom>
+        </p:spPr>
+        <p:txBody>
+          <a:bodyPr anchorCtr="0" anchor="t" bIns="91425" lIns="91425" spcFirstLastPara="1" rIns="91425" wrap="square" tIns="91425">
+            <a:noAutofit/>
+          </a:bodyPr>
+          <a:lstStyle/>
+          <a:p>
+            <a:pPr indent="0" lvl="0" marL="0" rtl="0" algn="l">
+              <a:spcBef>
+                <a:spcPts val="0"/>
+              </a:spcBef>
+              <a:spcAft>
+                <a:spcPts val="0"/>
+              </a:spcAft>
+              <a:buNone/>
+            </a:pPr>
+            <a:r>
+              <a:rPr lang="en"/>
+              <a:t>Machine Learning Models</a:t>
+            </a:r>
+            <a:endParaRPr/>
+          </a:p>
+        </p:txBody>
+      </p:sp>
+      <p:sp>
+        <p:nvSpPr>
+          <p:cNvPr id="105" name="Google Shape;105;p20"/>
+          <p:cNvSpPr txBox="1"/>
+          <p:nvPr>
+            <p:ph idx="1" type="body"/>
+          </p:nvPr>
+        </p:nvSpPr>
+        <p:spPr>
+          <a:xfrm>
+            <a:off x="311700" y="1152475"/>
+            <a:ext cx="8520600" cy="3416400"/>
+          </a:xfrm>
+          <a:prstGeom prst="rect">
+            <a:avLst/>
+          </a:prstGeom>
+        </p:spPr>
+        <p:txBody>
+          <a:bodyPr anchorCtr="0" anchor="t" bIns="91425" lIns="91425" spcFirstLastPara="1" rIns="91425" wrap="square" tIns="91425">
+            <a:noAutofit/>
+          </a:bodyPr>
+          <a:lstStyle/>
+          <a:p>
+            <a:pPr indent="-342900" lvl="0" marL="457200" rtl="0" algn="l">
+              <a:spcBef>
+                <a:spcPts val="0"/>
+              </a:spcBef>
+              <a:spcAft>
+                <a:spcPts val="0"/>
+              </a:spcAft>
+              <a:buSzPts val="1800"/>
+              <a:buChar char="●"/>
+            </a:pPr>
+            <a:r>
+              <a:rPr lang="en"/>
+              <a:t>Binary classification problem</a:t>
+            </a:r>
+            <a:endParaRPr/>
+          </a:p>
+          <a:p>
+            <a:pPr indent="-342900" lvl="0" marL="457200" rtl="0" algn="l">
+              <a:spcBef>
+                <a:spcPts val="0"/>
+              </a:spcBef>
+              <a:spcAft>
+                <a:spcPts val="0"/>
+              </a:spcAft>
+              <a:buSzPts val="1800"/>
+              <a:buChar char="●"/>
+            </a:pPr>
+            <a:r>
+              <a:rPr lang="en"/>
+              <a:t>Four classifiers chosen:</a:t>
+            </a:r>
+            <a:endParaRPr/>
+          </a:p>
+          <a:p>
+            <a:pPr indent="-317500" lvl="1" marL="914400" rtl="0" algn="l">
+              <a:spcBef>
+                <a:spcPts val="0"/>
+              </a:spcBef>
+              <a:spcAft>
+                <a:spcPts val="0"/>
+              </a:spcAft>
+              <a:buSzPts val="1400"/>
+              <a:buChar char="○"/>
+            </a:pPr>
+            <a:r>
+              <a:rPr lang="en"/>
+              <a:t>Logistic Regression</a:t>
+            </a:r>
+            <a:endParaRPr/>
+          </a:p>
+          <a:p>
+            <a:pPr indent="-317500" lvl="1" marL="914400" rtl="0" algn="l">
+              <a:spcBef>
+                <a:spcPts val="0"/>
+              </a:spcBef>
+              <a:spcAft>
+                <a:spcPts val="0"/>
+              </a:spcAft>
+              <a:buSzPts val="1400"/>
+              <a:buChar char="○"/>
+            </a:pPr>
+            <a:r>
+              <a:rPr lang="en"/>
+              <a:t>Decision Tree Classifier</a:t>
+            </a:r>
+            <a:endParaRPr/>
+          </a:p>
+          <a:p>
+            <a:pPr indent="-317500" lvl="1" marL="914400" rtl="0" algn="l">
+              <a:spcBef>
+                <a:spcPts val="0"/>
+              </a:spcBef>
+              <a:spcAft>
+                <a:spcPts val="0"/>
+              </a:spcAft>
+              <a:buSzPts val="1400"/>
+              <a:buChar char="○"/>
+            </a:pPr>
+            <a:r>
+              <a:rPr lang="en"/>
+              <a:t>Random Forest Classifier</a:t>
+            </a:r>
+            <a:endParaRPr/>
+          </a:p>
+          <a:p>
+            <a:pPr indent="-317500" lvl="1" marL="914400" rtl="0" algn="l">
+              <a:spcBef>
+                <a:spcPts val="0"/>
+              </a:spcBef>
+              <a:spcAft>
+                <a:spcPts val="0"/>
+              </a:spcAft>
+              <a:buSzPts val="1400"/>
+              <a:buChar char="○"/>
+            </a:pPr>
+            <a:r>
+              <a:rPr lang="en"/>
+              <a:t>XGBoost Classifier</a:t>
+            </a:r>
+            <a:endParaRPr/>
+          </a:p>
+          <a:p>
+            <a:pPr indent="0" lvl="0" marL="457200" rtl="0" algn="l">
+              <a:spcBef>
+                <a:spcPts val="1600"/>
+              </a:spcBef>
+              <a:spcAft>
+                <a:spcPts val="1600"/>
+              </a:spcAft>
+              <a:buNone/>
+            </a:pPr>
+            <a:r>
+              <a:t/>
+            </a:r>
+            <a:endParaRPr>
+              <a:solidFill>
+                <a:srgbClr val="000000"/>
+              </a:solidFill>
+            </a:endParaRPr>
+          </a:p>
+        </p:txBody>
+      </p:sp>
+      <p:pic>
+        <p:nvPicPr>
+          <p:cNvPr id="106" name="Google Shape;106;p20"/>
+          <p:cNvPicPr preferRelativeResize="0"/>
+          <p:nvPr/>
+        </p:nvPicPr>
+        <p:blipFill>
+          <a:blip r:embed="rId3">
+            <a:alphaModFix/>
+          </a:blip>
+          <a:stretch>
+            <a:fillRect/>
+          </a:stretch>
+        </p:blipFill>
+        <p:spPr>
+          <a:xfrm>
+            <a:off x="2276700" y="2940476"/>
+            <a:ext cx="4590600" cy="1877275"/>
+          </a:xfrm>
+          <a:prstGeom prst="rect">
+            <a:avLst/>
+          </a:prstGeom>
+          <a:noFill/>
+          <a:ln>
+            <a:noFill/>
+          </a:ln>
+        </p:spPr>
+      </p:pic>
+    </p:spTree>
+  </p:cSld>
+  <p:clrMapOvr>
+    <a:masterClrMapping/>
+  </p:clrMapOvr>
+</p:sld>
+</file>
+
+<file path=ppt/slides/slide9.xml><?xml version="1.0" encoding="utf-8"?>
+<p:sld xmlns:a="http://schemas.openxmlformats.org/drawingml/2006/main" xmlns:r="http://schemas.openxmlformats.org/officeDocument/2006/relationships" xmlns:mc="http://schemas.openxmlformats.org/markup-compatibility/2006" xmlns:mv="urn:schemas-microsoft-com:mac:vml" xmlns:p="http://schemas.openxmlformats.org/presentationml/2006/main" xmlns:c="http://schemas.openxmlformats.org/drawingml/2006/chart" xmlns:dgm="http://schemas.openxmlformats.org/drawingml/2006/diagram" xmlns:o="urn:schemas-microsoft-com:office:office" xmlns:v="urn:schemas-microsoft-com:vml" xmlns:pvml="urn:schemas-microsoft-com:office:powerpoint" xmlns:com="http://schemas.openxmlformats.org/drawingml/2006/compatibility" xmlns:p14="http://schemas.microsoft.com/office/powerpoint/2010/main" xmlns:p15="http://schemas.microsoft.com/office/powerpoint/2012/main">
+  <p:cSld>
+    <p:spTree>
+      <p:nvGrpSpPr>
+        <p:cNvPr id="110" name="Shape 110"/>
+        <p:cNvGrpSpPr/>
+        <p:nvPr/>
+      </p:nvGrpSpPr>
+      <p:grpSpPr>
+        <a:xfrm>
+          <a:off x="0" y="0"/>
+          <a:ext cx="0" cy="0"/>
+          <a:chOff x="0" y="0"/>
+          <a:chExt cx="0" cy="0"/>
+        </a:xfrm>
+      </p:grpSpPr>
+      <p:sp>
+        <p:nvSpPr>
+          <p:cNvPr id="111" name="Google Shape;111;p21"/>
+          <p:cNvSpPr txBox="1"/>
+          <p:nvPr>
+            <p:ph type="title"/>
+          </p:nvPr>
+        </p:nvSpPr>
+        <p:spPr>
+          <a:xfrm>
+            <a:off x="311700" y="445025"/>
+            <a:ext cx="8520600" cy="572700"/>
+          </a:xfrm>
+          <a:prstGeom prst="rect">
+            <a:avLst/>
+          </a:prstGeom>
+        </p:spPr>
+        <p:txBody>
+          <a:bodyPr anchorCtr="0" anchor="t" bIns="91425" lIns="91425" spcFirstLastPara="1" rIns="91425" wrap="square" tIns="91425">
+            <a:noAutofit/>
+          </a:bodyPr>
+          <a:lstStyle/>
+          <a:p>
+            <a:pPr indent="0" lvl="0" marL="0" rtl="0" algn="l">
+              <a:spcBef>
+                <a:spcPts val="0"/>
+              </a:spcBef>
+              <a:spcAft>
+                <a:spcPts val="0"/>
+              </a:spcAft>
+              <a:buNone/>
+            </a:pPr>
+            <a:r>
+              <a:rPr lang="en"/>
+              <a:t>Cross Validation Methods</a:t>
+            </a:r>
+            <a:endParaRPr/>
+          </a:p>
+        </p:txBody>
+      </p:sp>
+      <p:sp>
+        <p:nvSpPr>
+          <p:cNvPr id="112" name="Google Shape;112;p21"/>
+          <p:cNvSpPr txBox="1"/>
+          <p:nvPr>
+            <p:ph idx="1" type="body"/>
+          </p:nvPr>
+        </p:nvSpPr>
+        <p:spPr>
+          <a:xfrm>
+            <a:off x="311700" y="1152475"/>
+            <a:ext cx="8520600" cy="3416400"/>
+          </a:xfrm>
+          <a:prstGeom prst="rect">
+            <a:avLst/>
+          </a:prstGeom>
+        </p:spPr>
+        <p:txBody>
+          <a:bodyPr anchorCtr="0" anchor="t" bIns="91425" lIns="91425" spcFirstLastPara="1" rIns="91425" wrap="square" tIns="91425">
+            <a:noAutofit/>
+          </a:bodyPr>
+          <a:lstStyle/>
+          <a:p>
+            <a:pPr indent="-342900" lvl="0" marL="457200" rtl="0" algn="l">
+              <a:spcBef>
+                <a:spcPts val="0"/>
+              </a:spcBef>
+              <a:spcAft>
+                <a:spcPts val="0"/>
+              </a:spcAft>
+              <a:buSzPts val="1800"/>
+              <a:buChar char="●"/>
+            </a:pPr>
+            <a:r>
+              <a:rPr lang="en"/>
+              <a:t>sklearn methods:</a:t>
+            </a:r>
+            <a:endParaRPr/>
+          </a:p>
+          <a:p>
+            <a:pPr indent="-323850" lvl="1" marL="914400" rtl="0" algn="l">
+              <a:spcBef>
+                <a:spcPts val="0"/>
+              </a:spcBef>
+              <a:spcAft>
+                <a:spcPts val="0"/>
+              </a:spcAft>
+              <a:buSzPts val="1500"/>
+              <a:buChar char="○"/>
+            </a:pPr>
+            <a:r>
+              <a:rPr lang="en" sz="1500"/>
+              <a:t>GridSearchCV</a:t>
+            </a:r>
+            <a:endParaRPr sz="1500"/>
+          </a:p>
+          <a:p>
+            <a:pPr indent="-323850" lvl="1" marL="914400" rtl="0" algn="l">
+              <a:spcBef>
+                <a:spcPts val="0"/>
+              </a:spcBef>
+              <a:spcAft>
+                <a:spcPts val="0"/>
+              </a:spcAft>
+              <a:buSzPts val="1500"/>
+              <a:buChar char="○"/>
+            </a:pPr>
+            <a:r>
+              <a:rPr lang="en" sz="1500"/>
+              <a:t>RandomizedSearchCV</a:t>
+            </a:r>
+            <a:endParaRPr sz="1500"/>
+          </a:p>
+          <a:p>
+            <a:pPr indent="-342900" lvl="0" marL="457200" rtl="0" algn="l">
+              <a:spcBef>
+                <a:spcPts val="0"/>
+              </a:spcBef>
+              <a:spcAft>
+                <a:spcPts val="0"/>
+              </a:spcAft>
+              <a:buSzPts val="1800"/>
+              <a:buChar char="●"/>
+            </a:pPr>
+            <a:r>
+              <a:rPr lang="en"/>
+              <a:t>Choosing a scoring metric:</a:t>
+            </a:r>
+            <a:endParaRPr/>
+          </a:p>
+          <a:p>
+            <a:pPr indent="-323850" lvl="1" marL="1371600" rtl="0" algn="l">
+              <a:spcBef>
+                <a:spcPts val="0"/>
+              </a:spcBef>
+              <a:spcAft>
+                <a:spcPts val="0"/>
+              </a:spcAft>
+              <a:buSzPts val="1500"/>
+              <a:buChar char="○"/>
+            </a:pPr>
+            <a:r>
+              <a:rPr lang="en" sz="1500"/>
+              <a:t>‘f1’</a:t>
+            </a:r>
+            <a:endParaRPr sz="1500"/>
+          </a:p>
+          <a:p>
+            <a:pPr indent="-323850" lvl="1" marL="1371600" rtl="0" algn="l">
+              <a:spcBef>
+                <a:spcPts val="0"/>
+              </a:spcBef>
+              <a:spcAft>
+                <a:spcPts val="0"/>
+              </a:spcAft>
+              <a:buSzPts val="1500"/>
+              <a:buChar char="○"/>
+            </a:pPr>
+            <a:r>
+              <a:rPr lang="en" sz="1500"/>
+              <a:t>‘accuracy’</a:t>
+            </a:r>
+            <a:endParaRPr sz="1500"/>
+          </a:p>
+          <a:p>
+            <a:pPr indent="-323850" lvl="1" marL="1371600" rtl="0" algn="l">
+              <a:spcBef>
+                <a:spcPts val="0"/>
+              </a:spcBef>
+              <a:spcAft>
+                <a:spcPts val="0"/>
+              </a:spcAft>
+              <a:buSzPts val="1500"/>
+              <a:buChar char="○"/>
+            </a:pPr>
+            <a:r>
+              <a:rPr lang="en" sz="1500"/>
+              <a:t>‘Balanced_accuracy’</a:t>
+            </a:r>
+            <a:endParaRPr sz="1500"/>
+          </a:p>
+          <a:p>
+            <a:pPr indent="-342900" lvl="0" marL="457200" rtl="0" algn="l">
+              <a:spcBef>
+                <a:spcPts val="0"/>
+              </a:spcBef>
+              <a:spcAft>
+                <a:spcPts val="0"/>
+              </a:spcAft>
+              <a:buSzPts val="1800"/>
+              <a:buChar char="●"/>
+            </a:pPr>
+            <a:r>
+              <a:rPr lang="en"/>
+              <a:t>Future: Bayesian optimization</a:t>
+            </a:r>
+            <a:endParaRPr/>
+          </a:p>
+        </p:txBody>
+      </p:sp>
     </p:spTree>
   </p:cSld>
   <p:clrMapOvr>
